--- a/doc/_meeting_weekly_doc/01_week_plan_20161028.pptx
+++ b/doc/_meeting_weekly_doc/01_week_plan_20161028.pptx
@@ -3286,7 +3286,7 @@
         </p:nvGraphicFramePr>
         <p:xfrm>
           <a:off x="467544" y="1268760"/>
-          <a:ext cx="8229600" cy="1483360"/>
+          <a:ext cx="8229600" cy="3022600"/>
         </p:xfrm>
         <a:graphic>
           <a:graphicData uri="http://schemas.openxmlformats.org/drawingml/2006/table">
@@ -3832,8 +3832,63 @@
                     <a:bodyPr/>
                     <a:lstStyle/>
                     <a:p>
+                      <a:pPr marL="0" marR="0" indent="0" algn="ctr" defTabSz="914400" rtl="0" eaLnBrk="1" fontAlgn="auto" latinLnBrk="1" hangingPunct="1">
+                        <a:lnSpc>
+                          <a:spcPct val="100000"/>
+                        </a:lnSpc>
+                        <a:spcBef>
+                          <a:spcPts val="0"/>
+                        </a:spcBef>
+                        <a:spcAft>
+                          <a:spcPts val="0"/>
+                        </a:spcAft>
+                        <a:buClrTx/>
+                        <a:buSzTx/>
+                        <a:buFontTx/>
+                        <a:buNone/>
+                        <a:tabLst/>
+                        <a:defRPr/>
+                      </a:pPr>
+                      <a:r>
+                        <a:rPr lang="en-US" altLang="ko-KR" sz="1200" b="0" dirty="0" smtClean="0">
+                          <a:solidFill>
+                            <a:schemeClr val="tx1"/>
+                          </a:solidFill>
+                          <a:latin typeface="+mn-lt"/>
+                        </a:rPr>
+                        <a:t>1</a:t>
+                      </a:r>
+                      <a:r>
+                        <a:rPr lang="ko-KR" altLang="en-US" sz="1200" b="0" dirty="0" smtClean="0">
+                          <a:solidFill>
+                            <a:schemeClr val="tx1"/>
+                          </a:solidFill>
+                          <a:latin typeface="+mn-lt"/>
+                        </a:rPr>
+                        <a:t>차</a:t>
+                      </a:r>
+                      <a:r>
+                        <a:rPr lang="en-US" altLang="ko-KR" sz="1200" b="0" dirty="0" smtClean="0">
+                          <a:solidFill>
+                            <a:schemeClr val="tx1"/>
+                          </a:solidFill>
+                          <a:latin typeface="+mn-lt"/>
+                        </a:rPr>
+                        <a:t>PT</a:t>
+                      </a:r>
+                      <a:r>
+                        <a:rPr lang="ko-KR" altLang="en-US" sz="1200" b="0" dirty="0" smtClean="0">
+                          <a:solidFill>
+                            <a:schemeClr val="tx1"/>
+                          </a:solidFill>
+                          <a:latin typeface="+mn-lt"/>
+                        </a:rPr>
+                        <a:t>용 데모 프로그램작성</a:t>
+                      </a:r>
+                    </a:p>
+                    <a:p>
                       <a:pPr algn="ctr" latinLnBrk="1"/>
-                      <a:endParaRPr lang="ko-KR" altLang="en-US" b="0" dirty="0">
+                      <a:endParaRPr lang="ko-KR" altLang="en-US" sz="1200" b="0" dirty="0">
                         <a:solidFill>
                           <a:schemeClr val="tx1"/>
                         </a:solidFill>
@@ -3887,7 +3942,43 @@
                     <a:lstStyle/>
                     <a:p>
                       <a:pPr algn="ctr" latinLnBrk="1"/>
-                      <a:endParaRPr lang="ko-KR" altLang="en-US" b="0" dirty="0">
+                      <a:r>
+                        <a:rPr lang="en-US" altLang="ko-KR" sz="1200" b="0" dirty="0" smtClean="0">
+                          <a:solidFill>
+                            <a:schemeClr val="tx1"/>
+                          </a:solidFill>
+                          <a:latin typeface="+mn-lt"/>
+                        </a:rPr>
+                        <a:t>1</a:t>
+                      </a:r>
+                      <a:r>
+                        <a:rPr lang="ko-KR" altLang="en-US" sz="1200" b="0" dirty="0" smtClean="0">
+                          <a:solidFill>
+                            <a:schemeClr val="tx1"/>
+                          </a:solidFill>
+                          <a:latin typeface="+mn-lt"/>
+                        </a:rPr>
+                        <a:t>차</a:t>
+                      </a:r>
+                      <a:r>
+                        <a:rPr lang="en-US" altLang="ko-KR" sz="1200" b="0" dirty="0" smtClean="0">
+                          <a:solidFill>
+                            <a:schemeClr val="tx1"/>
+                          </a:solidFill>
+                          <a:latin typeface="+mn-lt"/>
+                        </a:rPr>
+                        <a:t>PT</a:t>
+                      </a:r>
+                      <a:r>
+                        <a:rPr lang="ko-KR" altLang="en-US" sz="1200" b="0" dirty="0" smtClean="0">
+                          <a:solidFill>
+                            <a:schemeClr val="tx1"/>
+                          </a:solidFill>
+                          <a:latin typeface="+mn-lt"/>
+                        </a:rPr>
+                        <a:t>용 데모 프로그램작성</a:t>
+                      </a:r>
+                      <a:endParaRPr lang="ko-KR" altLang="en-US" sz="1200" b="0" dirty="0">
                         <a:solidFill>
                           <a:schemeClr val="tx1"/>
                         </a:solidFill>
@@ -3941,7 +4032,16 @@
                     <a:lstStyle/>
                     <a:p>
                       <a:pPr algn="ctr" latinLnBrk="1"/>
-                      <a:endParaRPr lang="ko-KR" altLang="en-US" b="0" dirty="0">
+                      <a:r>
+                        <a:rPr lang="ko-KR" altLang="en-US" sz="1200" b="0" dirty="0" smtClean="0">
+                          <a:solidFill>
+                            <a:schemeClr val="tx1"/>
+                          </a:solidFill>
+                          <a:latin typeface="+mn-lt"/>
+                        </a:rPr>
+                        <a:t>발표</a:t>
+                      </a:r>
+                      <a:endParaRPr lang="ko-KR" altLang="en-US" sz="1200" b="0" dirty="0">
                         <a:solidFill>
                           <a:schemeClr val="tx1"/>
                         </a:solidFill>
@@ -3995,7 +4095,124 @@
                     <a:lstStyle/>
                     <a:p>
                       <a:pPr algn="ctr" latinLnBrk="1"/>
-                      <a:endParaRPr lang="ko-KR" altLang="en-US" b="0" dirty="0">
+                      <a:r>
+                        <a:rPr lang="en-US" altLang="ko-KR" sz="1200" b="0" dirty="0" err="1" smtClean="0">
+                          <a:solidFill>
+                            <a:schemeClr val="tx1"/>
+                          </a:solidFill>
+                          <a:latin typeface="+mn-lt"/>
+                        </a:rPr>
+                        <a:t>EffectCore</a:t>
+                      </a:r>
+                      <a:r>
+                        <a:rPr lang="en-US" altLang="ko-KR" sz="1200" b="0" dirty="0" smtClean="0">
+                          <a:solidFill>
+                            <a:schemeClr val="tx1"/>
+                          </a:solidFill>
+                          <a:latin typeface="+mn-lt"/>
+                        </a:rPr>
+                        <a:t>,</a:t>
+                      </a:r>
+                    </a:p>
+                    <a:p>
+                      <a:pPr algn="ctr" latinLnBrk="1"/>
+                      <a:r>
+                        <a:rPr lang="en-US" altLang="ko-KR" sz="1200" b="0" dirty="0" err="1" smtClean="0">
+                          <a:solidFill>
+                            <a:schemeClr val="tx1"/>
+                          </a:solidFill>
+                          <a:latin typeface="+mn-lt"/>
+                        </a:rPr>
+                        <a:t>MapCore</a:t>
+                      </a:r>
+                      <a:r>
+                        <a:rPr lang="en-US" altLang="ko-KR" sz="1200" b="0" dirty="0" smtClean="0">
+                          <a:solidFill>
+                            <a:schemeClr val="tx1"/>
+                          </a:solidFill>
+                          <a:latin typeface="+mn-lt"/>
+                        </a:rPr>
+                        <a:t>,</a:t>
+                      </a:r>
+                    </a:p>
+                    <a:p>
+                      <a:pPr algn="ctr" latinLnBrk="1"/>
+                      <a:r>
+                        <a:rPr lang="en-US" altLang="ko-KR" sz="1200" b="0" dirty="0" err="1" smtClean="0">
+                          <a:solidFill>
+                            <a:schemeClr val="tx1"/>
+                          </a:solidFill>
+                          <a:latin typeface="+mn-lt"/>
+                        </a:rPr>
+                        <a:t>CharacterCore</a:t>
+                      </a:r>
+                      <a:r>
+                        <a:rPr lang="ko-KR" altLang="en-US" sz="1200" b="0" dirty="0" smtClean="0">
+                          <a:solidFill>
+                            <a:schemeClr val="tx1"/>
+                          </a:solidFill>
+                          <a:latin typeface="+mn-lt"/>
+                        </a:rPr>
+                        <a:t>구조 잡음</a:t>
+                      </a:r>
+                      <a:r>
+                        <a:rPr lang="en-US" altLang="ko-KR" sz="1200" b="0" dirty="0" smtClean="0">
+                          <a:solidFill>
+                            <a:schemeClr val="tx1"/>
+                          </a:solidFill>
+                          <a:latin typeface="+mn-lt"/>
+                        </a:rPr>
+                        <a:t>.</a:t>
+                      </a:r>
+                      <a:r>
+                        <a:rPr lang="en-US" altLang="ko-KR" sz="1200" b="0" baseline="0" dirty="0" smtClean="0">
+                          <a:solidFill>
+                            <a:schemeClr val="tx1"/>
+                          </a:solidFill>
+                          <a:latin typeface="+mn-lt"/>
+                        </a:rPr>
+                        <a:t> </a:t>
+                      </a:r>
+                    </a:p>
+                    <a:p>
+                      <a:pPr algn="ctr" latinLnBrk="1"/>
+                      <a:r>
+                        <a:rPr lang="ko-KR" altLang="en-US" sz="1200" b="0" baseline="0" dirty="0" smtClean="0">
+                          <a:solidFill>
+                            <a:schemeClr val="tx1"/>
+                          </a:solidFill>
+                          <a:latin typeface="+mn-lt"/>
+                        </a:rPr>
+                        <a:t>전체일정표</a:t>
+                      </a:r>
+                      <a:r>
+                        <a:rPr lang="en-US" altLang="ko-KR" sz="1200" b="0" baseline="0" dirty="0" smtClean="0">
+                          <a:solidFill>
+                            <a:schemeClr val="tx1"/>
+                          </a:solidFill>
+                          <a:latin typeface="+mn-lt"/>
+                        </a:rPr>
+                        <a:t>, (</a:t>
+                      </a:r>
+                      <a:r>
+                        <a:rPr lang="ko-KR" altLang="en-US" sz="1200" b="0" baseline="0" dirty="0" smtClean="0">
+                          <a:solidFill>
+                            <a:schemeClr val="tx1"/>
+                          </a:solidFill>
+                          <a:latin typeface="+mn-lt"/>
+                        </a:rPr>
+                        <a:t>개인일정표 작성</a:t>
+                      </a:r>
+                      <a:r>
+                        <a:rPr lang="en-US" altLang="ko-KR" sz="1200" b="0" baseline="0" dirty="0" smtClean="0">
+                          <a:solidFill>
+                            <a:schemeClr val="tx1"/>
+                          </a:solidFill>
+                          <a:latin typeface="+mn-lt"/>
+                        </a:rPr>
+                        <a:t>).</a:t>
+                      </a:r>
+                      <a:endParaRPr lang="ko-KR" altLang="en-US" sz="1200" b="0" dirty="0">
                         <a:solidFill>
                           <a:schemeClr val="tx1"/>
                         </a:solidFill>
@@ -4049,12 +4266,63 @@
                     <a:lstStyle/>
                     <a:p>
                       <a:pPr algn="ctr" latinLnBrk="1"/>
-                      <a:endParaRPr lang="ko-KR" altLang="en-US" b="0">
-                        <a:solidFill>
-                          <a:schemeClr val="tx1"/>
-                        </a:solidFill>
-                        <a:latin typeface="+mn-lt"/>
-                      </a:endParaRPr>
+                      <a:r>
+                        <a:rPr lang="en-US" altLang="ko-KR" sz="1200" b="0" dirty="0" err="1" smtClean="0">
+                          <a:solidFill>
+                            <a:schemeClr val="tx1"/>
+                          </a:solidFill>
+                          <a:latin typeface="+mn-lt"/>
+                        </a:rPr>
+                        <a:t>Resouce</a:t>
+                      </a:r>
+                      <a:r>
+                        <a:rPr lang="en-US" altLang="ko-KR" sz="1200" b="0" baseline="0" dirty="0" smtClean="0">
+                          <a:solidFill>
+                            <a:schemeClr val="tx1"/>
+                          </a:solidFill>
+                          <a:latin typeface="+mn-lt"/>
+                        </a:rPr>
+                        <a:t> List </a:t>
+                      </a:r>
+                      <a:r>
+                        <a:rPr lang="ko-KR" altLang="en-US" sz="1200" b="0" baseline="0" dirty="0" smtClean="0">
+                          <a:solidFill>
+                            <a:schemeClr val="tx1"/>
+                          </a:solidFill>
+                          <a:latin typeface="+mn-lt"/>
+                        </a:rPr>
+                        <a:t>작성</a:t>
+                      </a:r>
+                      <a:r>
+                        <a:rPr lang="en-US" altLang="ko-KR" sz="1200" b="0" baseline="0" dirty="0" smtClean="0">
+                          <a:solidFill>
+                            <a:schemeClr val="tx1"/>
+                          </a:solidFill>
+                          <a:latin typeface="+mn-lt"/>
+                        </a:rPr>
+                        <a:t>,</a:t>
+                      </a:r>
+                    </a:p>
+                    <a:p>
+                      <a:pPr algn="ctr" latinLnBrk="1"/>
+                      <a:r>
+                        <a:rPr lang="ko-KR" altLang="en-US" sz="1200" b="0" baseline="0" dirty="0" smtClean="0">
+                          <a:solidFill>
+                            <a:schemeClr val="tx1"/>
+                          </a:solidFill>
+                          <a:latin typeface="+mn-lt"/>
+                        </a:rPr>
+                        <a:t>전체일정표취합 작성</a:t>
+                      </a:r>
+                      <a:r>
+                        <a:rPr lang="en-US" altLang="ko-KR" sz="1200" b="0" baseline="0" dirty="0" smtClean="0">
+                          <a:solidFill>
+                            <a:schemeClr val="tx1"/>
+                          </a:solidFill>
+                          <a:latin typeface="+mn-lt"/>
+                        </a:rPr>
+                        <a:t>.</a:t>
+                      </a:r>
                     </a:p>
                   </a:txBody>
                   <a:tcPr>
@@ -4167,8 +4435,63 @@
                     <a:bodyPr/>
                     <a:lstStyle/>
                     <a:p>
+                      <a:pPr marL="0" marR="0" indent="0" algn="ctr" defTabSz="914400" rtl="0" eaLnBrk="1" fontAlgn="auto" latinLnBrk="1" hangingPunct="1">
+                        <a:lnSpc>
+                          <a:spcPct val="100000"/>
+                        </a:lnSpc>
+                        <a:spcBef>
+                          <a:spcPts val="0"/>
+                        </a:spcBef>
+                        <a:spcAft>
+                          <a:spcPts val="0"/>
+                        </a:spcAft>
+                        <a:buClrTx/>
+                        <a:buSzTx/>
+                        <a:buFontTx/>
+                        <a:buNone/>
+                        <a:tabLst/>
+                        <a:defRPr/>
+                      </a:pPr>
+                      <a:r>
+                        <a:rPr lang="en-US" altLang="ko-KR" sz="1200" b="0" dirty="0" smtClean="0">
+                          <a:solidFill>
+                            <a:schemeClr val="tx1"/>
+                          </a:solidFill>
+                          <a:latin typeface="+mn-lt"/>
+                        </a:rPr>
+                        <a:t>1</a:t>
+                      </a:r>
+                      <a:r>
+                        <a:rPr lang="ko-KR" altLang="en-US" sz="1200" b="0" dirty="0" smtClean="0">
+                          <a:solidFill>
+                            <a:schemeClr val="tx1"/>
+                          </a:solidFill>
+                          <a:latin typeface="+mn-lt"/>
+                        </a:rPr>
+                        <a:t>차</a:t>
+                      </a:r>
+                      <a:r>
+                        <a:rPr lang="en-US" altLang="ko-KR" sz="1200" b="0" dirty="0" smtClean="0">
+                          <a:solidFill>
+                            <a:schemeClr val="tx1"/>
+                          </a:solidFill>
+                          <a:latin typeface="+mn-lt"/>
+                        </a:rPr>
+                        <a:t>PT</a:t>
+                      </a:r>
+                      <a:r>
+                        <a:rPr lang="ko-KR" altLang="en-US" sz="1200" b="0" dirty="0" smtClean="0">
+                          <a:solidFill>
+                            <a:schemeClr val="tx1"/>
+                          </a:solidFill>
+                          <a:latin typeface="+mn-lt"/>
+                        </a:rPr>
+                        <a:t>용 데모 프로그램작성</a:t>
+                      </a:r>
+                    </a:p>
+                    <a:p>
                       <a:pPr algn="ctr" latinLnBrk="1"/>
-                      <a:endParaRPr lang="ko-KR" altLang="en-US" b="0">
+                      <a:endParaRPr lang="ko-KR" altLang="en-US" sz="1200" b="0" dirty="0">
                         <a:solidFill>
                           <a:schemeClr val="tx1"/>
                         </a:solidFill>
@@ -4222,7 +4545,16 @@
                     <a:lstStyle/>
                     <a:p>
                       <a:pPr algn="ctr" latinLnBrk="1"/>
-                      <a:endParaRPr lang="ko-KR" altLang="en-US" b="0" dirty="0">
+                      <a:r>
+                        <a:rPr lang="ko-KR" altLang="en-US" sz="1200" b="0" dirty="0" smtClean="0">
+                          <a:solidFill>
+                            <a:schemeClr val="tx1"/>
+                          </a:solidFill>
+                          <a:latin typeface="+mn-lt"/>
+                        </a:rPr>
+                        <a:t>발표</a:t>
+                      </a:r>
+                      <a:endParaRPr lang="ko-KR" altLang="en-US" sz="1200" b="0" dirty="0">
                         <a:solidFill>
                           <a:schemeClr val="tx1"/>
                         </a:solidFill>
@@ -4276,7 +4608,25 @@
                     <a:lstStyle/>
                     <a:p>
                       <a:pPr algn="ctr" latinLnBrk="1"/>
-                      <a:endParaRPr lang="ko-KR" altLang="en-US" b="0" dirty="0">
+                      <a:r>
+                        <a:rPr lang="ko-KR" altLang="en-US" sz="1200" b="0" dirty="0" smtClean="0">
+                          <a:solidFill>
+                            <a:schemeClr val="tx1"/>
+                          </a:solidFill>
+                          <a:latin typeface="+mn-lt"/>
+                        </a:rPr>
+                        <a:t>전체일정표 작성</a:t>
+                      </a:r>
+                      <a:r>
+                        <a:rPr lang="en-US" altLang="ko-KR" sz="1200" b="0" dirty="0" smtClean="0">
+                          <a:solidFill>
+                            <a:schemeClr val="tx1"/>
+                          </a:solidFill>
+                          <a:latin typeface="+mn-lt"/>
+                        </a:rPr>
+                        <a:t>.</a:t>
+                      </a:r>
+                      <a:endParaRPr lang="ko-KR" altLang="en-US" sz="1200" b="0" dirty="0">
                         <a:solidFill>
                           <a:schemeClr val="tx1"/>
                         </a:solidFill>
@@ -4330,7 +4680,34 @@
                     <a:lstStyle/>
                     <a:p>
                       <a:pPr algn="ctr" latinLnBrk="1"/>
-                      <a:endParaRPr lang="ko-KR" altLang="en-US" b="0" dirty="0">
+                      <a:r>
+                        <a:rPr lang="en-US" altLang="ko-KR" sz="1200" b="0" dirty="0" smtClean="0">
+                          <a:solidFill>
+                            <a:schemeClr val="tx1"/>
+                          </a:solidFill>
+                          <a:latin typeface="+mn-lt"/>
+                        </a:rPr>
+                        <a:t>Resource</a:t>
+                      </a:r>
+                      <a:r>
+                        <a:rPr lang="en-US" altLang="ko-KR" sz="1200" b="0" baseline="0" dirty="0" smtClean="0">
+                          <a:solidFill>
+                            <a:schemeClr val="tx1"/>
+                          </a:solidFill>
+                          <a:latin typeface="+mn-lt"/>
+                        </a:rPr>
+                        <a:t> List</a:t>
+                      </a:r>
+                      <a:r>
+                        <a:rPr lang="ko-KR" altLang="en-US" sz="1200" b="0" baseline="0" dirty="0" smtClean="0">
+                          <a:solidFill>
+                            <a:schemeClr val="tx1"/>
+                          </a:solidFill>
+                          <a:latin typeface="+mn-lt"/>
+                        </a:rPr>
+                        <a:t>작성</a:t>
+                      </a:r>
+                      <a:endParaRPr lang="ko-KR" altLang="en-US" sz="1200" b="0" dirty="0">
                         <a:solidFill>
                           <a:schemeClr val="tx1"/>
                         </a:solidFill>
@@ -4384,7 +4761,34 @@
                     <a:lstStyle/>
                     <a:p>
                       <a:pPr algn="ctr" latinLnBrk="1"/>
-                      <a:endParaRPr lang="ko-KR" altLang="en-US" b="0" dirty="0">
+                      <a:r>
+                        <a:rPr lang="ko-KR" altLang="en-US" sz="1200" b="0" dirty="0" smtClean="0">
+                          <a:solidFill>
+                            <a:schemeClr val="tx1"/>
+                          </a:solidFill>
+                          <a:latin typeface="+mn-lt"/>
+                        </a:rPr>
+                        <a:t>휴식</a:t>
+                      </a:r>
+                      <a:r>
+                        <a:rPr lang="en-US" altLang="ko-KR" sz="1200" b="0" dirty="0" smtClean="0">
+                          <a:solidFill>
+                            <a:schemeClr val="tx1"/>
+                          </a:solidFill>
+                          <a:latin typeface="+mn-lt"/>
+                        </a:rPr>
+                        <a:t>, </a:t>
+                      </a:r>
+                      <a:r>
+                        <a:rPr lang="ko-KR" altLang="en-US" sz="1200" b="0" dirty="0" smtClean="0">
+                          <a:solidFill>
+                            <a:schemeClr val="tx1"/>
+                          </a:solidFill>
+                          <a:latin typeface="+mn-lt"/>
+                        </a:rPr>
+                        <a:t>주말</a:t>
+                      </a:r>
+                      <a:endParaRPr lang="ko-KR" altLang="en-US" sz="1200" b="0" dirty="0">
                         <a:solidFill>
                           <a:schemeClr val="tx1"/>
                         </a:solidFill>
@@ -4521,7 +4925,16 @@
                     <a:lstStyle/>
                     <a:p>
                       <a:pPr algn="ctr" latinLnBrk="1"/>
-                      <a:endParaRPr lang="ko-KR" altLang="en-US" b="0">
+                      <a:r>
+                        <a:rPr lang="ko-KR" altLang="en-US" sz="1200" b="0" dirty="0" smtClean="0">
+                          <a:solidFill>
+                            <a:schemeClr val="tx1"/>
+                          </a:solidFill>
+                          <a:latin typeface="+mn-lt"/>
+                        </a:rPr>
+                        <a:t>없음</a:t>
+                      </a:r>
+                      <a:endParaRPr lang="ko-KR" altLang="en-US" sz="1200" b="0" dirty="0">
                         <a:solidFill>
                           <a:schemeClr val="tx1"/>
                         </a:solidFill>
@@ -4575,7 +4988,16 @@
                     <a:lstStyle/>
                     <a:p>
                       <a:pPr algn="ctr" latinLnBrk="1"/>
-                      <a:endParaRPr lang="ko-KR" altLang="en-US" b="0">
+                      <a:r>
+                        <a:rPr lang="ko-KR" altLang="en-US" sz="1200" b="0" dirty="0" smtClean="0">
+                          <a:solidFill>
+                            <a:schemeClr val="tx1"/>
+                          </a:solidFill>
+                          <a:latin typeface="+mn-lt"/>
+                        </a:rPr>
+                        <a:t>없음</a:t>
+                      </a:r>
+                      <a:endParaRPr lang="ko-KR" altLang="en-US" sz="1200" b="0" dirty="0">
                         <a:solidFill>
                           <a:schemeClr val="tx1"/>
                         </a:solidFill>
@@ -4629,12 +5051,45 @@
                     <a:lstStyle/>
                     <a:p>
                       <a:pPr algn="ctr" latinLnBrk="1"/>
-                      <a:endParaRPr lang="ko-KR" altLang="en-US" b="0">
-                        <a:solidFill>
-                          <a:schemeClr val="tx1"/>
-                        </a:solidFill>
-                        <a:latin typeface="+mn-lt"/>
-                      </a:endParaRPr>
+                      <a:r>
+                        <a:rPr lang="ko-KR" altLang="en-US" sz="1200" b="0" dirty="0" smtClean="0">
+                          <a:solidFill>
+                            <a:schemeClr val="tx1"/>
+                          </a:solidFill>
+                          <a:latin typeface="+mn-lt"/>
+                        </a:rPr>
+                        <a:t>기술리스트가 작성필요</a:t>
+                      </a:r>
+                      <a:r>
+                        <a:rPr lang="en-US" altLang="ko-KR" sz="1200" b="0" dirty="0" smtClean="0">
+                          <a:solidFill>
+                            <a:schemeClr val="tx1"/>
+                          </a:solidFill>
+                          <a:latin typeface="+mn-lt"/>
+                        </a:rPr>
+                        <a:t>.</a:t>
+                      </a:r>
+                    </a:p>
+                    <a:p>
+                      <a:pPr algn="ctr" latinLnBrk="1"/>
+                      <a:r>
+                        <a:rPr lang="ko-KR" altLang="en-US" sz="1200" b="0" dirty="0" smtClean="0">
+                          <a:solidFill>
+                            <a:schemeClr val="tx1"/>
+                          </a:solidFill>
+                          <a:latin typeface="+mn-lt"/>
+                        </a:rPr>
+                        <a:t>상세기획작성필요</a:t>
+                      </a:r>
+                      <a:r>
+                        <a:rPr lang="en-US" altLang="ko-KR" sz="1200" b="0" dirty="0" smtClean="0">
+                          <a:solidFill>
+                            <a:schemeClr val="tx1"/>
+                          </a:solidFill>
+                          <a:latin typeface="+mn-lt"/>
+                        </a:rPr>
+                        <a:t>.</a:t>
+                      </a:r>
                     </a:p>
                   </a:txBody>
                   <a:tcPr>
@@ -4683,7 +5138,16 @@
                     <a:lstStyle/>
                     <a:p>
                       <a:pPr algn="ctr" latinLnBrk="1"/>
-                      <a:endParaRPr lang="ko-KR" altLang="en-US" b="0" dirty="0">
+                      <a:r>
+                        <a:rPr lang="ko-KR" altLang="en-US" sz="1200" b="0" dirty="0" smtClean="0">
+                          <a:solidFill>
+                            <a:schemeClr val="tx1"/>
+                          </a:solidFill>
+                          <a:latin typeface="+mn-lt"/>
+                        </a:rPr>
+                        <a:t>없음</a:t>
+                      </a:r>
+                      <a:endParaRPr lang="ko-KR" altLang="en-US" sz="1200" b="0" dirty="0">
                         <a:solidFill>
                           <a:schemeClr val="tx1"/>
                         </a:solidFill>
@@ -4737,7 +5201,16 @@
                     <a:lstStyle/>
                     <a:p>
                       <a:pPr algn="ctr" latinLnBrk="1"/>
-                      <a:endParaRPr lang="ko-KR" altLang="en-US" b="0" dirty="0">
+                      <a:r>
+                        <a:rPr lang="ko-KR" altLang="en-US" sz="1200" b="0" dirty="0" smtClean="0">
+                          <a:solidFill>
+                            <a:schemeClr val="tx1"/>
+                          </a:solidFill>
+                          <a:latin typeface="+mn-lt"/>
+                        </a:rPr>
+                        <a:t>없음</a:t>
+                      </a:r>
+                      <a:endParaRPr lang="ko-KR" altLang="en-US" sz="1200" b="0" dirty="0">
                         <a:solidFill>
                           <a:schemeClr val="tx1"/>
                         </a:solidFill>
@@ -4864,7 +5337,7 @@
         </p:nvGraphicFramePr>
         <p:xfrm>
           <a:off x="467544" y="1268760"/>
-          <a:ext cx="8229600" cy="1483360"/>
+          <a:ext cx="8229600" cy="1930400"/>
         </p:xfrm>
         <a:graphic>
           <a:graphicData uri="http://schemas.openxmlformats.org/drawingml/2006/table">
@@ -5410,8 +5883,29 @@
                     <a:bodyPr/>
                     <a:lstStyle/>
                     <a:p>
-                      <a:pPr algn="ctr" latinLnBrk="1"/>
-                      <a:endParaRPr lang="ko-KR" altLang="en-US" b="0" dirty="0">
+                      <a:pPr algn="l" latinLnBrk="1">
+                        <a:buFont typeface="Arial" pitchFamily="34" charset="0"/>
+                        <a:buChar char="•"/>
+                      </a:pPr>
+                      <a:r>
+                        <a:rPr lang="en-US" altLang="ko-KR" sz="1100" b="0" dirty="0" smtClean="0">
+                          <a:solidFill>
+                            <a:schemeClr val="tx1"/>
+                          </a:solidFill>
+                          <a:latin typeface="+mn-lt"/>
+                        </a:rPr>
+                        <a:t> MFC </a:t>
+                      </a:r>
+                      <a:r>
+                        <a:rPr lang="en-US" altLang="ko-KR" sz="1100" b="0" dirty="0" err="1" smtClean="0">
+                          <a:solidFill>
+                            <a:schemeClr val="tx1"/>
+                          </a:solidFill>
+                          <a:latin typeface="+mn-lt"/>
+                        </a:rPr>
+                        <a:t>TileRender</a:t>
+                      </a:r>
+                      <a:endParaRPr lang="ko-KR" altLang="en-US" sz="1100" b="0" dirty="0">
                         <a:solidFill>
                           <a:schemeClr val="tx1"/>
                         </a:solidFill>
@@ -5464,8 +5958,42 @@
                     <a:bodyPr/>
                     <a:lstStyle/>
                     <a:p>
-                      <a:pPr algn="ctr" latinLnBrk="1"/>
-                      <a:endParaRPr lang="ko-KR" altLang="en-US" b="0" dirty="0">
+                      <a:pPr marL="0" marR="0" indent="0" algn="l" defTabSz="914400" rtl="0" eaLnBrk="1" fontAlgn="auto" latinLnBrk="1" hangingPunct="1">
+                        <a:lnSpc>
+                          <a:spcPct val="100000"/>
+                        </a:lnSpc>
+                        <a:spcBef>
+                          <a:spcPts val="0"/>
+                        </a:spcBef>
+                        <a:spcAft>
+                          <a:spcPts val="0"/>
+                        </a:spcAft>
+                        <a:buClrTx/>
+                        <a:buSzTx/>
+                        <a:buFont typeface="Arial" pitchFamily="34" charset="0"/>
+                        <a:buChar char="•"/>
+                        <a:tabLst/>
+                        <a:defRPr/>
+                      </a:pPr>
+                      <a:r>
+                        <a:rPr lang="en-US" altLang="ko-KR" sz="1100" b="0" dirty="0" smtClean="0">
+                          <a:solidFill>
+                            <a:schemeClr val="tx1"/>
+                          </a:solidFill>
+                          <a:latin typeface="+mn-lt"/>
+                        </a:rPr>
+                        <a:t> MFC </a:t>
+                      </a:r>
+                      <a:r>
+                        <a:rPr lang="en-US" altLang="ko-KR" sz="1100" b="0" dirty="0" err="1" smtClean="0">
+                          <a:solidFill>
+                            <a:schemeClr val="tx1"/>
+                          </a:solidFill>
+                          <a:latin typeface="+mn-lt"/>
+                        </a:rPr>
+                        <a:t>TileRender</a:t>
+                      </a:r>
+                      <a:endParaRPr lang="ko-KR" altLang="en-US" sz="1100" b="0" dirty="0" smtClean="0">
                         <a:solidFill>
                           <a:schemeClr val="tx1"/>
                         </a:solidFill>
@@ -5518,8 +6046,29 @@
                     <a:bodyPr/>
                     <a:lstStyle/>
                     <a:p>
-                      <a:pPr algn="ctr" latinLnBrk="1"/>
-                      <a:endParaRPr lang="ko-KR" altLang="en-US" b="0" dirty="0">
+                      <a:pPr algn="l" latinLnBrk="1">
+                        <a:buFont typeface="Arial" pitchFamily="34" charset="0"/>
+                        <a:buChar char="•"/>
+                      </a:pPr>
+                      <a:r>
+                        <a:rPr lang="en-US" altLang="ko-KR" sz="1100" b="0" baseline="0" dirty="0" smtClean="0">
+                          <a:solidFill>
+                            <a:schemeClr val="tx1"/>
+                          </a:solidFill>
+                          <a:latin typeface="+mn-lt"/>
+                        </a:rPr>
+                        <a:t> 1</a:t>
+                      </a:r>
+                      <a:r>
+                        <a:rPr lang="ko-KR" altLang="en-US" sz="1100" b="0" baseline="0" dirty="0" smtClean="0">
+                          <a:solidFill>
+                            <a:schemeClr val="tx1"/>
+                          </a:solidFill>
+                          <a:latin typeface="+mn-lt"/>
+                        </a:rPr>
+                        <a:t>차 발표준비</a:t>
+                      </a:r>
+                      <a:endParaRPr lang="ko-KR" altLang="en-US" sz="1100" b="0" dirty="0">
                         <a:solidFill>
                           <a:schemeClr val="tx1"/>
                         </a:solidFill>
@@ -5572,8 +6121,59 @@
                     <a:bodyPr/>
                     <a:lstStyle/>
                     <a:p>
-                      <a:pPr algn="ctr" latinLnBrk="1"/>
-                      <a:endParaRPr lang="ko-KR" altLang="en-US" b="0" dirty="0">
+                      <a:pPr algn="l" latinLnBrk="1">
+                        <a:buFont typeface="Arial" pitchFamily="34" charset="0"/>
+                        <a:buChar char="•"/>
+                      </a:pPr>
+                      <a:r>
+                        <a:rPr lang="en-US" altLang="ko-KR" sz="1100" b="0" dirty="0" smtClean="0">
+                          <a:solidFill>
+                            <a:schemeClr val="tx1"/>
+                          </a:solidFill>
+                          <a:latin typeface="+mn-lt"/>
+                        </a:rPr>
+                        <a:t> 2</a:t>
+                      </a:r>
+                      <a:r>
+                        <a:rPr lang="ko-KR" altLang="en-US" sz="1100" b="0" dirty="0" smtClean="0">
+                          <a:solidFill>
+                            <a:schemeClr val="tx1"/>
+                          </a:solidFill>
+                          <a:latin typeface="+mn-lt"/>
+                        </a:rPr>
+                        <a:t>차 개발 일정 표 작성</a:t>
+                      </a:r>
+                      <a:endParaRPr lang="en-US" altLang="ko-KR" sz="1100" b="0" dirty="0" smtClean="0">
+                        <a:solidFill>
+                          <a:schemeClr val="tx1"/>
+                        </a:solidFill>
+                        <a:latin typeface="+mn-lt"/>
+                      </a:endParaRPr>
+                    </a:p>
+                    <a:p>
+                      <a:pPr algn="l" latinLnBrk="1">
+                        <a:buFont typeface="Arial" pitchFamily="34" charset="0"/>
+                        <a:buChar char="•"/>
+                      </a:pPr>
+                      <a:r>
+                        <a:rPr lang="en-US" altLang="ko-KR" sz="1100" b="0" dirty="0" smtClean="0">
+                          <a:solidFill>
+                            <a:schemeClr val="tx1"/>
+                          </a:solidFill>
+                          <a:latin typeface="+mn-lt"/>
+                        </a:rPr>
+                        <a:t> </a:t>
+                      </a:r>
+                      <a:r>
+                        <a:rPr lang="ko-KR" altLang="en-US" sz="1100" b="0" dirty="0" smtClean="0">
+                          <a:solidFill>
+                            <a:schemeClr val="tx1"/>
+                          </a:solidFill>
+                          <a:latin typeface="+mn-lt"/>
+                        </a:rPr>
+                        <a:t>오브젝트 리스트 작성</a:t>
+                      </a:r>
+                      <a:endParaRPr lang="ko-KR" altLang="en-US" sz="1100" b="0" dirty="0">
                         <a:solidFill>
                           <a:schemeClr val="tx1"/>
                         </a:solidFill>
@@ -5626,8 +6226,29 @@
                     <a:bodyPr/>
                     <a:lstStyle/>
                     <a:p>
-                      <a:pPr algn="ctr" latinLnBrk="1"/>
-                      <a:endParaRPr lang="ko-KR" altLang="en-US" b="0">
+                      <a:pPr algn="l" latinLnBrk="1">
+                        <a:buFont typeface="Arial" pitchFamily="34" charset="0"/>
+                        <a:buChar char="•"/>
+                      </a:pPr>
+                      <a:r>
+                        <a:rPr lang="en-US" altLang="ko-KR" sz="1100" b="0" dirty="0" smtClean="0">
+                          <a:solidFill>
+                            <a:schemeClr val="tx1"/>
+                          </a:solidFill>
+                          <a:latin typeface="+mn-lt"/>
+                        </a:rPr>
+                        <a:t> 2</a:t>
+                      </a:r>
+                      <a:r>
+                        <a:rPr lang="ko-KR" altLang="en-US" sz="1100" b="0" dirty="0" smtClean="0">
+                          <a:solidFill>
+                            <a:schemeClr val="tx1"/>
+                          </a:solidFill>
+                          <a:latin typeface="+mn-lt"/>
+                        </a:rPr>
+                        <a:t>차 개발 환경 설정</a:t>
+                      </a:r>
+                      <a:endParaRPr lang="en-US" altLang="ko-KR" sz="1100" b="0" dirty="0" smtClean="0">
                         <a:solidFill>
                           <a:schemeClr val="tx1"/>
                         </a:solidFill>
@@ -5745,8 +6366,20 @@
                     <a:bodyPr/>
                     <a:lstStyle/>
                     <a:p>
-                      <a:pPr algn="ctr" latinLnBrk="1"/>
-                      <a:endParaRPr lang="ko-KR" altLang="en-US" b="0">
+                      <a:pPr algn="l" latinLnBrk="1">
+                        <a:buFont typeface="Arial" pitchFamily="34" charset="0"/>
+                        <a:buChar char="•"/>
+                      </a:pPr>
+                      <a:r>
+                        <a:rPr lang="en-US" altLang="ko-KR" sz="1100" b="0" dirty="0" smtClean="0">
+                          <a:solidFill>
+                            <a:schemeClr val="tx1"/>
+                          </a:solidFill>
+                          <a:latin typeface="+mn-lt"/>
+                        </a:rPr>
+                        <a:t> Tile Render</a:t>
+                      </a:r>
+                      <a:endParaRPr lang="ko-KR" altLang="en-US" sz="1100" b="0" dirty="0">
                         <a:solidFill>
                           <a:schemeClr val="tx1"/>
                         </a:solidFill>
@@ -5799,8 +6432,29 @@
                     <a:bodyPr/>
                     <a:lstStyle/>
                     <a:p>
-                      <a:pPr algn="ctr" latinLnBrk="1"/>
-                      <a:endParaRPr lang="ko-KR" altLang="en-US" b="0" dirty="0">
+                      <a:pPr algn="l" latinLnBrk="1">
+                        <a:buFont typeface="Arial" pitchFamily="34" charset="0"/>
+                        <a:buChar char="•"/>
+                      </a:pPr>
+                      <a:r>
+                        <a:rPr lang="en-US" altLang="ko-KR" sz="1100" b="0" dirty="0" smtClean="0">
+                          <a:solidFill>
+                            <a:schemeClr val="tx1"/>
+                          </a:solidFill>
+                          <a:latin typeface="+mn-lt"/>
+                        </a:rPr>
+                        <a:t> 1</a:t>
+                      </a:r>
+                      <a:r>
+                        <a:rPr lang="ko-KR" altLang="en-US" sz="1100" b="0" dirty="0" smtClean="0">
+                          <a:solidFill>
+                            <a:schemeClr val="tx1"/>
+                          </a:solidFill>
+                          <a:latin typeface="+mn-lt"/>
+                        </a:rPr>
+                        <a:t>차 발표 준비</a:t>
+                      </a:r>
+                      <a:endParaRPr lang="ko-KR" altLang="en-US" sz="1100" b="0" dirty="0">
                         <a:solidFill>
                           <a:schemeClr val="tx1"/>
                         </a:solidFill>
@@ -5853,8 +6507,11 @@
                     <a:bodyPr/>
                     <a:lstStyle/>
                     <a:p>
-                      <a:pPr algn="ctr" latinLnBrk="1"/>
-                      <a:endParaRPr lang="ko-KR" altLang="en-US" b="0" dirty="0">
+                      <a:pPr algn="l" latinLnBrk="1">
+                        <a:buFont typeface="Arial" pitchFamily="34" charset="0"/>
+                        <a:buNone/>
+                      </a:pPr>
+                      <a:endParaRPr lang="ko-KR" altLang="en-US" sz="1100" b="0" dirty="0">
                         <a:solidFill>
                           <a:schemeClr val="tx1"/>
                         </a:solidFill>
@@ -5907,8 +6564,11 @@
                     <a:bodyPr/>
                     <a:lstStyle/>
                     <a:p>
-                      <a:pPr algn="ctr" latinLnBrk="1"/>
-                      <a:endParaRPr lang="ko-KR" altLang="en-US" b="0" dirty="0">
+                      <a:pPr algn="l" latinLnBrk="1">
+                        <a:buFont typeface="Arial" pitchFamily="34" charset="0"/>
+                        <a:buChar char="•"/>
+                      </a:pPr>
+                      <a:endParaRPr lang="ko-KR" altLang="en-US" sz="1100" b="0" dirty="0">
                         <a:solidFill>
                           <a:schemeClr val="tx1"/>
                         </a:solidFill>
@@ -5961,8 +6621,38 @@
                     <a:bodyPr/>
                     <a:lstStyle/>
                     <a:p>
-                      <a:pPr algn="ctr" latinLnBrk="1"/>
-                      <a:endParaRPr lang="ko-KR" altLang="en-US" b="0" dirty="0">
+                      <a:pPr algn="l" latinLnBrk="1">
+                        <a:buFont typeface="Arial" pitchFamily="34" charset="0"/>
+                        <a:buChar char="•"/>
+                      </a:pPr>
+                      <a:r>
+                        <a:rPr lang="en-US" altLang="ko-KR" sz="1100" b="0" dirty="0" smtClean="0">
+                          <a:solidFill>
+                            <a:schemeClr val="tx1"/>
+                          </a:solidFill>
+                          <a:latin typeface="+mn-lt"/>
+                        </a:rPr>
+                        <a:t> LOD</a:t>
+                      </a:r>
+                      <a:r>
+                        <a:rPr lang="en-US" altLang="ko-KR" sz="1100" b="0" baseline="0" dirty="0" smtClean="0">
+                          <a:solidFill>
+                            <a:schemeClr val="tx1"/>
+                          </a:solidFill>
+                          <a:latin typeface="+mn-lt"/>
+                        </a:rPr>
+                        <a:t> </a:t>
+                      </a:r>
+                      <a:r>
+                        <a:rPr lang="ko-KR" altLang="en-US" sz="1100" b="0" baseline="0" dirty="0" smtClean="0">
+                          <a:solidFill>
+                            <a:schemeClr val="tx1"/>
+                          </a:solidFill>
+                          <a:latin typeface="+mn-lt"/>
+                        </a:rPr>
+                        <a:t>직접 코딩</a:t>
+                      </a:r>
+                      <a:endParaRPr lang="en-US" altLang="ko-KR" sz="1100" b="0" baseline="0" dirty="0" smtClean="0">
                         <a:solidFill>
                           <a:schemeClr val="tx1"/>
                         </a:solidFill>
@@ -6098,8 +6788,20 @@
                     <a:bodyPr/>
                     <a:lstStyle/>
                     <a:p>
-                      <a:pPr algn="ctr" latinLnBrk="1"/>
-                      <a:endParaRPr lang="ko-KR" altLang="en-US" b="0">
+                      <a:pPr algn="l" latinLnBrk="1">
+                        <a:buFont typeface="Arial" pitchFamily="34" charset="0"/>
+                        <a:buChar char="•"/>
+                      </a:pPr>
+                      <a:r>
+                        <a:rPr lang="en-US" altLang="ko-KR" sz="1100" b="0" baseline="0" dirty="0" smtClean="0">
+                          <a:solidFill>
+                            <a:schemeClr val="tx1"/>
+                          </a:solidFill>
+                          <a:latin typeface="+mn-lt"/>
+                        </a:rPr>
+                        <a:t> </a:t>
+                      </a:r>
+                      <a:endParaRPr lang="ko-KR" altLang="en-US" sz="1100" b="0" dirty="0">
                         <a:solidFill>
                           <a:schemeClr val="tx1"/>
                         </a:solidFill>
@@ -6152,8 +6854,11 @@
                     <a:bodyPr/>
                     <a:lstStyle/>
                     <a:p>
-                      <a:pPr algn="ctr" latinLnBrk="1"/>
-                      <a:endParaRPr lang="ko-KR" altLang="en-US" b="0">
+                      <a:pPr algn="l" latinLnBrk="1">
+                        <a:buFont typeface="Arial" pitchFamily="34" charset="0"/>
+                        <a:buChar char="•"/>
+                      </a:pPr>
+                      <a:endParaRPr lang="ko-KR" altLang="en-US" sz="1100" b="0" dirty="0">
                         <a:solidFill>
                           <a:schemeClr val="tx1"/>
                         </a:solidFill>
@@ -6206,8 +6911,11 @@
                     <a:bodyPr/>
                     <a:lstStyle/>
                     <a:p>
-                      <a:pPr algn="ctr" latinLnBrk="1"/>
-                      <a:endParaRPr lang="ko-KR" altLang="en-US" b="0">
+                      <a:pPr algn="l" latinLnBrk="1">
+                        <a:buFont typeface="Arial" pitchFamily="34" charset="0"/>
+                        <a:buChar char="•"/>
+                      </a:pPr>
+                      <a:endParaRPr lang="ko-KR" altLang="en-US" sz="1100" b="0" dirty="0">
                         <a:solidFill>
                           <a:schemeClr val="tx1"/>
                         </a:solidFill>
@@ -6260,8 +6968,38 @@
                     <a:bodyPr/>
                     <a:lstStyle/>
                     <a:p>
-                      <a:pPr algn="ctr" latinLnBrk="1"/>
-                      <a:endParaRPr lang="ko-KR" altLang="en-US" b="0" dirty="0">
+                      <a:pPr algn="l" latinLnBrk="1">
+                        <a:buFont typeface="Arial" pitchFamily="34" charset="0"/>
+                        <a:buChar char="•"/>
+                      </a:pPr>
+                      <a:r>
+                        <a:rPr lang="en-US" altLang="ko-KR" sz="1100" b="0" dirty="0" smtClean="0">
+                          <a:solidFill>
+                            <a:schemeClr val="tx1"/>
+                          </a:solidFill>
+                          <a:latin typeface="+mn-lt"/>
+                        </a:rPr>
+                        <a:t> </a:t>
+                      </a:r>
+                      <a:r>
+                        <a:rPr lang="ko-KR" altLang="en-US" sz="1100" b="0" dirty="0" smtClean="0">
+                          <a:solidFill>
+                            <a:schemeClr val="tx1"/>
+                          </a:solidFill>
+                          <a:latin typeface="+mn-lt"/>
+                        </a:rPr>
+                        <a:t>일정</a:t>
+                      </a:r>
+                      <a:r>
+                        <a:rPr lang="ko-KR" altLang="en-US" sz="1100" b="0" baseline="0" dirty="0" smtClean="0">
+                          <a:solidFill>
+                            <a:schemeClr val="tx1"/>
+                          </a:solidFill>
+                          <a:latin typeface="+mn-lt"/>
+                        </a:rPr>
+                        <a:t> 시간표가 시간을 잡아 먹음</a:t>
+                      </a:r>
+                      <a:endParaRPr lang="ko-KR" altLang="en-US" sz="1100" b="0" dirty="0">
                         <a:solidFill>
                           <a:schemeClr val="tx1"/>
                         </a:solidFill>
@@ -6314,8 +7052,11 @@
                     <a:bodyPr/>
                     <a:lstStyle/>
                     <a:p>
-                      <a:pPr algn="ctr" latinLnBrk="1"/>
-                      <a:endParaRPr lang="ko-KR" altLang="en-US" b="0" dirty="0">
+                      <a:pPr algn="l" latinLnBrk="1">
+                        <a:buFont typeface="Arial" pitchFamily="34" charset="0"/>
+                        <a:buChar char="•"/>
+                      </a:pPr>
+                      <a:endParaRPr lang="ko-KR" altLang="en-US" sz="1100" b="0" dirty="0">
                         <a:solidFill>
                           <a:schemeClr val="tx1"/>
                         </a:solidFill>
@@ -8583,7 +9324,7 @@
         </p:nvGraphicFramePr>
         <p:xfrm>
           <a:off x="467544" y="1268760"/>
-          <a:ext cx="8064896" cy="2595880"/>
+          <a:ext cx="8064896" cy="2804160"/>
         </p:xfrm>
         <a:graphic>
           <a:graphicData uri="http://schemas.openxmlformats.org/drawingml/2006/table">
@@ -8784,7 +9525,70 @@
                     <a:lstStyle/>
                     <a:p>
                       <a:pPr algn="ctr" latinLnBrk="1"/>
-                      <a:endParaRPr lang="ko-KR" altLang="en-US" b="0" dirty="0">
+                      <a:r>
+                        <a:rPr lang="ko-KR" altLang="en-US" sz="1600" b="0" dirty="0" smtClean="0">
+                          <a:solidFill>
+                            <a:schemeClr val="tx1"/>
+                          </a:solidFill>
+                          <a:latin typeface="+mn-lt"/>
+                        </a:rPr>
+                        <a:t>게임순서도작성</a:t>
+                      </a:r>
+                      <a:r>
+                        <a:rPr lang="en-US" altLang="ko-KR" sz="1600" b="0" dirty="0" smtClean="0">
+                          <a:solidFill>
+                            <a:schemeClr val="tx1"/>
+                          </a:solidFill>
+                          <a:latin typeface="+mn-lt"/>
+                        </a:rPr>
+                        <a:t>, </a:t>
+                      </a:r>
+                      <a:r>
+                        <a:rPr lang="ko-KR" altLang="en-US" sz="1600" b="0" dirty="0" err="1" smtClean="0">
+                          <a:solidFill>
+                            <a:schemeClr val="tx1"/>
+                          </a:solidFill>
+                          <a:latin typeface="+mn-lt"/>
+                        </a:rPr>
+                        <a:t>피킹기능구현</a:t>
+                      </a:r>
+                      <a:r>
+                        <a:rPr lang="en-US" altLang="ko-KR" sz="1600" b="0" dirty="0" smtClean="0">
+                          <a:solidFill>
+                            <a:schemeClr val="tx1"/>
+                          </a:solidFill>
+                          <a:latin typeface="+mn-lt"/>
+                        </a:rPr>
+                        <a:t>,</a:t>
+                      </a:r>
+                      <a:r>
+                        <a:rPr lang="en-US" altLang="ko-KR" sz="1600" b="0" baseline="0" dirty="0" smtClean="0">
+                          <a:solidFill>
+                            <a:schemeClr val="tx1"/>
+                          </a:solidFill>
+                          <a:latin typeface="+mn-lt"/>
+                        </a:rPr>
+                        <a:t> </a:t>
+                      </a:r>
+                      <a:r>
+                        <a:rPr lang="ko-KR" altLang="en-US" sz="1600" b="0" baseline="0" dirty="0" err="1" smtClean="0">
+                          <a:solidFill>
+                            <a:schemeClr val="tx1"/>
+                          </a:solidFill>
+                          <a:latin typeface="+mn-lt"/>
+                        </a:rPr>
+                        <a:t>각기능</a:t>
+                      </a:r>
+                      <a:r>
+                        <a:rPr lang="ko-KR" altLang="en-US" sz="1600" b="0" baseline="0" dirty="0" smtClean="0">
+                          <a:solidFill>
+                            <a:schemeClr val="tx1"/>
+                          </a:solidFill>
+                          <a:latin typeface="+mn-lt"/>
+                        </a:rPr>
+                        <a:t> 코어라이브러리 결합테스트</a:t>
+                      </a:r>
+                      <a:endParaRPr lang="ko-KR" altLang="en-US" sz="1600" b="0" dirty="0">
                         <a:solidFill>
                           <a:schemeClr val="tx1"/>
                         </a:solidFill>
@@ -8903,7 +9707,187 @@
                     <a:lstStyle/>
                     <a:p>
                       <a:pPr algn="ctr" latinLnBrk="1"/>
-                      <a:endParaRPr lang="ko-KR" altLang="en-US" b="0">
+                      <a:r>
+                        <a:rPr lang="ko-KR" altLang="en-US" sz="1600" b="0" dirty="0" err="1" smtClean="0">
+                          <a:solidFill>
+                            <a:schemeClr val="tx1"/>
+                          </a:solidFill>
+                          <a:latin typeface="+mn-lt"/>
+                        </a:rPr>
+                        <a:t>좀비</a:t>
+                      </a:r>
+                      <a:r>
+                        <a:rPr lang="en-US" altLang="ko-KR" sz="1600" b="0" dirty="0" smtClean="0">
+                          <a:solidFill>
+                            <a:schemeClr val="tx1"/>
+                          </a:solidFill>
+                          <a:latin typeface="+mn-lt"/>
+                        </a:rPr>
+                        <a:t>, 1</a:t>
+                      </a:r>
+                      <a:r>
+                        <a:rPr lang="ko-KR" altLang="en-US" sz="1600" b="0" dirty="0" smtClean="0">
+                          <a:solidFill>
+                            <a:schemeClr val="tx1"/>
+                          </a:solidFill>
+                          <a:latin typeface="+mn-lt"/>
+                        </a:rPr>
+                        <a:t>인칭 발사모델 </a:t>
+                      </a:r>
+                      <a:r>
+                        <a:rPr lang="ko-KR" altLang="en-US" sz="1600" b="0" dirty="0" err="1" smtClean="0">
+                          <a:solidFill>
+                            <a:schemeClr val="tx1"/>
+                          </a:solidFill>
+                          <a:latin typeface="+mn-lt"/>
+                        </a:rPr>
+                        <a:t>익스포터</a:t>
+                      </a:r>
+                      <a:r>
+                        <a:rPr lang="ko-KR" altLang="en-US" sz="1600" b="0" dirty="0" smtClean="0">
+                          <a:solidFill>
+                            <a:schemeClr val="tx1"/>
+                          </a:solidFill>
+                          <a:latin typeface="+mn-lt"/>
+                        </a:rPr>
+                        <a:t> 문제 파악</a:t>
+                      </a:r>
+                      <a:r>
+                        <a:rPr lang="en-US" altLang="ko-KR" sz="1600" b="0" baseline="0" dirty="0" smtClean="0">
+                          <a:solidFill>
+                            <a:schemeClr val="tx1"/>
+                          </a:solidFill>
+                          <a:latin typeface="+mn-lt"/>
+                        </a:rPr>
+                        <a:t>&amp; </a:t>
+                      </a:r>
+                      <a:r>
+                        <a:rPr lang="ko-KR" altLang="en-US" sz="1600" b="0" dirty="0" smtClean="0">
+                          <a:solidFill>
+                            <a:schemeClr val="tx1"/>
+                          </a:solidFill>
+                          <a:latin typeface="+mn-lt"/>
+                        </a:rPr>
+                        <a:t>출력 구현</a:t>
+                      </a:r>
+                      <a:r>
+                        <a:rPr lang="en-US" altLang="ko-KR" sz="1600" b="0" baseline="0" dirty="0" smtClean="0">
+                          <a:solidFill>
+                            <a:schemeClr val="tx1"/>
+                          </a:solidFill>
+                          <a:latin typeface="+mn-lt"/>
+                        </a:rPr>
+                        <a:t>&amp;</a:t>
+                      </a:r>
+                      <a:r>
+                        <a:rPr lang="ko-KR" altLang="en-US" sz="1600" b="0" baseline="0" dirty="0" err="1" smtClean="0">
+                          <a:solidFill>
+                            <a:schemeClr val="tx1"/>
+                          </a:solidFill>
+                          <a:latin typeface="+mn-lt"/>
+                        </a:rPr>
+                        <a:t>렌더링</a:t>
+                      </a:r>
+                      <a:endParaRPr lang="en-US" altLang="ko-KR" sz="1600" b="0" dirty="0" smtClean="0">
+                        <a:solidFill>
+                          <a:schemeClr val="tx1"/>
+                        </a:solidFill>
+                        <a:latin typeface="+mn-lt"/>
+                      </a:endParaRPr>
+                    </a:p>
+                    <a:p>
+                      <a:pPr algn="ctr" latinLnBrk="1"/>
+                      <a:r>
+                        <a:rPr lang="ko-KR" altLang="en-US" sz="1600" b="0" dirty="0" err="1" smtClean="0">
+                          <a:solidFill>
+                            <a:schemeClr val="tx1"/>
+                          </a:solidFill>
+                          <a:latin typeface="+mn-lt"/>
+                        </a:rPr>
+                        <a:t>툴구현</a:t>
+                      </a:r>
+                      <a:r>
+                        <a:rPr lang="ko-KR" altLang="en-US" sz="1600" b="0" dirty="0" smtClean="0">
+                          <a:solidFill>
+                            <a:schemeClr val="tx1"/>
+                          </a:solidFill>
+                          <a:latin typeface="+mn-lt"/>
+                        </a:rPr>
+                        <a:t> 작업</a:t>
+                      </a:r>
+                      <a:r>
+                        <a:rPr lang="en-US" altLang="ko-KR" sz="1600" b="0" dirty="0" smtClean="0">
+                          <a:solidFill>
+                            <a:schemeClr val="tx1"/>
+                          </a:solidFill>
+                          <a:latin typeface="+mn-lt"/>
+                        </a:rPr>
+                        <a:t>(</a:t>
+                      </a:r>
+                      <a:r>
+                        <a:rPr lang="ko-KR" altLang="en-US" sz="1600" b="0" dirty="0" smtClean="0">
+                          <a:solidFill>
+                            <a:schemeClr val="tx1"/>
+                          </a:solidFill>
+                          <a:latin typeface="+mn-lt"/>
+                        </a:rPr>
+                        <a:t>마우스 </a:t>
+                      </a:r>
+                      <a:r>
+                        <a:rPr lang="ko-KR" altLang="en-US" sz="1600" b="0" dirty="0" err="1" smtClean="0">
+                          <a:solidFill>
+                            <a:schemeClr val="tx1"/>
+                          </a:solidFill>
+                          <a:latin typeface="+mn-lt"/>
+                        </a:rPr>
+                        <a:t>피킹</a:t>
+                      </a:r>
+                      <a:r>
+                        <a:rPr lang="en-US" altLang="ko-KR" sz="1600" b="0" dirty="0" smtClean="0">
+                          <a:solidFill>
+                            <a:schemeClr val="tx1"/>
+                          </a:solidFill>
+                          <a:latin typeface="+mn-lt"/>
+                        </a:rPr>
+                        <a:t>. </a:t>
+                      </a:r>
+                      <a:r>
+                        <a:rPr lang="ko-KR" altLang="en-US" sz="1600" b="0" dirty="0" err="1" smtClean="0">
+                          <a:solidFill>
+                            <a:schemeClr val="tx1"/>
+                          </a:solidFill>
+                          <a:latin typeface="+mn-lt"/>
+                        </a:rPr>
+                        <a:t>바운딩</a:t>
+                      </a:r>
+                      <a:r>
+                        <a:rPr lang="ko-KR" altLang="en-US" sz="1600" b="0" dirty="0" smtClean="0">
+                          <a:solidFill>
+                            <a:schemeClr val="tx1"/>
+                          </a:solidFill>
+                          <a:latin typeface="+mn-lt"/>
+                        </a:rPr>
+                        <a:t> 박스 </a:t>
+                      </a:r>
+                      <a:r>
+                        <a:rPr lang="ko-KR" altLang="en-US" sz="1600" b="0" dirty="0" err="1" smtClean="0">
+                          <a:solidFill>
+                            <a:schemeClr val="tx1"/>
+                          </a:solidFill>
+                          <a:latin typeface="+mn-lt"/>
+                        </a:rPr>
+                        <a:t>렌더링</a:t>
+                      </a:r>
+                      <a:r>
+                        <a:rPr lang="en-US" altLang="ko-KR" sz="1600" b="0" dirty="0" smtClean="0">
+                          <a:solidFill>
+                            <a:schemeClr val="tx1"/>
+                          </a:solidFill>
+                          <a:latin typeface="+mn-lt"/>
+                        </a:rPr>
+                        <a:t>)</a:t>
+                      </a:r>
+                      <a:endParaRPr lang="ko-KR" altLang="en-US" sz="1600" b="0" dirty="0">
                         <a:solidFill>
                           <a:schemeClr val="tx1"/>
                         </a:solidFill>
@@ -8967,244 +9951,6 @@
                           <a:latin typeface="+mn-lt"/>
                         </a:rPr>
                         <a:t>맵</a:t>
-                      </a:r>
-                      <a:endParaRPr lang="ko-KR" altLang="en-US" b="0" dirty="0">
-                        <a:solidFill>
-                          <a:schemeClr val="tx1"/>
-                        </a:solidFill>
-                        <a:latin typeface="+mn-lt"/>
-                      </a:endParaRPr>
-                    </a:p>
-                  </a:txBody>
-                  <a:tcPr>
-                    <a:lnL w="12700" cap="flat" cmpd="sng" algn="ctr">
-                      <a:solidFill>
-                        <a:schemeClr val="tx1"/>
-                      </a:solidFill>
-                      <a:prstDash val="solid"/>
-                      <a:round/>
-                      <a:headEnd type="none" w="med" len="med"/>
-                      <a:tailEnd type="none" w="med" len="med"/>
-                    </a:lnL>
-                    <a:lnR w="12700" cap="flat" cmpd="sng" algn="ctr">
-                      <a:solidFill>
-                        <a:schemeClr val="tx1"/>
-                      </a:solidFill>
-                      <a:prstDash val="solid"/>
-                      <a:round/>
-                      <a:headEnd type="none" w="med" len="med"/>
-                      <a:tailEnd type="none" w="med" len="med"/>
-                    </a:lnR>
-                    <a:lnT w="12700" cap="flat" cmpd="sng" algn="ctr">
-                      <a:solidFill>
-                        <a:schemeClr val="tx1"/>
-                      </a:solidFill>
-                      <a:prstDash val="solid"/>
-                      <a:round/>
-                      <a:headEnd type="none" w="med" len="med"/>
-                      <a:tailEnd type="none" w="med" len="med"/>
-                    </a:lnT>
-                    <a:lnB w="12700" cap="flat" cmpd="sng" algn="ctr">
-                      <a:solidFill>
-                        <a:schemeClr val="tx1"/>
-                      </a:solidFill>
-                      <a:prstDash val="solid"/>
-                      <a:round/>
-                      <a:headEnd type="none" w="med" len="med"/>
-                      <a:tailEnd type="none" w="med" len="med"/>
-                    </a:lnB>
-                    <a:noFill/>
-                  </a:tcPr>
-                </a:tc>
-                <a:tc>
-                  <a:txBody>
-                    <a:bodyPr/>
-                    <a:lstStyle/>
-                    <a:p>
-                      <a:pPr algn="ctr" latinLnBrk="1"/>
-                      <a:endParaRPr lang="ko-KR" altLang="en-US" b="0" dirty="0">
-                        <a:solidFill>
-                          <a:schemeClr val="tx1"/>
-                        </a:solidFill>
-                        <a:latin typeface="+mn-lt"/>
-                      </a:endParaRPr>
-                    </a:p>
-                  </a:txBody>
-                  <a:tcPr>
-                    <a:lnL w="12700" cap="flat" cmpd="sng" algn="ctr">
-                      <a:solidFill>
-                        <a:schemeClr val="tx1"/>
-                      </a:solidFill>
-                      <a:prstDash val="solid"/>
-                      <a:round/>
-                      <a:headEnd type="none" w="med" len="med"/>
-                      <a:tailEnd type="none" w="med" len="med"/>
-                    </a:lnL>
-                    <a:lnR w="12700" cap="flat" cmpd="sng" algn="ctr">
-                      <a:solidFill>
-                        <a:schemeClr val="tx1"/>
-                      </a:solidFill>
-                      <a:prstDash val="solid"/>
-                      <a:round/>
-                      <a:headEnd type="none" w="med" len="med"/>
-                      <a:tailEnd type="none" w="med" len="med"/>
-                    </a:lnR>
-                    <a:lnT w="12700" cap="flat" cmpd="sng" algn="ctr">
-                      <a:solidFill>
-                        <a:schemeClr val="tx1"/>
-                      </a:solidFill>
-                      <a:prstDash val="solid"/>
-                      <a:round/>
-                      <a:headEnd type="none" w="med" len="med"/>
-                      <a:tailEnd type="none" w="med" len="med"/>
-                    </a:lnT>
-                    <a:lnB w="12700" cap="flat" cmpd="sng" algn="ctr">
-                      <a:solidFill>
-                        <a:schemeClr val="tx1"/>
-                      </a:solidFill>
-                      <a:prstDash val="solid"/>
-                      <a:round/>
-                      <a:headEnd type="none" w="med" len="med"/>
-                      <a:tailEnd type="none" w="med" len="med"/>
-                    </a:lnB>
-                    <a:noFill/>
-                  </a:tcPr>
-                </a:tc>
-              </a:tr>
-              <a:tr h="370840">
-                <a:tc>
-                  <a:txBody>
-                    <a:bodyPr/>
-                    <a:lstStyle/>
-                    <a:p>
-                      <a:pPr algn="ctr" latinLnBrk="1"/>
-                      <a:r>
-                        <a:rPr lang="en-US" altLang="ko-KR" b="0" dirty="0" smtClean="0">
-                          <a:solidFill>
-                            <a:schemeClr val="tx1"/>
-                          </a:solidFill>
-                          <a:latin typeface="+mn-lt"/>
-                        </a:rPr>
-                        <a:t>UI</a:t>
-                      </a:r>
-                      <a:endParaRPr lang="ko-KR" altLang="en-US" b="0" dirty="0">
-                        <a:solidFill>
-                          <a:schemeClr val="tx1"/>
-                        </a:solidFill>
-                        <a:latin typeface="+mn-lt"/>
-                      </a:endParaRPr>
-                    </a:p>
-                  </a:txBody>
-                  <a:tcPr>
-                    <a:lnL w="12700" cap="flat" cmpd="sng" algn="ctr">
-                      <a:solidFill>
-                        <a:schemeClr val="tx1"/>
-                      </a:solidFill>
-                      <a:prstDash val="solid"/>
-                      <a:round/>
-                      <a:headEnd type="none" w="med" len="med"/>
-                      <a:tailEnd type="none" w="med" len="med"/>
-                    </a:lnL>
-                    <a:lnR w="12700" cap="flat" cmpd="sng" algn="ctr">
-                      <a:solidFill>
-                        <a:schemeClr val="tx1"/>
-                      </a:solidFill>
-                      <a:prstDash val="solid"/>
-                      <a:round/>
-                      <a:headEnd type="none" w="med" len="med"/>
-                      <a:tailEnd type="none" w="med" len="med"/>
-                    </a:lnR>
-                    <a:lnT w="12700" cap="flat" cmpd="sng" algn="ctr">
-                      <a:solidFill>
-                        <a:schemeClr val="tx1"/>
-                      </a:solidFill>
-                      <a:prstDash val="solid"/>
-                      <a:round/>
-                      <a:headEnd type="none" w="med" len="med"/>
-                      <a:tailEnd type="none" w="med" len="med"/>
-                    </a:lnT>
-                    <a:lnB w="12700" cap="flat" cmpd="sng" algn="ctr">
-                      <a:solidFill>
-                        <a:schemeClr val="tx1"/>
-                      </a:solidFill>
-                      <a:prstDash val="solid"/>
-                      <a:round/>
-                      <a:headEnd type="none" w="med" len="med"/>
-                      <a:tailEnd type="none" w="med" len="med"/>
-                    </a:lnB>
-                    <a:noFill/>
-                  </a:tcPr>
-                </a:tc>
-                <a:tc>
-                  <a:txBody>
-                    <a:bodyPr/>
-                    <a:lstStyle/>
-                    <a:p>
-                      <a:pPr algn="ctr" latinLnBrk="1"/>
-                      <a:endParaRPr lang="ko-KR" altLang="en-US" b="0" dirty="0">
-                        <a:solidFill>
-                          <a:schemeClr val="tx1"/>
-                        </a:solidFill>
-                        <a:latin typeface="+mn-lt"/>
-                      </a:endParaRPr>
-                    </a:p>
-                  </a:txBody>
-                  <a:tcPr>
-                    <a:lnL w="12700" cap="flat" cmpd="sng" algn="ctr">
-                      <a:solidFill>
-                        <a:schemeClr val="tx1"/>
-                      </a:solidFill>
-                      <a:prstDash val="solid"/>
-                      <a:round/>
-                      <a:headEnd type="none" w="med" len="med"/>
-                      <a:tailEnd type="none" w="med" len="med"/>
-                    </a:lnL>
-                    <a:lnR w="12700" cap="flat" cmpd="sng" algn="ctr">
-                      <a:solidFill>
-                        <a:schemeClr val="tx1"/>
-                      </a:solidFill>
-                      <a:prstDash val="solid"/>
-                      <a:round/>
-                      <a:headEnd type="none" w="med" len="med"/>
-                      <a:tailEnd type="none" w="med" len="med"/>
-                    </a:lnR>
-                    <a:lnT w="12700" cap="flat" cmpd="sng" algn="ctr">
-                      <a:solidFill>
-                        <a:schemeClr val="tx1"/>
-                      </a:solidFill>
-                      <a:prstDash val="solid"/>
-                      <a:round/>
-                      <a:headEnd type="none" w="med" len="med"/>
-                      <a:tailEnd type="none" w="med" len="med"/>
-                    </a:lnT>
-                    <a:lnB w="12700" cap="flat" cmpd="sng" algn="ctr">
-                      <a:solidFill>
-                        <a:schemeClr val="tx1"/>
-                      </a:solidFill>
-                      <a:prstDash val="solid"/>
-                      <a:round/>
-                      <a:headEnd type="none" w="med" len="med"/>
-                      <a:tailEnd type="none" w="med" len="med"/>
-                    </a:lnB>
-                    <a:noFill/>
-                  </a:tcPr>
-                </a:tc>
-              </a:tr>
-              <a:tr h="370840">
-                <a:tc>
-                  <a:txBody>
-                    <a:bodyPr/>
-                    <a:lstStyle/>
-                    <a:p>
-                      <a:pPr algn="ctr" latinLnBrk="1"/>
-                      <a:r>
-                        <a:rPr lang="ko-KR" altLang="en-US" b="0" dirty="0" err="1" smtClean="0">
-                          <a:solidFill>
-                            <a:schemeClr val="tx1"/>
-                          </a:solidFill>
-                          <a:latin typeface="+mn-lt"/>
-                        </a:rPr>
-                        <a:t>이펙트</a:t>
                       </a:r>
                       <a:endParaRPr lang="ko-KR" altLang="en-US" b="0" dirty="0">
                         <a:solidFill>
@@ -9277,50 +10023,47 @@
                         <a:defRPr/>
                       </a:pPr>
                       <a:r>
-                        <a:rPr lang="ko-KR" altLang="en-US" b="0" dirty="0" smtClean="0">
-                          <a:solidFill>
-                            <a:schemeClr val="tx1"/>
-                          </a:solidFill>
-                          <a:latin typeface="+mn-lt"/>
-                        </a:rPr>
-                        <a:t>툴 </a:t>
-                      </a:r>
-                      <a:r>
-                        <a:rPr lang="en-US" altLang="ko-KR" b="0" dirty="0" smtClean="0">
-                          <a:solidFill>
-                            <a:schemeClr val="tx1"/>
-                          </a:solidFill>
-                          <a:latin typeface="+mn-lt"/>
-                        </a:rPr>
-                        <a:t>position, bounding box </a:t>
-                      </a:r>
-                      <a:r>
-                        <a:rPr lang="ko-KR" altLang="en-US" b="0" dirty="0" smtClean="0">
-                          <a:solidFill>
-                            <a:schemeClr val="tx1"/>
-                          </a:solidFill>
-                          <a:latin typeface="+mn-lt"/>
-                        </a:rPr>
-                        <a:t>추가 등 </a:t>
-                      </a:r>
-                      <a:r>
-                        <a:rPr lang="ko-KR" altLang="en-US" b="0" dirty="0" err="1" smtClean="0">
-                          <a:solidFill>
-                            <a:schemeClr val="tx1"/>
-                          </a:solidFill>
-                          <a:latin typeface="+mn-lt"/>
-                        </a:rPr>
-                        <a:t>이펙트</a:t>
-                      </a:r>
-                      <a:r>
-                        <a:rPr lang="ko-KR" altLang="en-US" b="0" dirty="0" smtClean="0">
-                          <a:solidFill>
-                            <a:schemeClr val="tx1"/>
-                          </a:solidFill>
-                          <a:latin typeface="+mn-lt"/>
-                        </a:rPr>
-                        <a:t> 툴 제작 마무리</a:t>
-                      </a:r>
+                        <a:rPr lang="en-US" altLang="ko-KR" sz="1600" b="0" dirty="0" smtClean="0">
+                          <a:solidFill>
+                            <a:schemeClr val="tx1"/>
+                          </a:solidFill>
+                          <a:latin typeface="+mn-lt"/>
+                        </a:rPr>
+                        <a:t>Skybox,</a:t>
+                      </a:r>
+                      <a:r>
+                        <a:rPr lang="en-US" altLang="ko-KR" sz="1600" b="0" baseline="0" dirty="0" smtClean="0">
+                          <a:solidFill>
+                            <a:schemeClr val="tx1"/>
+                          </a:solidFill>
+                          <a:latin typeface="+mn-lt"/>
+                        </a:rPr>
+                        <a:t> LOD, </a:t>
+                      </a:r>
+                      <a:r>
+                        <a:rPr lang="en-US" altLang="ko-KR" sz="1600" b="0" baseline="0" dirty="0" err="1" smtClean="0">
+                          <a:solidFill>
+                            <a:schemeClr val="tx1"/>
+                          </a:solidFill>
+                          <a:latin typeface="+mn-lt"/>
+                        </a:rPr>
+                        <a:t>MousePicking</a:t>
+                      </a:r>
+                      <a:r>
+                        <a:rPr lang="en-US" altLang="ko-KR" sz="1600" b="0" baseline="0" dirty="0" smtClean="0">
+                          <a:solidFill>
+                            <a:schemeClr val="tx1"/>
+                          </a:solidFill>
+                          <a:latin typeface="+mn-lt"/>
+                        </a:rPr>
+                        <a:t>, BSP</a:t>
+                      </a:r>
+                      <a:endParaRPr lang="ko-KR" altLang="en-US" sz="1600" b="0" dirty="0" smtClean="0">
+                        <a:solidFill>
+                          <a:schemeClr val="tx1"/>
+                        </a:solidFill>
+                        <a:latin typeface="+mn-lt"/>
+                      </a:endParaRPr>
                     </a:p>
                   </a:txBody>
                   <a:tcPr>
@@ -9378,7 +10121,7 @@
                           </a:solidFill>
                           <a:latin typeface="+mn-lt"/>
                         </a:rPr>
-                        <a:t>AI</a:t>
+                        <a:t>UI</a:t>
                       </a:r>
                       <a:endParaRPr lang="ko-KR" altLang="en-US" b="0" dirty="0">
                         <a:solidFill>
@@ -9434,7 +10177,318 @@
                     <a:lstStyle/>
                     <a:p>
                       <a:pPr algn="ctr" latinLnBrk="1"/>
+                      <a:r>
+                        <a:rPr lang="ko-KR" altLang="en-US" sz="1600" b="0" dirty="0" smtClean="0">
+                          <a:solidFill>
+                            <a:schemeClr val="tx1"/>
+                          </a:solidFill>
+                          <a:latin typeface="+mn-lt"/>
+                        </a:rPr>
+                        <a:t>없음</a:t>
+                      </a:r>
+                      <a:endParaRPr lang="ko-KR" altLang="en-US" sz="1600" b="0" dirty="0">
+                        <a:solidFill>
+                          <a:schemeClr val="tx1"/>
+                        </a:solidFill>
+                        <a:latin typeface="+mn-lt"/>
+                      </a:endParaRPr>
+                    </a:p>
+                  </a:txBody>
+                  <a:tcPr>
+                    <a:lnL w="12700" cap="flat" cmpd="sng" algn="ctr">
+                      <a:solidFill>
+                        <a:schemeClr val="tx1"/>
+                      </a:solidFill>
+                      <a:prstDash val="solid"/>
+                      <a:round/>
+                      <a:headEnd type="none" w="med" len="med"/>
+                      <a:tailEnd type="none" w="med" len="med"/>
+                    </a:lnL>
+                    <a:lnR w="12700" cap="flat" cmpd="sng" algn="ctr">
+                      <a:solidFill>
+                        <a:schemeClr val="tx1"/>
+                      </a:solidFill>
+                      <a:prstDash val="solid"/>
+                      <a:round/>
+                      <a:headEnd type="none" w="med" len="med"/>
+                      <a:tailEnd type="none" w="med" len="med"/>
+                    </a:lnR>
+                    <a:lnT w="12700" cap="flat" cmpd="sng" algn="ctr">
+                      <a:solidFill>
+                        <a:schemeClr val="tx1"/>
+                      </a:solidFill>
+                      <a:prstDash val="solid"/>
+                      <a:round/>
+                      <a:headEnd type="none" w="med" len="med"/>
+                      <a:tailEnd type="none" w="med" len="med"/>
+                    </a:lnT>
+                    <a:lnB w="12700" cap="flat" cmpd="sng" algn="ctr">
+                      <a:solidFill>
+                        <a:schemeClr val="tx1"/>
+                      </a:solidFill>
+                      <a:prstDash val="solid"/>
+                      <a:round/>
+                      <a:headEnd type="none" w="med" len="med"/>
+                      <a:tailEnd type="none" w="med" len="med"/>
+                    </a:lnB>
+                    <a:noFill/>
+                  </a:tcPr>
+                </a:tc>
+              </a:tr>
+              <a:tr h="370840">
+                <a:tc>
+                  <a:txBody>
+                    <a:bodyPr/>
+                    <a:lstStyle/>
+                    <a:p>
+                      <a:pPr algn="ctr" latinLnBrk="1"/>
+                      <a:r>
+                        <a:rPr lang="ko-KR" altLang="en-US" b="0" dirty="0" err="1" smtClean="0">
+                          <a:solidFill>
+                            <a:schemeClr val="tx1"/>
+                          </a:solidFill>
+                          <a:latin typeface="+mn-lt"/>
+                        </a:rPr>
+                        <a:t>이펙트</a:t>
+                      </a:r>
                       <a:endParaRPr lang="ko-KR" altLang="en-US" b="0" dirty="0">
+                        <a:solidFill>
+                          <a:schemeClr val="tx1"/>
+                        </a:solidFill>
+                        <a:latin typeface="+mn-lt"/>
+                      </a:endParaRPr>
+                    </a:p>
+                  </a:txBody>
+                  <a:tcPr>
+                    <a:lnL w="12700" cap="flat" cmpd="sng" algn="ctr">
+                      <a:solidFill>
+                        <a:schemeClr val="tx1"/>
+                      </a:solidFill>
+                      <a:prstDash val="solid"/>
+                      <a:round/>
+                      <a:headEnd type="none" w="med" len="med"/>
+                      <a:tailEnd type="none" w="med" len="med"/>
+                    </a:lnL>
+                    <a:lnR w="12700" cap="flat" cmpd="sng" algn="ctr">
+                      <a:solidFill>
+                        <a:schemeClr val="tx1"/>
+                      </a:solidFill>
+                      <a:prstDash val="solid"/>
+                      <a:round/>
+                      <a:headEnd type="none" w="med" len="med"/>
+                      <a:tailEnd type="none" w="med" len="med"/>
+                    </a:lnR>
+                    <a:lnT w="12700" cap="flat" cmpd="sng" algn="ctr">
+                      <a:solidFill>
+                        <a:schemeClr val="tx1"/>
+                      </a:solidFill>
+                      <a:prstDash val="solid"/>
+                      <a:round/>
+                      <a:headEnd type="none" w="med" len="med"/>
+                      <a:tailEnd type="none" w="med" len="med"/>
+                    </a:lnT>
+                    <a:lnB w="12700" cap="flat" cmpd="sng" algn="ctr">
+                      <a:solidFill>
+                        <a:schemeClr val="tx1"/>
+                      </a:solidFill>
+                      <a:prstDash val="solid"/>
+                      <a:round/>
+                      <a:headEnd type="none" w="med" len="med"/>
+                      <a:tailEnd type="none" w="med" len="med"/>
+                    </a:lnB>
+                    <a:noFill/>
+                  </a:tcPr>
+                </a:tc>
+                <a:tc>
+                  <a:txBody>
+                    <a:bodyPr/>
+                    <a:lstStyle/>
+                    <a:p>
+                      <a:pPr marL="0" marR="0" indent="0" algn="ctr" defTabSz="914400" rtl="0" eaLnBrk="1" fontAlgn="auto" latinLnBrk="1" hangingPunct="1">
+                        <a:lnSpc>
+                          <a:spcPct val="100000"/>
+                        </a:lnSpc>
+                        <a:spcBef>
+                          <a:spcPts val="0"/>
+                        </a:spcBef>
+                        <a:spcAft>
+                          <a:spcPts val="0"/>
+                        </a:spcAft>
+                        <a:buClrTx/>
+                        <a:buSzTx/>
+                        <a:buFontTx/>
+                        <a:buNone/>
+                        <a:tabLst/>
+                        <a:defRPr/>
+                      </a:pPr>
+                      <a:r>
+                        <a:rPr lang="ko-KR" altLang="en-US" sz="1600" b="0" dirty="0" smtClean="0">
+                          <a:solidFill>
+                            <a:schemeClr val="tx1"/>
+                          </a:solidFill>
+                          <a:latin typeface="+mn-lt"/>
+                        </a:rPr>
+                        <a:t>툴 </a:t>
+                      </a:r>
+                      <a:r>
+                        <a:rPr lang="en-US" altLang="ko-KR" sz="1600" b="0" dirty="0" smtClean="0">
+                          <a:solidFill>
+                            <a:schemeClr val="tx1"/>
+                          </a:solidFill>
+                          <a:latin typeface="+mn-lt"/>
+                        </a:rPr>
+                        <a:t>position, bounding box </a:t>
+                      </a:r>
+                      <a:r>
+                        <a:rPr lang="ko-KR" altLang="en-US" sz="1600" b="0" dirty="0" smtClean="0">
+                          <a:solidFill>
+                            <a:schemeClr val="tx1"/>
+                          </a:solidFill>
+                          <a:latin typeface="+mn-lt"/>
+                        </a:rPr>
+                        <a:t>추가 등 </a:t>
+                      </a:r>
+                      <a:r>
+                        <a:rPr lang="ko-KR" altLang="en-US" sz="1600" b="0" dirty="0" err="1" smtClean="0">
+                          <a:solidFill>
+                            <a:schemeClr val="tx1"/>
+                          </a:solidFill>
+                          <a:latin typeface="+mn-lt"/>
+                        </a:rPr>
+                        <a:t>이펙트</a:t>
+                      </a:r>
+                      <a:r>
+                        <a:rPr lang="ko-KR" altLang="en-US" sz="1600" b="0" dirty="0" smtClean="0">
+                          <a:solidFill>
+                            <a:schemeClr val="tx1"/>
+                          </a:solidFill>
+                          <a:latin typeface="+mn-lt"/>
+                        </a:rPr>
+                        <a:t> 툴 제작 마무리</a:t>
+                      </a:r>
+                    </a:p>
+                  </a:txBody>
+                  <a:tcPr>
+                    <a:lnL w="12700" cap="flat" cmpd="sng" algn="ctr">
+                      <a:solidFill>
+                        <a:schemeClr val="tx1"/>
+                      </a:solidFill>
+                      <a:prstDash val="solid"/>
+                      <a:round/>
+                      <a:headEnd type="none" w="med" len="med"/>
+                      <a:tailEnd type="none" w="med" len="med"/>
+                    </a:lnL>
+                    <a:lnR w="12700" cap="flat" cmpd="sng" algn="ctr">
+                      <a:solidFill>
+                        <a:schemeClr val="tx1"/>
+                      </a:solidFill>
+                      <a:prstDash val="solid"/>
+                      <a:round/>
+                      <a:headEnd type="none" w="med" len="med"/>
+                      <a:tailEnd type="none" w="med" len="med"/>
+                    </a:lnR>
+                    <a:lnT w="12700" cap="flat" cmpd="sng" algn="ctr">
+                      <a:solidFill>
+                        <a:schemeClr val="tx1"/>
+                      </a:solidFill>
+                      <a:prstDash val="solid"/>
+                      <a:round/>
+                      <a:headEnd type="none" w="med" len="med"/>
+                      <a:tailEnd type="none" w="med" len="med"/>
+                    </a:lnT>
+                    <a:lnB w="12700" cap="flat" cmpd="sng" algn="ctr">
+                      <a:solidFill>
+                        <a:schemeClr val="tx1"/>
+                      </a:solidFill>
+                      <a:prstDash val="solid"/>
+                      <a:round/>
+                      <a:headEnd type="none" w="med" len="med"/>
+                      <a:tailEnd type="none" w="med" len="med"/>
+                    </a:lnB>
+                    <a:noFill/>
+                  </a:tcPr>
+                </a:tc>
+              </a:tr>
+              <a:tr h="370840">
+                <a:tc>
+                  <a:txBody>
+                    <a:bodyPr/>
+                    <a:lstStyle/>
+                    <a:p>
+                      <a:pPr algn="ctr" latinLnBrk="1"/>
+                      <a:r>
+                        <a:rPr lang="en-US" altLang="ko-KR" b="0" dirty="0" smtClean="0">
+                          <a:solidFill>
+                            <a:schemeClr val="tx1"/>
+                          </a:solidFill>
+                          <a:latin typeface="+mn-lt"/>
+                        </a:rPr>
+                        <a:t>AI</a:t>
+                      </a:r>
+                      <a:endParaRPr lang="ko-KR" altLang="en-US" b="0" dirty="0">
+                        <a:solidFill>
+                          <a:schemeClr val="tx1"/>
+                        </a:solidFill>
+                        <a:latin typeface="+mn-lt"/>
+                      </a:endParaRPr>
+                    </a:p>
+                  </a:txBody>
+                  <a:tcPr>
+                    <a:lnL w="12700" cap="flat" cmpd="sng" algn="ctr">
+                      <a:solidFill>
+                        <a:schemeClr val="tx1"/>
+                      </a:solidFill>
+                      <a:prstDash val="solid"/>
+                      <a:round/>
+                      <a:headEnd type="none" w="med" len="med"/>
+                      <a:tailEnd type="none" w="med" len="med"/>
+                    </a:lnL>
+                    <a:lnR w="12700" cap="flat" cmpd="sng" algn="ctr">
+                      <a:solidFill>
+                        <a:schemeClr val="tx1"/>
+                      </a:solidFill>
+                      <a:prstDash val="solid"/>
+                      <a:round/>
+                      <a:headEnd type="none" w="med" len="med"/>
+                      <a:tailEnd type="none" w="med" len="med"/>
+                    </a:lnR>
+                    <a:lnT w="12700" cap="flat" cmpd="sng" algn="ctr">
+                      <a:solidFill>
+                        <a:schemeClr val="tx1"/>
+                      </a:solidFill>
+                      <a:prstDash val="solid"/>
+                      <a:round/>
+                      <a:headEnd type="none" w="med" len="med"/>
+                      <a:tailEnd type="none" w="med" len="med"/>
+                    </a:lnT>
+                    <a:lnB w="12700" cap="flat" cmpd="sng" algn="ctr">
+                      <a:solidFill>
+                        <a:schemeClr val="tx1"/>
+                      </a:solidFill>
+                      <a:prstDash val="solid"/>
+                      <a:round/>
+                      <a:headEnd type="none" w="med" len="med"/>
+                      <a:tailEnd type="none" w="med" len="med"/>
+                    </a:lnB>
+                    <a:noFill/>
+                  </a:tcPr>
+                </a:tc>
+                <a:tc>
+                  <a:txBody>
+                    <a:bodyPr/>
+                    <a:lstStyle/>
+                    <a:p>
+                      <a:pPr algn="ctr" latinLnBrk="1"/>
+                      <a:r>
+                        <a:rPr lang="ko-KR" altLang="en-US" sz="1600" b="0" dirty="0" smtClean="0">
+                          <a:solidFill>
+                            <a:schemeClr val="tx1"/>
+                          </a:solidFill>
+                          <a:latin typeface="+mn-lt"/>
+                        </a:rPr>
+                        <a:t>없음</a:t>
+                      </a:r>
+                      <a:endParaRPr lang="ko-KR" altLang="en-US" sz="1600" b="0" dirty="0">
                         <a:solidFill>
                           <a:schemeClr val="tx1"/>
                         </a:solidFill>

--- a/doc/_meeting_weekly_doc/01_week_plan_20161028.pptx
+++ b/doc/_meeting_weekly_doc/01_week_plan_20161028.pptx
@@ -6,10 +6,11 @@
   </p:sldMasterIdLst>
   <p:sldIdLst>
     <p:sldId id="256" r:id="rId2"/>
-    <p:sldId id="258" r:id="rId3"/>
-    <p:sldId id="260" r:id="rId4"/>
-    <p:sldId id="261" r:id="rId5"/>
-    <p:sldId id="262" r:id="rId6"/>
+    <p:sldId id="263" r:id="rId3"/>
+    <p:sldId id="258" r:id="rId4"/>
+    <p:sldId id="260" r:id="rId5"/>
+    <p:sldId id="261" r:id="rId6"/>
+    <p:sldId id="262" r:id="rId7"/>
   </p:sldIdLst>
   <p:sldSz cx="9144000" cy="6858000" type="screen4x3"/>
   <p:notesSz cx="6858000" cy="9144000"/>
@@ -293,7 +294,7 @@
             <a:fld id="{0FB34BDD-B7C9-46C2-B4CA-E9DEC5875A75}" type="datetimeFigureOut">
               <a:rPr lang="ko-KR" altLang="en-US" smtClean="0"/>
               <a:pPr/>
-              <a:t>2016-10-28</a:t>
+              <a:t>2016-11-02</a:t>
             </a:fld>
             <a:endParaRPr lang="ko-KR" altLang="en-US"/>
           </a:p>
@@ -460,7 +461,7 @@
             <a:fld id="{0FB34BDD-B7C9-46C2-B4CA-E9DEC5875A75}" type="datetimeFigureOut">
               <a:rPr lang="ko-KR" altLang="en-US" smtClean="0"/>
               <a:pPr/>
-              <a:t>2016-10-28</a:t>
+              <a:t>2016-11-02</a:t>
             </a:fld>
             <a:endParaRPr lang="ko-KR" altLang="en-US"/>
           </a:p>
@@ -637,7 +638,7 @@
             <a:fld id="{0FB34BDD-B7C9-46C2-B4CA-E9DEC5875A75}" type="datetimeFigureOut">
               <a:rPr lang="ko-KR" altLang="en-US" smtClean="0"/>
               <a:pPr/>
-              <a:t>2016-10-28</a:t>
+              <a:t>2016-11-02</a:t>
             </a:fld>
             <a:endParaRPr lang="ko-KR" altLang="en-US"/>
           </a:p>
@@ -804,7 +805,7 @@
             <a:fld id="{0FB34BDD-B7C9-46C2-B4CA-E9DEC5875A75}" type="datetimeFigureOut">
               <a:rPr lang="ko-KR" altLang="en-US" smtClean="0"/>
               <a:pPr/>
-              <a:t>2016-10-28</a:t>
+              <a:t>2016-11-02</a:t>
             </a:fld>
             <a:endParaRPr lang="ko-KR" altLang="en-US"/>
           </a:p>
@@ -1047,7 +1048,7 @@
             <a:fld id="{0FB34BDD-B7C9-46C2-B4CA-E9DEC5875A75}" type="datetimeFigureOut">
               <a:rPr lang="ko-KR" altLang="en-US" smtClean="0"/>
               <a:pPr/>
-              <a:t>2016-10-28</a:t>
+              <a:t>2016-11-02</a:t>
             </a:fld>
             <a:endParaRPr lang="ko-KR" altLang="en-US"/>
           </a:p>
@@ -1332,7 +1333,7 @@
             <a:fld id="{0FB34BDD-B7C9-46C2-B4CA-E9DEC5875A75}" type="datetimeFigureOut">
               <a:rPr lang="ko-KR" altLang="en-US" smtClean="0"/>
               <a:pPr/>
-              <a:t>2016-10-28</a:t>
+              <a:t>2016-11-02</a:t>
             </a:fld>
             <a:endParaRPr lang="ko-KR" altLang="en-US"/>
           </a:p>
@@ -1751,7 +1752,7 @@
             <a:fld id="{0FB34BDD-B7C9-46C2-B4CA-E9DEC5875A75}" type="datetimeFigureOut">
               <a:rPr lang="ko-KR" altLang="en-US" smtClean="0"/>
               <a:pPr/>
-              <a:t>2016-10-28</a:t>
+              <a:t>2016-11-02</a:t>
             </a:fld>
             <a:endParaRPr lang="ko-KR" altLang="en-US"/>
           </a:p>
@@ -1866,7 +1867,7 @@
             <a:fld id="{0FB34BDD-B7C9-46C2-B4CA-E9DEC5875A75}" type="datetimeFigureOut">
               <a:rPr lang="ko-KR" altLang="en-US" smtClean="0"/>
               <a:pPr/>
-              <a:t>2016-10-28</a:t>
+              <a:t>2016-11-02</a:t>
             </a:fld>
             <a:endParaRPr lang="ko-KR" altLang="en-US"/>
           </a:p>
@@ -1958,7 +1959,7 @@
             <a:fld id="{0FB34BDD-B7C9-46C2-B4CA-E9DEC5875A75}" type="datetimeFigureOut">
               <a:rPr lang="ko-KR" altLang="en-US" smtClean="0"/>
               <a:pPr/>
-              <a:t>2016-10-28</a:t>
+              <a:t>2016-11-02</a:t>
             </a:fld>
             <a:endParaRPr lang="ko-KR" altLang="en-US"/>
           </a:p>
@@ -2232,7 +2233,7 @@
             <a:fld id="{0FB34BDD-B7C9-46C2-B4CA-E9DEC5875A75}" type="datetimeFigureOut">
               <a:rPr lang="ko-KR" altLang="en-US" smtClean="0"/>
               <a:pPr/>
-              <a:t>2016-10-28</a:t>
+              <a:t>2016-11-02</a:t>
             </a:fld>
             <a:endParaRPr lang="ko-KR" altLang="en-US"/>
           </a:p>
@@ -2482,7 +2483,7 @@
             <a:fld id="{0FB34BDD-B7C9-46C2-B4CA-E9DEC5875A75}" type="datetimeFigureOut">
               <a:rPr lang="ko-KR" altLang="en-US" smtClean="0"/>
               <a:pPr/>
-              <a:t>2016-10-28</a:t>
+              <a:t>2016-11-02</a:t>
             </a:fld>
             <a:endParaRPr lang="ko-KR" altLang="en-US"/>
           </a:p>
@@ -2692,7 +2693,7 @@
             <a:fld id="{0FB34BDD-B7C9-46C2-B4CA-E9DEC5875A75}" type="datetimeFigureOut">
               <a:rPr lang="ko-KR" altLang="en-US" smtClean="0"/>
               <a:pPr/>
-              <a:t>2016-10-28</a:t>
+              <a:t>2016-11-02</a:t>
             </a:fld>
             <a:endParaRPr lang="ko-KR" altLang="en-US"/>
           </a:p>
@@ -3286,6 +3287,2314 @@
         </p:nvGraphicFramePr>
         <p:xfrm>
           <a:off x="467544" y="1268760"/>
+          <a:ext cx="8229600" cy="4320480"/>
+        </p:xfrm>
+        <a:graphic>
+          <a:graphicData uri="http://schemas.openxmlformats.org/drawingml/2006/table">
+            <a:tbl>
+              <a:tblPr firstRow="1" bandRow="1">
+                <a:tableStyleId>{5C22544A-7EE6-4342-B048-85BDC9FD1C3A}</a:tableStyleId>
+              </a:tblPr>
+              <a:tblGrid>
+                <a:gridCol w="1371600"/>
+                <a:gridCol w="1371600"/>
+                <a:gridCol w="1371600"/>
+                <a:gridCol w="1371600"/>
+                <a:gridCol w="1371600"/>
+                <a:gridCol w="1371600"/>
+              </a:tblGrid>
+              <a:tr h="370840">
+                <a:tc>
+                  <a:txBody>
+                    <a:bodyPr/>
+                    <a:lstStyle/>
+                    <a:p>
+                      <a:pPr algn="ctr" latinLnBrk="1"/>
+                      <a:endParaRPr lang="ko-KR" altLang="en-US" b="0" dirty="0">
+                        <a:solidFill>
+                          <a:schemeClr val="tx1"/>
+                        </a:solidFill>
+                        <a:latin typeface="+mn-lt"/>
+                      </a:endParaRPr>
+                    </a:p>
+                  </a:txBody>
+                  <a:tcPr>
+                    <a:lnL w="12700" cap="flat" cmpd="sng" algn="ctr">
+                      <a:solidFill>
+                        <a:schemeClr val="tx1"/>
+                      </a:solidFill>
+                      <a:prstDash val="solid"/>
+                      <a:round/>
+                      <a:headEnd type="none" w="med" len="med"/>
+                      <a:tailEnd type="none" w="med" len="med"/>
+                    </a:lnL>
+                    <a:lnR w="12700" cap="flat" cmpd="sng" algn="ctr">
+                      <a:solidFill>
+                        <a:schemeClr val="tx1"/>
+                      </a:solidFill>
+                      <a:prstDash val="solid"/>
+                      <a:round/>
+                      <a:headEnd type="none" w="med" len="med"/>
+                      <a:tailEnd type="none" w="med" len="med"/>
+                    </a:lnR>
+                    <a:lnT w="12700" cap="flat" cmpd="sng" algn="ctr">
+                      <a:solidFill>
+                        <a:schemeClr val="tx1"/>
+                      </a:solidFill>
+                      <a:prstDash val="solid"/>
+                      <a:round/>
+                      <a:headEnd type="none" w="med" len="med"/>
+                      <a:tailEnd type="none" w="med" len="med"/>
+                    </a:lnT>
+                    <a:lnB w="12700" cap="flat" cmpd="sng" algn="ctr">
+                      <a:solidFill>
+                        <a:schemeClr val="tx1"/>
+                      </a:solidFill>
+                      <a:prstDash val="solid"/>
+                      <a:round/>
+                      <a:headEnd type="none" w="med" len="med"/>
+                      <a:tailEnd type="none" w="med" len="med"/>
+                    </a:lnB>
+                    <a:noFill/>
+                  </a:tcPr>
+                </a:tc>
+                <a:tc>
+                  <a:txBody>
+                    <a:bodyPr/>
+                    <a:lstStyle/>
+                    <a:p>
+                      <a:pPr algn="ctr" latinLnBrk="1"/>
+                      <a:r>
+                        <a:rPr lang="en-US" altLang="ko-KR" b="0" dirty="0" smtClean="0">
+                          <a:solidFill>
+                            <a:schemeClr val="tx1"/>
+                          </a:solidFill>
+                          <a:latin typeface="+mn-lt"/>
+                        </a:rPr>
+                        <a:t>10/31(</a:t>
+                      </a:r>
+                      <a:r>
+                        <a:rPr lang="ko-KR" altLang="en-US" b="0" dirty="0" smtClean="0">
+                          <a:solidFill>
+                            <a:schemeClr val="tx1"/>
+                          </a:solidFill>
+                          <a:latin typeface="+mn-lt"/>
+                        </a:rPr>
+                        <a:t>월</a:t>
+                      </a:r>
+                      <a:r>
+                        <a:rPr lang="en-US" altLang="ko-KR" b="0" dirty="0" smtClean="0">
+                          <a:solidFill>
+                            <a:schemeClr val="tx1"/>
+                          </a:solidFill>
+                          <a:latin typeface="+mn-lt"/>
+                        </a:rPr>
+                        <a:t>)</a:t>
+                      </a:r>
+                      <a:endParaRPr lang="ko-KR" altLang="en-US" b="0" dirty="0">
+                        <a:solidFill>
+                          <a:schemeClr val="tx1"/>
+                        </a:solidFill>
+                        <a:latin typeface="+mn-lt"/>
+                      </a:endParaRPr>
+                    </a:p>
+                  </a:txBody>
+                  <a:tcPr>
+                    <a:lnL w="12700" cap="flat" cmpd="sng" algn="ctr">
+                      <a:solidFill>
+                        <a:schemeClr val="tx1"/>
+                      </a:solidFill>
+                      <a:prstDash val="solid"/>
+                      <a:round/>
+                      <a:headEnd type="none" w="med" len="med"/>
+                      <a:tailEnd type="none" w="med" len="med"/>
+                    </a:lnL>
+                    <a:lnR w="12700" cap="flat" cmpd="sng" algn="ctr">
+                      <a:solidFill>
+                        <a:schemeClr val="tx1"/>
+                      </a:solidFill>
+                      <a:prstDash val="solid"/>
+                      <a:round/>
+                      <a:headEnd type="none" w="med" len="med"/>
+                      <a:tailEnd type="none" w="med" len="med"/>
+                    </a:lnR>
+                    <a:lnT w="12700" cap="flat" cmpd="sng" algn="ctr">
+                      <a:solidFill>
+                        <a:schemeClr val="tx1"/>
+                      </a:solidFill>
+                      <a:prstDash val="solid"/>
+                      <a:round/>
+                      <a:headEnd type="none" w="med" len="med"/>
+                      <a:tailEnd type="none" w="med" len="med"/>
+                    </a:lnT>
+                    <a:lnB w="12700" cap="flat" cmpd="sng" algn="ctr">
+                      <a:solidFill>
+                        <a:schemeClr val="tx1"/>
+                      </a:solidFill>
+                      <a:prstDash val="solid"/>
+                      <a:round/>
+                      <a:headEnd type="none" w="med" len="med"/>
+                      <a:tailEnd type="none" w="med" len="med"/>
+                    </a:lnB>
+                    <a:noFill/>
+                  </a:tcPr>
+                </a:tc>
+                <a:tc>
+                  <a:txBody>
+                    <a:bodyPr/>
+                    <a:lstStyle/>
+                    <a:p>
+                      <a:pPr algn="ctr" latinLnBrk="1"/>
+                      <a:r>
+                        <a:rPr lang="en-US" altLang="ko-KR" b="0" dirty="0" smtClean="0">
+                          <a:solidFill>
+                            <a:schemeClr val="tx1"/>
+                          </a:solidFill>
+                          <a:latin typeface="+mn-lt"/>
+                        </a:rPr>
+                        <a:t>11/01(</a:t>
+                      </a:r>
+                      <a:r>
+                        <a:rPr lang="ko-KR" altLang="en-US" b="0" dirty="0" smtClean="0">
+                          <a:solidFill>
+                            <a:schemeClr val="tx1"/>
+                          </a:solidFill>
+                          <a:latin typeface="+mn-lt"/>
+                        </a:rPr>
+                        <a:t>화</a:t>
+                      </a:r>
+                      <a:r>
+                        <a:rPr lang="en-US" altLang="ko-KR" b="0" dirty="0" smtClean="0">
+                          <a:solidFill>
+                            <a:schemeClr val="tx1"/>
+                          </a:solidFill>
+                          <a:latin typeface="+mn-lt"/>
+                        </a:rPr>
+                        <a:t>)</a:t>
+                      </a:r>
+                      <a:endParaRPr lang="ko-KR" altLang="en-US" b="0" dirty="0">
+                        <a:solidFill>
+                          <a:schemeClr val="tx1"/>
+                        </a:solidFill>
+                        <a:latin typeface="+mn-lt"/>
+                      </a:endParaRPr>
+                    </a:p>
+                  </a:txBody>
+                  <a:tcPr>
+                    <a:lnL w="12700" cap="flat" cmpd="sng" algn="ctr">
+                      <a:solidFill>
+                        <a:schemeClr val="tx1"/>
+                      </a:solidFill>
+                      <a:prstDash val="solid"/>
+                      <a:round/>
+                      <a:headEnd type="none" w="med" len="med"/>
+                      <a:tailEnd type="none" w="med" len="med"/>
+                    </a:lnL>
+                    <a:lnR w="12700" cap="flat" cmpd="sng" algn="ctr">
+                      <a:solidFill>
+                        <a:schemeClr val="tx1"/>
+                      </a:solidFill>
+                      <a:prstDash val="solid"/>
+                      <a:round/>
+                      <a:headEnd type="none" w="med" len="med"/>
+                      <a:tailEnd type="none" w="med" len="med"/>
+                    </a:lnR>
+                    <a:lnT w="12700" cap="flat" cmpd="sng" algn="ctr">
+                      <a:solidFill>
+                        <a:schemeClr val="tx1"/>
+                      </a:solidFill>
+                      <a:prstDash val="solid"/>
+                      <a:round/>
+                      <a:headEnd type="none" w="med" len="med"/>
+                      <a:tailEnd type="none" w="med" len="med"/>
+                    </a:lnT>
+                    <a:lnB w="12700" cap="flat" cmpd="sng" algn="ctr">
+                      <a:solidFill>
+                        <a:schemeClr val="tx1"/>
+                      </a:solidFill>
+                      <a:prstDash val="solid"/>
+                      <a:round/>
+                      <a:headEnd type="none" w="med" len="med"/>
+                      <a:tailEnd type="none" w="med" len="med"/>
+                    </a:lnB>
+                    <a:noFill/>
+                  </a:tcPr>
+                </a:tc>
+                <a:tc>
+                  <a:txBody>
+                    <a:bodyPr/>
+                    <a:lstStyle/>
+                    <a:p>
+                      <a:pPr algn="ctr" latinLnBrk="1"/>
+                      <a:r>
+                        <a:rPr lang="en-US" altLang="ko-KR" b="0" dirty="0" smtClean="0">
+                          <a:solidFill>
+                            <a:schemeClr val="tx1"/>
+                          </a:solidFill>
+                          <a:latin typeface="+mn-lt"/>
+                        </a:rPr>
+                        <a:t>11/02(</a:t>
+                      </a:r>
+                      <a:r>
+                        <a:rPr lang="ko-KR" altLang="en-US" b="0" dirty="0" smtClean="0">
+                          <a:solidFill>
+                            <a:schemeClr val="tx1"/>
+                          </a:solidFill>
+                          <a:latin typeface="+mn-lt"/>
+                        </a:rPr>
+                        <a:t>수</a:t>
+                      </a:r>
+                      <a:r>
+                        <a:rPr lang="en-US" altLang="ko-KR" b="0" dirty="0" smtClean="0">
+                          <a:solidFill>
+                            <a:schemeClr val="tx1"/>
+                          </a:solidFill>
+                          <a:latin typeface="+mn-lt"/>
+                        </a:rPr>
+                        <a:t>)</a:t>
+                      </a:r>
+                      <a:endParaRPr lang="ko-KR" altLang="en-US" b="0" dirty="0">
+                        <a:solidFill>
+                          <a:schemeClr val="tx1"/>
+                        </a:solidFill>
+                        <a:latin typeface="+mn-lt"/>
+                      </a:endParaRPr>
+                    </a:p>
+                  </a:txBody>
+                  <a:tcPr>
+                    <a:lnL w="12700" cap="flat" cmpd="sng" algn="ctr">
+                      <a:solidFill>
+                        <a:schemeClr val="tx1"/>
+                      </a:solidFill>
+                      <a:prstDash val="solid"/>
+                      <a:round/>
+                      <a:headEnd type="none" w="med" len="med"/>
+                      <a:tailEnd type="none" w="med" len="med"/>
+                    </a:lnL>
+                    <a:lnR w="12700" cap="flat" cmpd="sng" algn="ctr">
+                      <a:solidFill>
+                        <a:schemeClr val="tx1"/>
+                      </a:solidFill>
+                      <a:prstDash val="solid"/>
+                      <a:round/>
+                      <a:headEnd type="none" w="med" len="med"/>
+                      <a:tailEnd type="none" w="med" len="med"/>
+                    </a:lnR>
+                    <a:lnT w="12700" cap="flat" cmpd="sng" algn="ctr">
+                      <a:solidFill>
+                        <a:schemeClr val="tx1"/>
+                      </a:solidFill>
+                      <a:prstDash val="solid"/>
+                      <a:round/>
+                      <a:headEnd type="none" w="med" len="med"/>
+                      <a:tailEnd type="none" w="med" len="med"/>
+                    </a:lnT>
+                    <a:lnB w="12700" cap="flat" cmpd="sng" algn="ctr">
+                      <a:solidFill>
+                        <a:schemeClr val="tx1"/>
+                      </a:solidFill>
+                      <a:prstDash val="solid"/>
+                      <a:round/>
+                      <a:headEnd type="none" w="med" len="med"/>
+                      <a:tailEnd type="none" w="med" len="med"/>
+                    </a:lnB>
+                    <a:noFill/>
+                  </a:tcPr>
+                </a:tc>
+                <a:tc>
+                  <a:txBody>
+                    <a:bodyPr/>
+                    <a:lstStyle/>
+                    <a:p>
+                      <a:pPr algn="ctr" latinLnBrk="1"/>
+                      <a:r>
+                        <a:rPr lang="en-US" altLang="ko-KR" b="0" dirty="0" smtClean="0">
+                          <a:solidFill>
+                            <a:schemeClr val="tx1"/>
+                          </a:solidFill>
+                          <a:latin typeface="+mn-lt"/>
+                        </a:rPr>
+                        <a:t>11/03(</a:t>
+                      </a:r>
+                      <a:r>
+                        <a:rPr lang="ko-KR" altLang="en-US" b="0" dirty="0" smtClean="0">
+                          <a:solidFill>
+                            <a:schemeClr val="tx1"/>
+                          </a:solidFill>
+                          <a:latin typeface="+mn-lt"/>
+                        </a:rPr>
+                        <a:t>목</a:t>
+                      </a:r>
+                      <a:r>
+                        <a:rPr lang="en-US" altLang="ko-KR" b="0" dirty="0" smtClean="0">
+                          <a:solidFill>
+                            <a:schemeClr val="tx1"/>
+                          </a:solidFill>
+                          <a:latin typeface="+mn-lt"/>
+                        </a:rPr>
+                        <a:t>)</a:t>
+                      </a:r>
+                      <a:endParaRPr lang="ko-KR" altLang="en-US" b="0" dirty="0">
+                        <a:solidFill>
+                          <a:schemeClr val="tx1"/>
+                        </a:solidFill>
+                        <a:latin typeface="+mn-lt"/>
+                      </a:endParaRPr>
+                    </a:p>
+                  </a:txBody>
+                  <a:tcPr>
+                    <a:lnL w="12700" cap="flat" cmpd="sng" algn="ctr">
+                      <a:solidFill>
+                        <a:schemeClr val="tx1"/>
+                      </a:solidFill>
+                      <a:prstDash val="solid"/>
+                      <a:round/>
+                      <a:headEnd type="none" w="med" len="med"/>
+                      <a:tailEnd type="none" w="med" len="med"/>
+                    </a:lnL>
+                    <a:lnR w="12700" cap="flat" cmpd="sng" algn="ctr">
+                      <a:solidFill>
+                        <a:schemeClr val="tx1"/>
+                      </a:solidFill>
+                      <a:prstDash val="solid"/>
+                      <a:round/>
+                      <a:headEnd type="none" w="med" len="med"/>
+                      <a:tailEnd type="none" w="med" len="med"/>
+                    </a:lnR>
+                    <a:lnT w="12700" cap="flat" cmpd="sng" algn="ctr">
+                      <a:solidFill>
+                        <a:schemeClr val="tx1"/>
+                      </a:solidFill>
+                      <a:prstDash val="solid"/>
+                      <a:round/>
+                      <a:headEnd type="none" w="med" len="med"/>
+                      <a:tailEnd type="none" w="med" len="med"/>
+                    </a:lnT>
+                    <a:lnB w="12700" cap="flat" cmpd="sng" algn="ctr">
+                      <a:solidFill>
+                        <a:schemeClr val="tx1"/>
+                      </a:solidFill>
+                      <a:prstDash val="solid"/>
+                      <a:round/>
+                      <a:headEnd type="none" w="med" len="med"/>
+                      <a:tailEnd type="none" w="med" len="med"/>
+                    </a:lnB>
+                    <a:noFill/>
+                  </a:tcPr>
+                </a:tc>
+                <a:tc>
+                  <a:txBody>
+                    <a:bodyPr/>
+                    <a:lstStyle/>
+                    <a:p>
+                      <a:pPr algn="ctr" latinLnBrk="1"/>
+                      <a:r>
+                        <a:rPr lang="en-US" altLang="ko-KR" b="0" dirty="0" smtClean="0">
+                          <a:solidFill>
+                            <a:schemeClr val="tx1"/>
+                          </a:solidFill>
+                          <a:latin typeface="+mn-lt"/>
+                        </a:rPr>
+                        <a:t>11/04(</a:t>
+                      </a:r>
+                      <a:r>
+                        <a:rPr lang="ko-KR" altLang="en-US" b="0" dirty="0" smtClean="0">
+                          <a:solidFill>
+                            <a:schemeClr val="tx1"/>
+                          </a:solidFill>
+                          <a:latin typeface="+mn-lt"/>
+                        </a:rPr>
+                        <a:t>금</a:t>
+                      </a:r>
+                      <a:r>
+                        <a:rPr lang="en-US" altLang="ko-KR" b="0" dirty="0" smtClean="0">
+                          <a:solidFill>
+                            <a:schemeClr val="tx1"/>
+                          </a:solidFill>
+                          <a:latin typeface="+mn-lt"/>
+                        </a:rPr>
+                        <a:t>)</a:t>
+                      </a:r>
+                      <a:endParaRPr lang="ko-KR" altLang="en-US" b="0" dirty="0">
+                        <a:solidFill>
+                          <a:schemeClr val="tx1"/>
+                        </a:solidFill>
+                        <a:latin typeface="+mn-lt"/>
+                      </a:endParaRPr>
+                    </a:p>
+                  </a:txBody>
+                  <a:tcPr>
+                    <a:lnL w="12700" cap="flat" cmpd="sng" algn="ctr">
+                      <a:solidFill>
+                        <a:schemeClr val="tx1"/>
+                      </a:solidFill>
+                      <a:prstDash val="solid"/>
+                      <a:round/>
+                      <a:headEnd type="none" w="med" len="med"/>
+                      <a:tailEnd type="none" w="med" len="med"/>
+                    </a:lnL>
+                    <a:lnR w="12700" cap="flat" cmpd="sng" algn="ctr">
+                      <a:solidFill>
+                        <a:schemeClr val="tx1"/>
+                      </a:solidFill>
+                      <a:prstDash val="solid"/>
+                      <a:round/>
+                      <a:headEnd type="none" w="med" len="med"/>
+                      <a:tailEnd type="none" w="med" len="med"/>
+                    </a:lnR>
+                    <a:lnT w="12700" cap="flat" cmpd="sng" algn="ctr">
+                      <a:solidFill>
+                        <a:schemeClr val="tx1"/>
+                      </a:solidFill>
+                      <a:prstDash val="solid"/>
+                      <a:round/>
+                      <a:headEnd type="none" w="med" len="med"/>
+                      <a:tailEnd type="none" w="med" len="med"/>
+                    </a:lnT>
+                    <a:lnB w="12700" cap="flat" cmpd="sng" algn="ctr">
+                      <a:solidFill>
+                        <a:schemeClr val="tx1"/>
+                      </a:solidFill>
+                      <a:prstDash val="solid"/>
+                      <a:round/>
+                      <a:headEnd type="none" w="med" len="med"/>
+                      <a:tailEnd type="none" w="med" len="med"/>
+                    </a:lnB>
+                    <a:noFill/>
+                  </a:tcPr>
+                </a:tc>
+              </a:tr>
+              <a:tr h="370840">
+                <a:tc>
+                  <a:txBody>
+                    <a:bodyPr/>
+                    <a:lstStyle/>
+                    <a:p>
+                      <a:pPr algn="ctr" latinLnBrk="1"/>
+                      <a:r>
+                        <a:rPr lang="ko-KR" altLang="en-US" sz="1600" b="1" dirty="0" smtClean="0">
+                          <a:solidFill>
+                            <a:schemeClr val="tx1"/>
+                          </a:solidFill>
+                          <a:latin typeface="+mn-lt"/>
+                        </a:rPr>
+                        <a:t>오늘 한  일</a:t>
+                      </a:r>
+                      <a:endParaRPr lang="ko-KR" altLang="en-US" sz="1600" b="1" dirty="0">
+                        <a:solidFill>
+                          <a:schemeClr val="tx1"/>
+                        </a:solidFill>
+                        <a:latin typeface="+mn-lt"/>
+                      </a:endParaRPr>
+                    </a:p>
+                  </a:txBody>
+                  <a:tcPr>
+                    <a:lnL w="12700" cap="flat" cmpd="sng" algn="ctr">
+                      <a:solidFill>
+                        <a:schemeClr val="tx1"/>
+                      </a:solidFill>
+                      <a:prstDash val="solid"/>
+                      <a:round/>
+                      <a:headEnd type="none" w="med" len="med"/>
+                      <a:tailEnd type="none" w="med" len="med"/>
+                    </a:lnL>
+                    <a:lnR w="12700" cap="flat" cmpd="sng" algn="ctr">
+                      <a:solidFill>
+                        <a:schemeClr val="tx1"/>
+                      </a:solidFill>
+                      <a:prstDash val="solid"/>
+                      <a:round/>
+                      <a:headEnd type="none" w="med" len="med"/>
+                      <a:tailEnd type="none" w="med" len="med"/>
+                    </a:lnR>
+                    <a:lnT w="12700" cap="flat" cmpd="sng" algn="ctr">
+                      <a:solidFill>
+                        <a:schemeClr val="tx1"/>
+                      </a:solidFill>
+                      <a:prstDash val="solid"/>
+                      <a:round/>
+                      <a:headEnd type="none" w="med" len="med"/>
+                      <a:tailEnd type="none" w="med" len="med"/>
+                    </a:lnT>
+                    <a:lnB w="12700" cap="flat" cmpd="sng" algn="ctr">
+                      <a:solidFill>
+                        <a:schemeClr val="tx1"/>
+                      </a:solidFill>
+                      <a:prstDash val="solid"/>
+                      <a:round/>
+                      <a:headEnd type="none" w="med" len="med"/>
+                      <a:tailEnd type="none" w="med" len="med"/>
+                    </a:lnB>
+                    <a:noFill/>
+                  </a:tcPr>
+                </a:tc>
+                <a:tc>
+                  <a:txBody>
+                    <a:bodyPr/>
+                    <a:lstStyle/>
+                    <a:p>
+                      <a:pPr algn="l" latinLnBrk="1">
+                        <a:buFont typeface="Arial" pitchFamily="34" charset="0"/>
+                        <a:buChar char="•"/>
+                      </a:pPr>
+                      <a:r>
+                        <a:rPr lang="en-US" altLang="ko-KR" sz="1100" b="0" dirty="0" smtClean="0">
+                          <a:solidFill>
+                            <a:schemeClr val="tx1"/>
+                          </a:solidFill>
+                          <a:latin typeface="+mn-lt"/>
+                        </a:rPr>
+                        <a:t> </a:t>
+                      </a:r>
+                      <a:r>
+                        <a:rPr lang="ko-KR" altLang="en-US" sz="1100" b="0" dirty="0" smtClean="0">
+                          <a:solidFill>
+                            <a:schemeClr val="tx1"/>
+                          </a:solidFill>
+                          <a:latin typeface="+mn-lt"/>
+                        </a:rPr>
+                        <a:t>화성 </a:t>
+                      </a:r>
+                      <a:r>
+                        <a:rPr lang="ko-KR" altLang="en-US" sz="1100" b="0" dirty="0" err="1" smtClean="0">
+                          <a:solidFill>
+                            <a:schemeClr val="tx1"/>
+                          </a:solidFill>
+                          <a:latin typeface="+mn-lt"/>
+                        </a:rPr>
+                        <a:t>맵</a:t>
+                      </a:r>
+                      <a:r>
+                        <a:rPr lang="ko-KR" altLang="en-US" sz="1100" b="0" dirty="0" smtClean="0">
+                          <a:solidFill>
+                            <a:schemeClr val="tx1"/>
+                          </a:solidFill>
+                          <a:latin typeface="+mn-lt"/>
+                        </a:rPr>
+                        <a:t> 구현</a:t>
+                      </a:r>
+                      <a:endParaRPr lang="en-US" altLang="ko-KR" sz="1100" b="0" dirty="0" smtClean="0">
+                        <a:solidFill>
+                          <a:schemeClr val="tx1"/>
+                        </a:solidFill>
+                        <a:latin typeface="+mn-lt"/>
+                      </a:endParaRPr>
+                    </a:p>
+                    <a:p>
+                      <a:pPr algn="l" latinLnBrk="1">
+                        <a:buFont typeface="Arial" pitchFamily="34" charset="0"/>
+                        <a:buChar char="•"/>
+                      </a:pPr>
+                      <a:r>
+                        <a:rPr lang="en-US" altLang="ko-KR" sz="1100" b="0" dirty="0" smtClean="0">
+                          <a:solidFill>
+                            <a:schemeClr val="tx1"/>
+                          </a:solidFill>
+                          <a:latin typeface="+mn-lt"/>
+                        </a:rPr>
+                        <a:t> </a:t>
+                      </a:r>
+                      <a:r>
+                        <a:rPr lang="en-US" altLang="ko-KR" sz="1100" b="0" dirty="0" err="1" smtClean="0">
+                          <a:solidFill>
+                            <a:schemeClr val="tx1"/>
+                          </a:solidFill>
+                          <a:latin typeface="+mn-lt"/>
+                        </a:rPr>
+                        <a:t>CustomizeMap</a:t>
+                      </a:r>
+                      <a:endParaRPr lang="ko-KR" altLang="en-US" sz="1100" b="0" dirty="0">
+                        <a:solidFill>
+                          <a:schemeClr val="tx1"/>
+                        </a:solidFill>
+                        <a:latin typeface="+mn-lt"/>
+                      </a:endParaRPr>
+                    </a:p>
+                  </a:txBody>
+                  <a:tcPr>
+                    <a:lnL w="12700" cap="flat" cmpd="sng" algn="ctr">
+                      <a:solidFill>
+                        <a:schemeClr val="tx1"/>
+                      </a:solidFill>
+                      <a:prstDash val="solid"/>
+                      <a:round/>
+                      <a:headEnd type="none" w="med" len="med"/>
+                      <a:tailEnd type="none" w="med" len="med"/>
+                    </a:lnL>
+                    <a:lnR w="12700" cap="flat" cmpd="sng" algn="ctr">
+                      <a:solidFill>
+                        <a:schemeClr val="tx1"/>
+                      </a:solidFill>
+                      <a:prstDash val="solid"/>
+                      <a:round/>
+                      <a:headEnd type="none" w="med" len="med"/>
+                      <a:tailEnd type="none" w="med" len="med"/>
+                    </a:lnR>
+                    <a:lnT w="12700" cap="flat" cmpd="sng" algn="ctr">
+                      <a:solidFill>
+                        <a:schemeClr val="tx1"/>
+                      </a:solidFill>
+                      <a:prstDash val="solid"/>
+                      <a:round/>
+                      <a:headEnd type="none" w="med" len="med"/>
+                      <a:tailEnd type="none" w="med" len="med"/>
+                    </a:lnT>
+                    <a:lnB w="12700" cap="flat" cmpd="sng" algn="ctr">
+                      <a:solidFill>
+                        <a:schemeClr val="tx1"/>
+                      </a:solidFill>
+                      <a:prstDash val="solid"/>
+                      <a:round/>
+                      <a:headEnd type="none" w="med" len="med"/>
+                      <a:tailEnd type="none" w="med" len="med"/>
+                    </a:lnB>
+                    <a:noFill/>
+                  </a:tcPr>
+                </a:tc>
+                <a:tc>
+                  <a:txBody>
+                    <a:bodyPr/>
+                    <a:lstStyle/>
+                    <a:p>
+                      <a:pPr marL="0" marR="0" indent="0" algn="l" defTabSz="914400" rtl="0" eaLnBrk="1" fontAlgn="auto" latinLnBrk="1" hangingPunct="1">
+                        <a:lnSpc>
+                          <a:spcPct val="100000"/>
+                        </a:lnSpc>
+                        <a:spcBef>
+                          <a:spcPts val="0"/>
+                        </a:spcBef>
+                        <a:spcAft>
+                          <a:spcPts val="0"/>
+                        </a:spcAft>
+                        <a:buClrTx/>
+                        <a:buSzTx/>
+                        <a:buFont typeface="Arial" pitchFamily="34" charset="0"/>
+                        <a:buChar char="•"/>
+                        <a:tabLst/>
+                        <a:defRPr/>
+                      </a:pPr>
+                      <a:r>
+                        <a:rPr lang="en-US" altLang="ko-KR" sz="1100" b="0" dirty="0" smtClean="0">
+                          <a:solidFill>
+                            <a:schemeClr val="tx1"/>
+                          </a:solidFill>
+                          <a:latin typeface="+mn-lt"/>
+                        </a:rPr>
+                        <a:t> </a:t>
+                      </a:r>
+                      <a:r>
+                        <a:rPr lang="en-US" altLang="ko-KR" sz="1100" b="0" dirty="0" err="1" smtClean="0">
+                          <a:solidFill>
+                            <a:schemeClr val="tx1"/>
+                          </a:solidFill>
+                          <a:latin typeface="+mn-lt"/>
+                        </a:rPr>
+                        <a:t>CustomizeMap</a:t>
+                      </a:r>
+                      <a:endParaRPr lang="en-US" altLang="ko-KR" sz="1100" b="0" dirty="0" smtClean="0">
+                        <a:solidFill>
+                          <a:schemeClr val="tx1"/>
+                        </a:solidFill>
+                        <a:latin typeface="+mn-lt"/>
+                      </a:endParaRPr>
+                    </a:p>
+                    <a:p>
+                      <a:pPr marL="0" marR="0" indent="0" algn="l" defTabSz="914400" rtl="0" eaLnBrk="1" fontAlgn="auto" latinLnBrk="1" hangingPunct="1">
+                        <a:lnSpc>
+                          <a:spcPct val="100000"/>
+                        </a:lnSpc>
+                        <a:spcBef>
+                          <a:spcPts val="0"/>
+                        </a:spcBef>
+                        <a:spcAft>
+                          <a:spcPts val="0"/>
+                        </a:spcAft>
+                        <a:buClrTx/>
+                        <a:buSzTx/>
+                        <a:buFont typeface="Arial" pitchFamily="34" charset="0"/>
+                        <a:buChar char="•"/>
+                        <a:tabLst/>
+                        <a:defRPr/>
+                      </a:pPr>
+                      <a:r>
+                        <a:rPr lang="en-US" altLang="ko-KR" sz="1100" b="0" baseline="0" dirty="0" smtClean="0">
+                          <a:solidFill>
+                            <a:schemeClr val="tx1"/>
+                          </a:solidFill>
+                          <a:latin typeface="+mn-lt"/>
+                        </a:rPr>
+                        <a:t> </a:t>
+                      </a:r>
+                      <a:r>
+                        <a:rPr lang="en-US" altLang="ko-KR" sz="1100" b="0" baseline="0" dirty="0" err="1" smtClean="0">
+                          <a:solidFill>
+                            <a:schemeClr val="tx1"/>
+                          </a:solidFill>
+                          <a:latin typeface="+mn-lt"/>
+                        </a:rPr>
+                        <a:t>fastlookuptable</a:t>
+                      </a:r>
+                      <a:endParaRPr lang="ko-KR" altLang="en-US" sz="1100" b="0" dirty="0" smtClean="0">
+                        <a:solidFill>
+                          <a:schemeClr val="tx1"/>
+                        </a:solidFill>
+                        <a:latin typeface="+mn-lt"/>
+                      </a:endParaRPr>
+                    </a:p>
+                  </a:txBody>
+                  <a:tcPr>
+                    <a:lnL w="12700" cap="flat" cmpd="sng" algn="ctr">
+                      <a:solidFill>
+                        <a:schemeClr val="tx1"/>
+                      </a:solidFill>
+                      <a:prstDash val="solid"/>
+                      <a:round/>
+                      <a:headEnd type="none" w="med" len="med"/>
+                      <a:tailEnd type="none" w="med" len="med"/>
+                    </a:lnL>
+                    <a:lnR w="12700" cap="flat" cmpd="sng" algn="ctr">
+                      <a:solidFill>
+                        <a:schemeClr val="tx1"/>
+                      </a:solidFill>
+                      <a:prstDash val="solid"/>
+                      <a:round/>
+                      <a:headEnd type="none" w="med" len="med"/>
+                      <a:tailEnd type="none" w="med" len="med"/>
+                    </a:lnR>
+                    <a:lnT w="12700" cap="flat" cmpd="sng" algn="ctr">
+                      <a:solidFill>
+                        <a:schemeClr val="tx1"/>
+                      </a:solidFill>
+                      <a:prstDash val="solid"/>
+                      <a:round/>
+                      <a:headEnd type="none" w="med" len="med"/>
+                      <a:tailEnd type="none" w="med" len="med"/>
+                    </a:lnT>
+                    <a:lnB w="12700" cap="flat" cmpd="sng" algn="ctr">
+                      <a:solidFill>
+                        <a:schemeClr val="tx1"/>
+                      </a:solidFill>
+                      <a:prstDash val="solid"/>
+                      <a:round/>
+                      <a:headEnd type="none" w="med" len="med"/>
+                      <a:tailEnd type="none" w="med" len="med"/>
+                    </a:lnB>
+                    <a:noFill/>
+                  </a:tcPr>
+                </a:tc>
+                <a:tc>
+                  <a:txBody>
+                    <a:bodyPr/>
+                    <a:lstStyle/>
+                    <a:p>
+                      <a:pPr algn="l" latinLnBrk="1">
+                        <a:buFont typeface="Arial" pitchFamily="34" charset="0"/>
+                        <a:buChar char="•"/>
+                      </a:pPr>
+                      <a:r>
+                        <a:rPr lang="en-US" altLang="ko-KR" sz="1100" b="0" baseline="0" dirty="0" err="1" smtClean="0">
+                          <a:solidFill>
+                            <a:schemeClr val="tx1"/>
+                          </a:solidFill>
+                          <a:latin typeface="+mn-lt"/>
+                        </a:rPr>
+                        <a:t>Fastlookuptable</a:t>
+                      </a:r>
+                      <a:endParaRPr lang="ko-KR" altLang="en-US" sz="1100" b="0" dirty="0">
+                        <a:solidFill>
+                          <a:schemeClr val="tx1"/>
+                        </a:solidFill>
+                        <a:latin typeface="+mn-lt"/>
+                      </a:endParaRPr>
+                    </a:p>
+                  </a:txBody>
+                  <a:tcPr>
+                    <a:lnL w="12700" cap="flat" cmpd="sng" algn="ctr">
+                      <a:solidFill>
+                        <a:schemeClr val="tx1"/>
+                      </a:solidFill>
+                      <a:prstDash val="solid"/>
+                      <a:round/>
+                      <a:headEnd type="none" w="med" len="med"/>
+                      <a:tailEnd type="none" w="med" len="med"/>
+                    </a:lnL>
+                    <a:lnR w="12700" cap="flat" cmpd="sng" algn="ctr">
+                      <a:solidFill>
+                        <a:schemeClr val="tx1"/>
+                      </a:solidFill>
+                      <a:prstDash val="solid"/>
+                      <a:round/>
+                      <a:headEnd type="none" w="med" len="med"/>
+                      <a:tailEnd type="none" w="med" len="med"/>
+                    </a:lnR>
+                    <a:lnT w="12700" cap="flat" cmpd="sng" algn="ctr">
+                      <a:solidFill>
+                        <a:schemeClr val="tx1"/>
+                      </a:solidFill>
+                      <a:prstDash val="solid"/>
+                      <a:round/>
+                      <a:headEnd type="none" w="med" len="med"/>
+                      <a:tailEnd type="none" w="med" len="med"/>
+                    </a:lnT>
+                    <a:lnB w="12700" cap="flat" cmpd="sng" algn="ctr">
+                      <a:solidFill>
+                        <a:schemeClr val="tx1"/>
+                      </a:solidFill>
+                      <a:prstDash val="solid"/>
+                      <a:round/>
+                      <a:headEnd type="none" w="med" len="med"/>
+                      <a:tailEnd type="none" w="med" len="med"/>
+                    </a:lnB>
+                    <a:noFill/>
+                  </a:tcPr>
+                </a:tc>
+                <a:tc>
+                  <a:txBody>
+                    <a:bodyPr/>
+                    <a:lstStyle/>
+                    <a:p>
+                      <a:pPr algn="l" latinLnBrk="1">
+                        <a:buFont typeface="Arial" pitchFamily="34" charset="0"/>
+                        <a:buChar char="•"/>
+                      </a:pPr>
+                      <a:endParaRPr lang="ko-KR" altLang="en-US" sz="1100" b="0" dirty="0">
+                        <a:solidFill>
+                          <a:schemeClr val="tx1"/>
+                        </a:solidFill>
+                        <a:latin typeface="+mn-lt"/>
+                      </a:endParaRPr>
+                    </a:p>
+                  </a:txBody>
+                  <a:tcPr>
+                    <a:lnL w="12700" cap="flat" cmpd="sng" algn="ctr">
+                      <a:solidFill>
+                        <a:schemeClr val="tx1"/>
+                      </a:solidFill>
+                      <a:prstDash val="solid"/>
+                      <a:round/>
+                      <a:headEnd type="none" w="med" len="med"/>
+                      <a:tailEnd type="none" w="med" len="med"/>
+                    </a:lnL>
+                    <a:lnR w="12700" cap="flat" cmpd="sng" algn="ctr">
+                      <a:solidFill>
+                        <a:schemeClr val="tx1"/>
+                      </a:solidFill>
+                      <a:prstDash val="solid"/>
+                      <a:round/>
+                      <a:headEnd type="none" w="med" len="med"/>
+                      <a:tailEnd type="none" w="med" len="med"/>
+                    </a:lnR>
+                    <a:lnT w="12700" cap="flat" cmpd="sng" algn="ctr">
+                      <a:solidFill>
+                        <a:schemeClr val="tx1"/>
+                      </a:solidFill>
+                      <a:prstDash val="solid"/>
+                      <a:round/>
+                      <a:headEnd type="none" w="med" len="med"/>
+                      <a:tailEnd type="none" w="med" len="med"/>
+                    </a:lnT>
+                    <a:lnB w="12700" cap="flat" cmpd="sng" algn="ctr">
+                      <a:solidFill>
+                        <a:schemeClr val="tx1"/>
+                      </a:solidFill>
+                      <a:prstDash val="solid"/>
+                      <a:round/>
+                      <a:headEnd type="none" w="med" len="med"/>
+                      <a:tailEnd type="none" w="med" len="med"/>
+                    </a:lnB>
+                    <a:noFill/>
+                  </a:tcPr>
+                </a:tc>
+                <a:tc>
+                  <a:txBody>
+                    <a:bodyPr/>
+                    <a:lstStyle/>
+                    <a:p>
+                      <a:pPr algn="l" latinLnBrk="1">
+                        <a:buFont typeface="Arial" pitchFamily="34" charset="0"/>
+                        <a:buChar char="•"/>
+                      </a:pPr>
+                      <a:endParaRPr lang="en-US" altLang="ko-KR" sz="1100" b="0" dirty="0" smtClean="0">
+                        <a:solidFill>
+                          <a:schemeClr val="tx1"/>
+                        </a:solidFill>
+                        <a:latin typeface="+mn-lt"/>
+                      </a:endParaRPr>
+                    </a:p>
+                  </a:txBody>
+                  <a:tcPr>
+                    <a:lnL w="12700" cap="flat" cmpd="sng" algn="ctr">
+                      <a:solidFill>
+                        <a:schemeClr val="tx1"/>
+                      </a:solidFill>
+                      <a:prstDash val="solid"/>
+                      <a:round/>
+                      <a:headEnd type="none" w="med" len="med"/>
+                      <a:tailEnd type="none" w="med" len="med"/>
+                    </a:lnL>
+                    <a:lnR w="12700" cap="flat" cmpd="sng" algn="ctr">
+                      <a:solidFill>
+                        <a:schemeClr val="tx1"/>
+                      </a:solidFill>
+                      <a:prstDash val="solid"/>
+                      <a:round/>
+                      <a:headEnd type="none" w="med" len="med"/>
+                      <a:tailEnd type="none" w="med" len="med"/>
+                    </a:lnR>
+                    <a:lnT w="12700" cap="flat" cmpd="sng" algn="ctr">
+                      <a:solidFill>
+                        <a:schemeClr val="tx1"/>
+                      </a:solidFill>
+                      <a:prstDash val="solid"/>
+                      <a:round/>
+                      <a:headEnd type="none" w="med" len="med"/>
+                      <a:tailEnd type="none" w="med" len="med"/>
+                    </a:lnT>
+                    <a:lnB w="12700" cap="flat" cmpd="sng" algn="ctr">
+                      <a:solidFill>
+                        <a:schemeClr val="tx1"/>
+                      </a:solidFill>
+                      <a:prstDash val="solid"/>
+                      <a:round/>
+                      <a:headEnd type="none" w="med" len="med"/>
+                      <a:tailEnd type="none" w="med" len="med"/>
+                    </a:lnB>
+                    <a:noFill/>
+                  </a:tcPr>
+                </a:tc>
+              </a:tr>
+              <a:tr h="370840">
+                <a:tc>
+                  <a:txBody>
+                    <a:bodyPr/>
+                    <a:lstStyle/>
+                    <a:p>
+                      <a:pPr algn="ctr" latinLnBrk="1"/>
+                      <a:r>
+                        <a:rPr lang="ko-KR" altLang="en-US" sz="1600" b="1" dirty="0" smtClean="0">
+                          <a:solidFill>
+                            <a:schemeClr val="tx1"/>
+                          </a:solidFill>
+                          <a:latin typeface="+mn-lt"/>
+                        </a:rPr>
+                        <a:t>내일 할  일</a:t>
+                      </a:r>
+                      <a:endParaRPr lang="ko-KR" altLang="en-US" sz="1600" b="1" dirty="0">
+                        <a:solidFill>
+                          <a:schemeClr val="tx1"/>
+                        </a:solidFill>
+                        <a:latin typeface="+mn-lt"/>
+                      </a:endParaRPr>
+                    </a:p>
+                  </a:txBody>
+                  <a:tcPr>
+                    <a:lnL w="12700" cap="flat" cmpd="sng" algn="ctr">
+                      <a:solidFill>
+                        <a:schemeClr val="tx1"/>
+                      </a:solidFill>
+                      <a:prstDash val="solid"/>
+                      <a:round/>
+                      <a:headEnd type="none" w="med" len="med"/>
+                      <a:tailEnd type="none" w="med" len="med"/>
+                    </a:lnL>
+                    <a:lnR w="12700" cap="flat" cmpd="sng" algn="ctr">
+                      <a:solidFill>
+                        <a:schemeClr val="tx1"/>
+                      </a:solidFill>
+                      <a:prstDash val="solid"/>
+                      <a:round/>
+                      <a:headEnd type="none" w="med" len="med"/>
+                      <a:tailEnd type="none" w="med" len="med"/>
+                    </a:lnR>
+                    <a:lnT w="12700" cap="flat" cmpd="sng" algn="ctr">
+                      <a:solidFill>
+                        <a:schemeClr val="tx1"/>
+                      </a:solidFill>
+                      <a:prstDash val="solid"/>
+                      <a:round/>
+                      <a:headEnd type="none" w="med" len="med"/>
+                      <a:tailEnd type="none" w="med" len="med"/>
+                    </a:lnT>
+                    <a:lnB w="12700" cap="flat" cmpd="sng" algn="ctr">
+                      <a:solidFill>
+                        <a:schemeClr val="tx1"/>
+                      </a:solidFill>
+                      <a:prstDash val="solid"/>
+                      <a:round/>
+                      <a:headEnd type="none" w="med" len="med"/>
+                      <a:tailEnd type="none" w="med" len="med"/>
+                    </a:lnB>
+                    <a:noFill/>
+                  </a:tcPr>
+                </a:tc>
+                <a:tc>
+                  <a:txBody>
+                    <a:bodyPr/>
+                    <a:lstStyle/>
+                    <a:p>
+                      <a:pPr algn="l" latinLnBrk="1">
+                        <a:buFont typeface="Arial" pitchFamily="34" charset="0"/>
+                        <a:buChar char="•"/>
+                      </a:pPr>
+                      <a:r>
+                        <a:rPr lang="en-US" altLang="ko-KR" sz="1100" b="0" dirty="0" err="1" smtClean="0">
+                          <a:solidFill>
+                            <a:schemeClr val="tx1"/>
+                          </a:solidFill>
+                          <a:latin typeface="+mn-lt"/>
+                        </a:rPr>
+                        <a:t>CustomizeMap</a:t>
+                      </a:r>
+                      <a:endParaRPr lang="ko-KR" altLang="en-US" sz="1100" b="0" dirty="0">
+                        <a:solidFill>
+                          <a:schemeClr val="tx1"/>
+                        </a:solidFill>
+                        <a:latin typeface="+mn-lt"/>
+                      </a:endParaRPr>
+                    </a:p>
+                  </a:txBody>
+                  <a:tcPr>
+                    <a:lnL w="12700" cap="flat" cmpd="sng" algn="ctr">
+                      <a:solidFill>
+                        <a:schemeClr val="tx1"/>
+                      </a:solidFill>
+                      <a:prstDash val="solid"/>
+                      <a:round/>
+                      <a:headEnd type="none" w="med" len="med"/>
+                      <a:tailEnd type="none" w="med" len="med"/>
+                    </a:lnL>
+                    <a:lnR w="12700" cap="flat" cmpd="sng" algn="ctr">
+                      <a:solidFill>
+                        <a:schemeClr val="tx1"/>
+                      </a:solidFill>
+                      <a:prstDash val="solid"/>
+                      <a:round/>
+                      <a:headEnd type="none" w="med" len="med"/>
+                      <a:tailEnd type="none" w="med" len="med"/>
+                    </a:lnR>
+                    <a:lnT w="12700" cap="flat" cmpd="sng" algn="ctr">
+                      <a:solidFill>
+                        <a:schemeClr val="tx1"/>
+                      </a:solidFill>
+                      <a:prstDash val="solid"/>
+                      <a:round/>
+                      <a:headEnd type="none" w="med" len="med"/>
+                      <a:tailEnd type="none" w="med" len="med"/>
+                    </a:lnT>
+                    <a:lnB w="12700" cap="flat" cmpd="sng" algn="ctr">
+                      <a:solidFill>
+                        <a:schemeClr val="tx1"/>
+                      </a:solidFill>
+                      <a:prstDash val="solid"/>
+                      <a:round/>
+                      <a:headEnd type="none" w="med" len="med"/>
+                      <a:tailEnd type="none" w="med" len="med"/>
+                    </a:lnB>
+                    <a:noFill/>
+                  </a:tcPr>
+                </a:tc>
+                <a:tc>
+                  <a:txBody>
+                    <a:bodyPr/>
+                    <a:lstStyle/>
+                    <a:p>
+                      <a:pPr algn="l" latinLnBrk="1">
+                        <a:buFont typeface="Arial" pitchFamily="34" charset="0"/>
+                        <a:buChar char="•"/>
+                      </a:pPr>
+                      <a:endParaRPr lang="ko-KR" altLang="en-US" sz="1100" b="0" dirty="0">
+                        <a:solidFill>
+                          <a:schemeClr val="tx1"/>
+                        </a:solidFill>
+                        <a:latin typeface="+mn-lt"/>
+                      </a:endParaRPr>
+                    </a:p>
+                  </a:txBody>
+                  <a:tcPr>
+                    <a:lnL w="12700" cap="flat" cmpd="sng" algn="ctr">
+                      <a:solidFill>
+                        <a:schemeClr val="tx1"/>
+                      </a:solidFill>
+                      <a:prstDash val="solid"/>
+                      <a:round/>
+                      <a:headEnd type="none" w="med" len="med"/>
+                      <a:tailEnd type="none" w="med" len="med"/>
+                    </a:lnL>
+                    <a:lnR w="12700" cap="flat" cmpd="sng" algn="ctr">
+                      <a:solidFill>
+                        <a:schemeClr val="tx1"/>
+                      </a:solidFill>
+                      <a:prstDash val="solid"/>
+                      <a:round/>
+                      <a:headEnd type="none" w="med" len="med"/>
+                      <a:tailEnd type="none" w="med" len="med"/>
+                    </a:lnR>
+                    <a:lnT w="12700" cap="flat" cmpd="sng" algn="ctr">
+                      <a:solidFill>
+                        <a:schemeClr val="tx1"/>
+                      </a:solidFill>
+                      <a:prstDash val="solid"/>
+                      <a:round/>
+                      <a:headEnd type="none" w="med" len="med"/>
+                      <a:tailEnd type="none" w="med" len="med"/>
+                    </a:lnT>
+                    <a:lnB w="12700" cap="flat" cmpd="sng" algn="ctr">
+                      <a:solidFill>
+                        <a:schemeClr val="tx1"/>
+                      </a:solidFill>
+                      <a:prstDash val="solid"/>
+                      <a:round/>
+                      <a:headEnd type="none" w="med" len="med"/>
+                      <a:tailEnd type="none" w="med" len="med"/>
+                    </a:lnB>
+                    <a:noFill/>
+                  </a:tcPr>
+                </a:tc>
+                <a:tc>
+                  <a:txBody>
+                    <a:bodyPr/>
+                    <a:lstStyle/>
+                    <a:p>
+                      <a:pPr algn="l" latinLnBrk="1">
+                        <a:buFont typeface="Arial" pitchFamily="34" charset="0"/>
+                        <a:buChar char="•"/>
+                      </a:pPr>
+                      <a:r>
+                        <a:rPr lang="en-US" altLang="ko-KR" sz="1100" b="0" baseline="0" dirty="0" smtClean="0">
+                          <a:solidFill>
+                            <a:schemeClr val="tx1"/>
+                          </a:solidFill>
+                          <a:latin typeface="+mn-lt"/>
+                        </a:rPr>
+                        <a:t> </a:t>
+                      </a:r>
+                      <a:r>
+                        <a:rPr lang="en-US" altLang="ko-KR" sz="1100" b="0" baseline="0" dirty="0" err="1" smtClean="0">
+                          <a:solidFill>
+                            <a:schemeClr val="tx1"/>
+                          </a:solidFill>
+                          <a:latin typeface="+mn-lt"/>
+                        </a:rPr>
+                        <a:t>Fastlookuptable</a:t>
+                      </a:r>
+                      <a:endParaRPr lang="ko-KR" altLang="en-US" sz="1100" b="0" dirty="0">
+                        <a:solidFill>
+                          <a:schemeClr val="tx1"/>
+                        </a:solidFill>
+                        <a:latin typeface="+mn-lt"/>
+                      </a:endParaRPr>
+                    </a:p>
+                  </a:txBody>
+                  <a:tcPr>
+                    <a:lnL w="12700" cap="flat" cmpd="sng" algn="ctr">
+                      <a:solidFill>
+                        <a:schemeClr val="tx1"/>
+                      </a:solidFill>
+                      <a:prstDash val="solid"/>
+                      <a:round/>
+                      <a:headEnd type="none" w="med" len="med"/>
+                      <a:tailEnd type="none" w="med" len="med"/>
+                    </a:lnL>
+                    <a:lnR w="12700" cap="flat" cmpd="sng" algn="ctr">
+                      <a:solidFill>
+                        <a:schemeClr val="tx1"/>
+                      </a:solidFill>
+                      <a:prstDash val="solid"/>
+                      <a:round/>
+                      <a:headEnd type="none" w="med" len="med"/>
+                      <a:tailEnd type="none" w="med" len="med"/>
+                    </a:lnR>
+                    <a:lnT w="12700" cap="flat" cmpd="sng" algn="ctr">
+                      <a:solidFill>
+                        <a:schemeClr val="tx1"/>
+                      </a:solidFill>
+                      <a:prstDash val="solid"/>
+                      <a:round/>
+                      <a:headEnd type="none" w="med" len="med"/>
+                      <a:tailEnd type="none" w="med" len="med"/>
+                    </a:lnT>
+                    <a:lnB w="12700" cap="flat" cmpd="sng" algn="ctr">
+                      <a:solidFill>
+                        <a:schemeClr val="tx1"/>
+                      </a:solidFill>
+                      <a:prstDash val="solid"/>
+                      <a:round/>
+                      <a:headEnd type="none" w="med" len="med"/>
+                      <a:tailEnd type="none" w="med" len="med"/>
+                    </a:lnB>
+                    <a:noFill/>
+                  </a:tcPr>
+                </a:tc>
+                <a:tc>
+                  <a:txBody>
+                    <a:bodyPr/>
+                    <a:lstStyle/>
+                    <a:p>
+                      <a:pPr algn="l" latinLnBrk="1">
+                        <a:buFont typeface="Arial" pitchFamily="34" charset="0"/>
+                        <a:buChar char="•"/>
+                      </a:pPr>
+                      <a:endParaRPr lang="ko-KR" altLang="en-US" sz="1100" b="0" dirty="0">
+                        <a:solidFill>
+                          <a:schemeClr val="tx1"/>
+                        </a:solidFill>
+                        <a:latin typeface="+mn-lt"/>
+                      </a:endParaRPr>
+                    </a:p>
+                  </a:txBody>
+                  <a:tcPr>
+                    <a:lnL w="12700" cap="flat" cmpd="sng" algn="ctr">
+                      <a:solidFill>
+                        <a:schemeClr val="tx1"/>
+                      </a:solidFill>
+                      <a:prstDash val="solid"/>
+                      <a:round/>
+                      <a:headEnd type="none" w="med" len="med"/>
+                      <a:tailEnd type="none" w="med" len="med"/>
+                    </a:lnL>
+                    <a:lnR w="12700" cap="flat" cmpd="sng" algn="ctr">
+                      <a:solidFill>
+                        <a:schemeClr val="tx1"/>
+                      </a:solidFill>
+                      <a:prstDash val="solid"/>
+                      <a:round/>
+                      <a:headEnd type="none" w="med" len="med"/>
+                      <a:tailEnd type="none" w="med" len="med"/>
+                    </a:lnR>
+                    <a:lnT w="12700" cap="flat" cmpd="sng" algn="ctr">
+                      <a:solidFill>
+                        <a:schemeClr val="tx1"/>
+                      </a:solidFill>
+                      <a:prstDash val="solid"/>
+                      <a:round/>
+                      <a:headEnd type="none" w="med" len="med"/>
+                      <a:tailEnd type="none" w="med" len="med"/>
+                    </a:lnT>
+                    <a:lnB w="12700" cap="flat" cmpd="sng" algn="ctr">
+                      <a:solidFill>
+                        <a:schemeClr val="tx1"/>
+                      </a:solidFill>
+                      <a:prstDash val="solid"/>
+                      <a:round/>
+                      <a:headEnd type="none" w="med" len="med"/>
+                      <a:tailEnd type="none" w="med" len="med"/>
+                    </a:lnB>
+                    <a:noFill/>
+                  </a:tcPr>
+                </a:tc>
+                <a:tc>
+                  <a:txBody>
+                    <a:bodyPr/>
+                    <a:lstStyle/>
+                    <a:p>
+                      <a:pPr algn="l" latinLnBrk="1">
+                        <a:buFont typeface="Arial" pitchFamily="34" charset="0"/>
+                        <a:buChar char="•"/>
+                      </a:pPr>
+                      <a:endParaRPr lang="en-US" altLang="ko-KR" sz="1100" b="0" baseline="0" dirty="0" smtClean="0">
+                        <a:solidFill>
+                          <a:schemeClr val="tx1"/>
+                        </a:solidFill>
+                        <a:latin typeface="+mn-lt"/>
+                      </a:endParaRPr>
+                    </a:p>
+                  </a:txBody>
+                  <a:tcPr>
+                    <a:lnL w="12700" cap="flat" cmpd="sng" algn="ctr">
+                      <a:solidFill>
+                        <a:schemeClr val="tx1"/>
+                      </a:solidFill>
+                      <a:prstDash val="solid"/>
+                      <a:round/>
+                      <a:headEnd type="none" w="med" len="med"/>
+                      <a:tailEnd type="none" w="med" len="med"/>
+                    </a:lnL>
+                    <a:lnR w="12700" cap="flat" cmpd="sng" algn="ctr">
+                      <a:solidFill>
+                        <a:schemeClr val="tx1"/>
+                      </a:solidFill>
+                      <a:prstDash val="solid"/>
+                      <a:round/>
+                      <a:headEnd type="none" w="med" len="med"/>
+                      <a:tailEnd type="none" w="med" len="med"/>
+                    </a:lnR>
+                    <a:lnT w="12700" cap="flat" cmpd="sng" algn="ctr">
+                      <a:solidFill>
+                        <a:schemeClr val="tx1"/>
+                      </a:solidFill>
+                      <a:prstDash val="solid"/>
+                      <a:round/>
+                      <a:headEnd type="none" w="med" len="med"/>
+                      <a:tailEnd type="none" w="med" len="med"/>
+                    </a:lnT>
+                    <a:lnB w="12700" cap="flat" cmpd="sng" algn="ctr">
+                      <a:solidFill>
+                        <a:schemeClr val="tx1"/>
+                      </a:solidFill>
+                      <a:prstDash val="solid"/>
+                      <a:round/>
+                      <a:headEnd type="none" w="med" len="med"/>
+                      <a:tailEnd type="none" w="med" len="med"/>
+                    </a:lnB>
+                    <a:noFill/>
+                  </a:tcPr>
+                </a:tc>
+              </a:tr>
+              <a:tr h="370840">
+                <a:tc>
+                  <a:txBody>
+                    <a:bodyPr/>
+                    <a:lstStyle/>
+                    <a:p>
+                      <a:pPr algn="ctr" latinLnBrk="1"/>
+                      <a:r>
+                        <a:rPr lang="ko-KR" altLang="en-US" sz="1600" b="1" dirty="0" smtClean="0">
+                          <a:solidFill>
+                            <a:schemeClr val="tx1"/>
+                          </a:solidFill>
+                          <a:latin typeface="+mn-lt"/>
+                        </a:rPr>
+                        <a:t>문   제</a:t>
+                      </a:r>
+                      <a:r>
+                        <a:rPr lang="ko-KR" altLang="en-US" sz="1600" b="1" baseline="0" dirty="0" smtClean="0">
+                          <a:solidFill>
+                            <a:schemeClr val="tx1"/>
+                          </a:solidFill>
+                          <a:latin typeface="+mn-lt"/>
+                        </a:rPr>
+                        <a:t> </a:t>
+                      </a:r>
+                      <a:r>
+                        <a:rPr lang="ko-KR" altLang="en-US" sz="1600" b="1" dirty="0" smtClean="0">
+                          <a:solidFill>
+                            <a:schemeClr val="tx1"/>
+                          </a:solidFill>
+                          <a:latin typeface="+mn-lt"/>
+                        </a:rPr>
+                        <a:t>  점</a:t>
+                      </a:r>
+                      <a:endParaRPr lang="ko-KR" altLang="en-US" sz="1600" b="1" dirty="0">
+                        <a:solidFill>
+                          <a:schemeClr val="tx1"/>
+                        </a:solidFill>
+                        <a:latin typeface="+mn-lt"/>
+                      </a:endParaRPr>
+                    </a:p>
+                  </a:txBody>
+                  <a:tcPr>
+                    <a:lnL w="12700" cap="flat" cmpd="sng" algn="ctr">
+                      <a:solidFill>
+                        <a:schemeClr val="tx1"/>
+                      </a:solidFill>
+                      <a:prstDash val="solid"/>
+                      <a:round/>
+                      <a:headEnd type="none" w="med" len="med"/>
+                      <a:tailEnd type="none" w="med" len="med"/>
+                    </a:lnL>
+                    <a:lnR w="12700" cap="flat" cmpd="sng" algn="ctr">
+                      <a:solidFill>
+                        <a:schemeClr val="tx1"/>
+                      </a:solidFill>
+                      <a:prstDash val="solid"/>
+                      <a:round/>
+                      <a:headEnd type="none" w="med" len="med"/>
+                      <a:tailEnd type="none" w="med" len="med"/>
+                    </a:lnR>
+                    <a:lnT w="12700" cap="flat" cmpd="sng" algn="ctr">
+                      <a:solidFill>
+                        <a:schemeClr val="tx1"/>
+                      </a:solidFill>
+                      <a:prstDash val="solid"/>
+                      <a:round/>
+                      <a:headEnd type="none" w="med" len="med"/>
+                      <a:tailEnd type="none" w="med" len="med"/>
+                    </a:lnT>
+                    <a:lnB w="12700" cap="flat" cmpd="sng" algn="ctr">
+                      <a:solidFill>
+                        <a:schemeClr val="tx1"/>
+                      </a:solidFill>
+                      <a:prstDash val="solid"/>
+                      <a:round/>
+                      <a:headEnd type="none" w="med" len="med"/>
+                      <a:tailEnd type="none" w="med" len="med"/>
+                    </a:lnB>
+                    <a:noFill/>
+                  </a:tcPr>
+                </a:tc>
+                <a:tc>
+                  <a:txBody>
+                    <a:bodyPr/>
+                    <a:lstStyle/>
+                    <a:p>
+                      <a:pPr algn="l" latinLnBrk="1">
+                        <a:buFont typeface="Arial" pitchFamily="34" charset="0"/>
+                        <a:buChar char="•"/>
+                      </a:pPr>
+                      <a:r>
+                        <a:rPr lang="en-US" altLang="ko-KR" sz="1100" b="0" baseline="0" dirty="0" smtClean="0">
+                          <a:solidFill>
+                            <a:schemeClr val="tx1"/>
+                          </a:solidFill>
+                          <a:latin typeface="+mn-lt"/>
+                        </a:rPr>
+                        <a:t> </a:t>
+                      </a:r>
+                      <a:r>
+                        <a:rPr lang="ko-KR" altLang="en-US" sz="1100" b="0" baseline="0" dirty="0" err="1" smtClean="0">
+                          <a:solidFill>
+                            <a:schemeClr val="tx1"/>
+                          </a:solidFill>
+                          <a:latin typeface="+mn-lt"/>
+                        </a:rPr>
+                        <a:t>따라치는데</a:t>
+                      </a:r>
+                      <a:r>
+                        <a:rPr lang="ko-KR" altLang="en-US" sz="1100" b="0" baseline="0" dirty="0" smtClean="0">
+                          <a:solidFill>
+                            <a:schemeClr val="tx1"/>
+                          </a:solidFill>
+                          <a:latin typeface="+mn-lt"/>
+                        </a:rPr>
+                        <a:t> 시간이 오래 걸린다</a:t>
+                      </a:r>
+                      <a:r>
+                        <a:rPr lang="en-US" altLang="ko-KR" sz="1100" b="0" baseline="0" dirty="0" smtClean="0">
+                          <a:solidFill>
+                            <a:schemeClr val="tx1"/>
+                          </a:solidFill>
+                          <a:latin typeface="+mn-lt"/>
+                        </a:rPr>
+                        <a:t>.</a:t>
+                      </a:r>
+                    </a:p>
+                    <a:p>
+                      <a:pPr algn="l" latinLnBrk="1">
+                        <a:buFont typeface="Arial" pitchFamily="34" charset="0"/>
+                        <a:buChar char="•"/>
+                      </a:pPr>
+                      <a:endParaRPr lang="en-US" altLang="ko-KR" sz="1100" b="0" baseline="0" dirty="0" smtClean="0">
+                        <a:solidFill>
+                          <a:schemeClr val="tx1"/>
+                        </a:solidFill>
+                        <a:latin typeface="+mn-lt"/>
+                      </a:endParaRPr>
+                    </a:p>
+                    <a:p>
+                      <a:pPr algn="l" latinLnBrk="1">
+                        <a:buFont typeface="Arial" pitchFamily="34" charset="0"/>
+                        <a:buChar char="•"/>
+                      </a:pPr>
+                      <a:r>
+                        <a:rPr lang="en-US" altLang="ko-KR" sz="1100" b="0" dirty="0" smtClean="0">
+                          <a:solidFill>
+                            <a:schemeClr val="tx1"/>
+                          </a:solidFill>
+                          <a:latin typeface="+mn-lt"/>
+                        </a:rPr>
+                        <a:t> </a:t>
+                      </a:r>
+                      <a:r>
+                        <a:rPr lang="ko-KR" altLang="en-US" sz="1100" b="0" dirty="0" err="1" smtClean="0">
+                          <a:solidFill>
+                            <a:schemeClr val="tx1"/>
+                          </a:solidFill>
+                          <a:latin typeface="+mn-lt"/>
+                        </a:rPr>
+                        <a:t>따라치면서</a:t>
+                      </a:r>
+                      <a:r>
+                        <a:rPr lang="ko-KR" altLang="en-US" sz="1100" b="0" dirty="0" smtClean="0">
+                          <a:solidFill>
+                            <a:schemeClr val="tx1"/>
+                          </a:solidFill>
+                          <a:latin typeface="+mn-lt"/>
+                        </a:rPr>
+                        <a:t> 전체적인 구조를 파악하기 쉽지 않다</a:t>
+                      </a:r>
+                      <a:endParaRPr lang="en-US" altLang="ko-KR" sz="1100" b="0" dirty="0" smtClean="0">
+                        <a:solidFill>
+                          <a:schemeClr val="tx1"/>
+                        </a:solidFill>
+                        <a:latin typeface="+mn-lt"/>
+                      </a:endParaRPr>
+                    </a:p>
+                    <a:p>
+                      <a:pPr algn="l" latinLnBrk="1">
+                        <a:buFont typeface="Arial" pitchFamily="34" charset="0"/>
+                        <a:buChar char="•"/>
+                      </a:pPr>
+                      <a:endParaRPr lang="ko-KR" altLang="en-US" sz="1100" b="0" dirty="0">
+                        <a:solidFill>
+                          <a:schemeClr val="tx1"/>
+                        </a:solidFill>
+                        <a:latin typeface="+mn-lt"/>
+                      </a:endParaRPr>
+                    </a:p>
+                  </a:txBody>
+                  <a:tcPr>
+                    <a:lnL w="12700" cap="flat" cmpd="sng" algn="ctr">
+                      <a:solidFill>
+                        <a:schemeClr val="tx1"/>
+                      </a:solidFill>
+                      <a:prstDash val="solid"/>
+                      <a:round/>
+                      <a:headEnd type="none" w="med" len="med"/>
+                      <a:tailEnd type="none" w="med" len="med"/>
+                    </a:lnL>
+                    <a:lnR w="12700" cap="flat" cmpd="sng" algn="ctr">
+                      <a:solidFill>
+                        <a:schemeClr val="tx1"/>
+                      </a:solidFill>
+                      <a:prstDash val="solid"/>
+                      <a:round/>
+                      <a:headEnd type="none" w="med" len="med"/>
+                      <a:tailEnd type="none" w="med" len="med"/>
+                    </a:lnR>
+                    <a:lnT w="12700" cap="flat" cmpd="sng" algn="ctr">
+                      <a:solidFill>
+                        <a:schemeClr val="tx1"/>
+                      </a:solidFill>
+                      <a:prstDash val="solid"/>
+                      <a:round/>
+                      <a:headEnd type="none" w="med" len="med"/>
+                      <a:tailEnd type="none" w="med" len="med"/>
+                    </a:lnT>
+                    <a:lnB w="12700" cap="flat" cmpd="sng" algn="ctr">
+                      <a:solidFill>
+                        <a:schemeClr val="tx1"/>
+                      </a:solidFill>
+                      <a:prstDash val="solid"/>
+                      <a:round/>
+                      <a:headEnd type="none" w="med" len="med"/>
+                      <a:tailEnd type="none" w="med" len="med"/>
+                    </a:lnB>
+                    <a:noFill/>
+                  </a:tcPr>
+                </a:tc>
+                <a:tc>
+                  <a:txBody>
+                    <a:bodyPr/>
+                    <a:lstStyle/>
+                    <a:p>
+                      <a:pPr algn="l" latinLnBrk="1">
+                        <a:buFont typeface="Arial" pitchFamily="34" charset="0"/>
+                        <a:buChar char="•"/>
+                      </a:pPr>
+                      <a:endParaRPr lang="ko-KR" altLang="en-US" sz="1100" b="0" dirty="0">
+                        <a:solidFill>
+                          <a:schemeClr val="tx1"/>
+                        </a:solidFill>
+                        <a:latin typeface="+mn-lt"/>
+                      </a:endParaRPr>
+                    </a:p>
+                  </a:txBody>
+                  <a:tcPr>
+                    <a:lnL w="12700" cap="flat" cmpd="sng" algn="ctr">
+                      <a:solidFill>
+                        <a:schemeClr val="tx1"/>
+                      </a:solidFill>
+                      <a:prstDash val="solid"/>
+                      <a:round/>
+                      <a:headEnd type="none" w="med" len="med"/>
+                      <a:tailEnd type="none" w="med" len="med"/>
+                    </a:lnL>
+                    <a:lnR w="12700" cap="flat" cmpd="sng" algn="ctr">
+                      <a:solidFill>
+                        <a:schemeClr val="tx1"/>
+                      </a:solidFill>
+                      <a:prstDash val="solid"/>
+                      <a:round/>
+                      <a:headEnd type="none" w="med" len="med"/>
+                      <a:tailEnd type="none" w="med" len="med"/>
+                    </a:lnR>
+                    <a:lnT w="12700" cap="flat" cmpd="sng" algn="ctr">
+                      <a:solidFill>
+                        <a:schemeClr val="tx1"/>
+                      </a:solidFill>
+                      <a:prstDash val="solid"/>
+                      <a:round/>
+                      <a:headEnd type="none" w="med" len="med"/>
+                      <a:tailEnd type="none" w="med" len="med"/>
+                    </a:lnT>
+                    <a:lnB w="12700" cap="flat" cmpd="sng" algn="ctr">
+                      <a:solidFill>
+                        <a:schemeClr val="tx1"/>
+                      </a:solidFill>
+                      <a:prstDash val="solid"/>
+                      <a:round/>
+                      <a:headEnd type="none" w="med" len="med"/>
+                      <a:tailEnd type="none" w="med" len="med"/>
+                    </a:lnB>
+                    <a:noFill/>
+                  </a:tcPr>
+                </a:tc>
+                <a:tc>
+                  <a:txBody>
+                    <a:bodyPr/>
+                    <a:lstStyle/>
+                    <a:p>
+                      <a:pPr algn="l" latinLnBrk="1">
+                        <a:buFont typeface="Arial" pitchFamily="34" charset="0"/>
+                        <a:buChar char="•"/>
+                      </a:pPr>
+                      <a:r>
+                        <a:rPr lang="en-US" altLang="ko-KR" sz="1100" b="0" dirty="0" smtClean="0">
+                          <a:solidFill>
+                            <a:schemeClr val="tx1"/>
+                          </a:solidFill>
+                          <a:latin typeface="+mn-lt"/>
+                        </a:rPr>
+                        <a:t> </a:t>
+                      </a:r>
+                      <a:r>
+                        <a:rPr lang="ko-KR" altLang="en-US" sz="1100" b="0" baseline="0" dirty="0" smtClean="0">
+                          <a:solidFill>
+                            <a:schemeClr val="tx1"/>
+                          </a:solidFill>
+                          <a:latin typeface="+mn-lt"/>
+                        </a:rPr>
+                        <a:t> 오늘 늘어진다 그래도 </a:t>
+                      </a:r>
+                      <a:r>
+                        <a:rPr lang="ko-KR" altLang="en-US" sz="1100" b="0" baseline="0" dirty="0" err="1" smtClean="0">
+                          <a:solidFill>
+                            <a:schemeClr val="tx1"/>
+                          </a:solidFill>
+                          <a:latin typeface="+mn-lt"/>
+                        </a:rPr>
+                        <a:t>일정따라</a:t>
+                      </a:r>
+                      <a:r>
+                        <a:rPr lang="ko-KR" altLang="en-US" sz="1100" b="0" baseline="0" dirty="0" smtClean="0">
+                          <a:solidFill>
+                            <a:schemeClr val="tx1"/>
+                          </a:solidFill>
+                          <a:latin typeface="+mn-lt"/>
+                        </a:rPr>
+                        <a:t> 가려고 </a:t>
+                      </a:r>
+                      <a:r>
+                        <a:rPr lang="ko-KR" altLang="en-US" sz="1100" b="0" baseline="0" dirty="0" err="1" smtClean="0">
+                          <a:solidFill>
+                            <a:schemeClr val="tx1"/>
+                          </a:solidFill>
+                          <a:latin typeface="+mn-lt"/>
+                        </a:rPr>
+                        <a:t>노력중이다</a:t>
+                      </a:r>
+                      <a:r>
+                        <a:rPr lang="en-US" altLang="ko-KR" sz="1100" b="0" baseline="0" smtClean="0">
+                          <a:solidFill>
+                            <a:schemeClr val="tx1"/>
+                          </a:solidFill>
+                          <a:latin typeface="+mn-lt"/>
+                        </a:rPr>
+                        <a:t>.</a:t>
+                      </a:r>
+                      <a:endParaRPr lang="en-US" altLang="ko-KR" sz="1100" b="0" dirty="0" smtClean="0">
+                        <a:solidFill>
+                          <a:schemeClr val="tx1"/>
+                        </a:solidFill>
+                        <a:latin typeface="+mn-lt"/>
+                      </a:endParaRPr>
+                    </a:p>
+                  </a:txBody>
+                  <a:tcPr>
+                    <a:lnL w="12700" cap="flat" cmpd="sng" algn="ctr">
+                      <a:solidFill>
+                        <a:schemeClr val="tx1"/>
+                      </a:solidFill>
+                      <a:prstDash val="solid"/>
+                      <a:round/>
+                      <a:headEnd type="none" w="med" len="med"/>
+                      <a:tailEnd type="none" w="med" len="med"/>
+                    </a:lnL>
+                    <a:lnR w="12700" cap="flat" cmpd="sng" algn="ctr">
+                      <a:solidFill>
+                        <a:schemeClr val="tx1"/>
+                      </a:solidFill>
+                      <a:prstDash val="solid"/>
+                      <a:round/>
+                      <a:headEnd type="none" w="med" len="med"/>
+                      <a:tailEnd type="none" w="med" len="med"/>
+                    </a:lnR>
+                    <a:lnT w="12700" cap="flat" cmpd="sng" algn="ctr">
+                      <a:solidFill>
+                        <a:schemeClr val="tx1"/>
+                      </a:solidFill>
+                      <a:prstDash val="solid"/>
+                      <a:round/>
+                      <a:headEnd type="none" w="med" len="med"/>
+                      <a:tailEnd type="none" w="med" len="med"/>
+                    </a:lnT>
+                    <a:lnB w="12700" cap="flat" cmpd="sng" algn="ctr">
+                      <a:solidFill>
+                        <a:schemeClr val="tx1"/>
+                      </a:solidFill>
+                      <a:prstDash val="solid"/>
+                      <a:round/>
+                      <a:headEnd type="none" w="med" len="med"/>
+                      <a:tailEnd type="none" w="med" len="med"/>
+                    </a:lnB>
+                    <a:noFill/>
+                  </a:tcPr>
+                </a:tc>
+                <a:tc>
+                  <a:txBody>
+                    <a:bodyPr/>
+                    <a:lstStyle/>
+                    <a:p>
+                      <a:pPr algn="l" latinLnBrk="1">
+                        <a:buFont typeface="Arial" pitchFamily="34" charset="0"/>
+                        <a:buChar char="•"/>
+                      </a:pPr>
+                      <a:endParaRPr lang="ko-KR" altLang="en-US" sz="1100" b="0" dirty="0">
+                        <a:solidFill>
+                          <a:schemeClr val="tx1"/>
+                        </a:solidFill>
+                        <a:latin typeface="+mn-lt"/>
+                      </a:endParaRPr>
+                    </a:p>
+                  </a:txBody>
+                  <a:tcPr>
+                    <a:lnL w="12700" cap="flat" cmpd="sng" algn="ctr">
+                      <a:solidFill>
+                        <a:schemeClr val="tx1"/>
+                      </a:solidFill>
+                      <a:prstDash val="solid"/>
+                      <a:round/>
+                      <a:headEnd type="none" w="med" len="med"/>
+                      <a:tailEnd type="none" w="med" len="med"/>
+                    </a:lnL>
+                    <a:lnR w="12700" cap="flat" cmpd="sng" algn="ctr">
+                      <a:solidFill>
+                        <a:schemeClr val="tx1"/>
+                      </a:solidFill>
+                      <a:prstDash val="solid"/>
+                      <a:round/>
+                      <a:headEnd type="none" w="med" len="med"/>
+                      <a:tailEnd type="none" w="med" len="med"/>
+                    </a:lnR>
+                    <a:lnT w="12700" cap="flat" cmpd="sng" algn="ctr">
+                      <a:solidFill>
+                        <a:schemeClr val="tx1"/>
+                      </a:solidFill>
+                      <a:prstDash val="solid"/>
+                      <a:round/>
+                      <a:headEnd type="none" w="med" len="med"/>
+                      <a:tailEnd type="none" w="med" len="med"/>
+                    </a:lnT>
+                    <a:lnB w="12700" cap="flat" cmpd="sng" algn="ctr">
+                      <a:solidFill>
+                        <a:schemeClr val="tx1"/>
+                      </a:solidFill>
+                      <a:prstDash val="solid"/>
+                      <a:round/>
+                      <a:headEnd type="none" w="med" len="med"/>
+                      <a:tailEnd type="none" w="med" len="med"/>
+                    </a:lnB>
+                    <a:noFill/>
+                  </a:tcPr>
+                </a:tc>
+                <a:tc>
+                  <a:txBody>
+                    <a:bodyPr/>
+                    <a:lstStyle/>
+                    <a:p>
+                      <a:pPr algn="l" latinLnBrk="1">
+                        <a:buFont typeface="Arial" pitchFamily="34" charset="0"/>
+                        <a:buChar char="•"/>
+                      </a:pPr>
+                      <a:endParaRPr lang="ko-KR" altLang="en-US" sz="1100" b="0" dirty="0">
+                        <a:solidFill>
+                          <a:schemeClr val="tx1"/>
+                        </a:solidFill>
+                        <a:latin typeface="+mn-lt"/>
+                      </a:endParaRPr>
+                    </a:p>
+                  </a:txBody>
+                  <a:tcPr>
+                    <a:lnL w="12700" cap="flat" cmpd="sng" algn="ctr">
+                      <a:solidFill>
+                        <a:schemeClr val="tx1"/>
+                      </a:solidFill>
+                      <a:prstDash val="solid"/>
+                      <a:round/>
+                      <a:headEnd type="none" w="med" len="med"/>
+                      <a:tailEnd type="none" w="med" len="med"/>
+                    </a:lnL>
+                    <a:lnR w="12700" cap="flat" cmpd="sng" algn="ctr">
+                      <a:solidFill>
+                        <a:schemeClr val="tx1"/>
+                      </a:solidFill>
+                      <a:prstDash val="solid"/>
+                      <a:round/>
+                      <a:headEnd type="none" w="med" len="med"/>
+                      <a:tailEnd type="none" w="med" len="med"/>
+                    </a:lnR>
+                    <a:lnT w="12700" cap="flat" cmpd="sng" algn="ctr">
+                      <a:solidFill>
+                        <a:schemeClr val="tx1"/>
+                      </a:solidFill>
+                      <a:prstDash val="solid"/>
+                      <a:round/>
+                      <a:headEnd type="none" w="med" len="med"/>
+                      <a:tailEnd type="none" w="med" len="med"/>
+                    </a:lnT>
+                    <a:lnB w="12700" cap="flat" cmpd="sng" algn="ctr">
+                      <a:solidFill>
+                        <a:schemeClr val="tx1"/>
+                      </a:solidFill>
+                      <a:prstDash val="solid"/>
+                      <a:round/>
+                      <a:headEnd type="none" w="med" len="med"/>
+                      <a:tailEnd type="none" w="med" len="med"/>
+                    </a:lnB>
+                    <a:noFill/>
+                  </a:tcPr>
+                </a:tc>
+              </a:tr>
+              <a:tr h="1887160">
+                <a:tc>
+                  <a:txBody>
+                    <a:bodyPr/>
+                    <a:lstStyle/>
+                    <a:p>
+                      <a:pPr algn="ctr" latinLnBrk="1"/>
+                      <a:r>
+                        <a:rPr lang="ko-KR" altLang="en-US" sz="1400" b="1" dirty="0" smtClean="0">
+                          <a:solidFill>
+                            <a:schemeClr val="tx1"/>
+                          </a:solidFill>
+                          <a:latin typeface="+mn-lt"/>
+                        </a:rPr>
+                        <a:t>다음 주 할 일</a:t>
+                      </a:r>
+                      <a:endParaRPr lang="ko-KR" altLang="en-US" sz="1400" b="1" dirty="0">
+                        <a:solidFill>
+                          <a:schemeClr val="tx1"/>
+                        </a:solidFill>
+                        <a:latin typeface="+mn-lt"/>
+                      </a:endParaRPr>
+                    </a:p>
+                  </a:txBody>
+                  <a:tcPr>
+                    <a:lnL w="12700" cap="flat" cmpd="sng" algn="ctr">
+                      <a:solidFill>
+                        <a:schemeClr val="tx1"/>
+                      </a:solidFill>
+                      <a:prstDash val="solid"/>
+                      <a:round/>
+                      <a:headEnd type="none" w="med" len="med"/>
+                      <a:tailEnd type="none" w="med" len="med"/>
+                    </a:lnL>
+                    <a:lnR w="12700" cap="flat" cmpd="sng" algn="ctr">
+                      <a:solidFill>
+                        <a:schemeClr val="tx1"/>
+                      </a:solidFill>
+                      <a:prstDash val="solid"/>
+                      <a:round/>
+                      <a:headEnd type="none" w="med" len="med"/>
+                      <a:tailEnd type="none" w="med" len="med"/>
+                    </a:lnR>
+                    <a:lnT w="12700" cap="flat" cmpd="sng" algn="ctr">
+                      <a:solidFill>
+                        <a:schemeClr val="tx1"/>
+                      </a:solidFill>
+                      <a:prstDash val="solid"/>
+                      <a:round/>
+                      <a:headEnd type="none" w="med" len="med"/>
+                      <a:tailEnd type="none" w="med" len="med"/>
+                    </a:lnT>
+                    <a:lnB w="12700" cap="flat" cmpd="sng" algn="ctr">
+                      <a:solidFill>
+                        <a:schemeClr val="tx1"/>
+                      </a:solidFill>
+                      <a:prstDash val="solid"/>
+                      <a:round/>
+                      <a:headEnd type="none" w="med" len="med"/>
+                      <a:tailEnd type="none" w="med" len="med"/>
+                    </a:lnB>
+                    <a:noFill/>
+                  </a:tcPr>
+                </a:tc>
+                <a:tc>
+                  <a:txBody>
+                    <a:bodyPr/>
+                    <a:lstStyle/>
+                    <a:p>
+                      <a:pPr algn="l" latinLnBrk="1">
+                        <a:buFont typeface="Arial" pitchFamily="34" charset="0"/>
+                        <a:buChar char="•"/>
+                      </a:pPr>
+                      <a:endParaRPr lang="ko-KR" altLang="en-US" sz="1100" b="0" dirty="0">
+                        <a:solidFill>
+                          <a:schemeClr val="tx1"/>
+                        </a:solidFill>
+                        <a:latin typeface="+mn-lt"/>
+                      </a:endParaRPr>
+                    </a:p>
+                  </a:txBody>
+                  <a:tcPr>
+                    <a:lnL w="12700" cap="flat" cmpd="sng" algn="ctr">
+                      <a:solidFill>
+                        <a:schemeClr val="tx1"/>
+                      </a:solidFill>
+                      <a:prstDash val="solid"/>
+                      <a:round/>
+                      <a:headEnd type="none" w="med" len="med"/>
+                      <a:tailEnd type="none" w="med" len="med"/>
+                    </a:lnL>
+                    <a:lnR w="12700" cap="flat" cmpd="sng" algn="ctr">
+                      <a:solidFill>
+                        <a:schemeClr val="tx1"/>
+                      </a:solidFill>
+                      <a:prstDash val="solid"/>
+                      <a:round/>
+                      <a:headEnd type="none" w="med" len="med"/>
+                      <a:tailEnd type="none" w="med" len="med"/>
+                    </a:lnR>
+                    <a:lnT w="12700" cap="flat" cmpd="sng" algn="ctr">
+                      <a:solidFill>
+                        <a:schemeClr val="tx1"/>
+                      </a:solidFill>
+                      <a:prstDash val="solid"/>
+                      <a:round/>
+                      <a:headEnd type="none" w="med" len="med"/>
+                      <a:tailEnd type="none" w="med" len="med"/>
+                    </a:lnT>
+                    <a:lnB w="12700" cap="flat" cmpd="sng" algn="ctr">
+                      <a:solidFill>
+                        <a:schemeClr val="tx1"/>
+                      </a:solidFill>
+                      <a:prstDash val="solid"/>
+                      <a:round/>
+                      <a:headEnd type="none" w="med" len="med"/>
+                      <a:tailEnd type="none" w="med" len="med"/>
+                    </a:lnB>
+                    <a:noFill/>
+                  </a:tcPr>
+                </a:tc>
+                <a:tc>
+                  <a:txBody>
+                    <a:bodyPr/>
+                    <a:lstStyle/>
+                    <a:p>
+                      <a:pPr algn="l" latinLnBrk="1">
+                        <a:buFont typeface="Arial" pitchFamily="34" charset="0"/>
+                        <a:buChar char="•"/>
+                      </a:pPr>
+                      <a:endParaRPr lang="ko-KR" altLang="en-US" sz="1100" b="0" dirty="0">
+                        <a:solidFill>
+                          <a:schemeClr val="tx1"/>
+                        </a:solidFill>
+                        <a:latin typeface="+mn-lt"/>
+                      </a:endParaRPr>
+                    </a:p>
+                  </a:txBody>
+                  <a:tcPr>
+                    <a:lnL w="12700" cap="flat" cmpd="sng" algn="ctr">
+                      <a:solidFill>
+                        <a:schemeClr val="tx1"/>
+                      </a:solidFill>
+                      <a:prstDash val="solid"/>
+                      <a:round/>
+                      <a:headEnd type="none" w="med" len="med"/>
+                      <a:tailEnd type="none" w="med" len="med"/>
+                    </a:lnL>
+                    <a:lnR w="12700" cap="flat" cmpd="sng" algn="ctr">
+                      <a:solidFill>
+                        <a:schemeClr val="tx1"/>
+                      </a:solidFill>
+                      <a:prstDash val="solid"/>
+                      <a:round/>
+                      <a:headEnd type="none" w="med" len="med"/>
+                      <a:tailEnd type="none" w="med" len="med"/>
+                    </a:lnR>
+                    <a:lnT w="12700" cap="flat" cmpd="sng" algn="ctr">
+                      <a:solidFill>
+                        <a:schemeClr val="tx1"/>
+                      </a:solidFill>
+                      <a:prstDash val="solid"/>
+                      <a:round/>
+                      <a:headEnd type="none" w="med" len="med"/>
+                      <a:tailEnd type="none" w="med" len="med"/>
+                    </a:lnT>
+                    <a:lnB w="12700" cap="flat" cmpd="sng" algn="ctr">
+                      <a:solidFill>
+                        <a:schemeClr val="tx1"/>
+                      </a:solidFill>
+                      <a:prstDash val="solid"/>
+                      <a:round/>
+                      <a:headEnd type="none" w="med" len="med"/>
+                      <a:tailEnd type="none" w="med" len="med"/>
+                    </a:lnB>
+                    <a:noFill/>
+                  </a:tcPr>
+                </a:tc>
+                <a:tc>
+                  <a:txBody>
+                    <a:bodyPr/>
+                    <a:lstStyle/>
+                    <a:p>
+                      <a:pPr algn="l" latinLnBrk="1">
+                        <a:buFont typeface="Arial" pitchFamily="34" charset="0"/>
+                        <a:buChar char="•"/>
+                      </a:pPr>
+                      <a:endParaRPr lang="ko-KR" altLang="en-US" sz="1100" b="0" dirty="0">
+                        <a:solidFill>
+                          <a:schemeClr val="tx1"/>
+                        </a:solidFill>
+                        <a:latin typeface="+mn-lt"/>
+                      </a:endParaRPr>
+                    </a:p>
+                  </a:txBody>
+                  <a:tcPr>
+                    <a:lnL w="12700" cap="flat" cmpd="sng" algn="ctr">
+                      <a:solidFill>
+                        <a:schemeClr val="tx1"/>
+                      </a:solidFill>
+                      <a:prstDash val="solid"/>
+                      <a:round/>
+                      <a:headEnd type="none" w="med" len="med"/>
+                      <a:tailEnd type="none" w="med" len="med"/>
+                    </a:lnL>
+                    <a:lnR w="12700" cap="flat" cmpd="sng" algn="ctr">
+                      <a:solidFill>
+                        <a:schemeClr val="tx1"/>
+                      </a:solidFill>
+                      <a:prstDash val="solid"/>
+                      <a:round/>
+                      <a:headEnd type="none" w="med" len="med"/>
+                      <a:tailEnd type="none" w="med" len="med"/>
+                    </a:lnR>
+                    <a:lnT w="12700" cap="flat" cmpd="sng" algn="ctr">
+                      <a:solidFill>
+                        <a:schemeClr val="tx1"/>
+                      </a:solidFill>
+                      <a:prstDash val="solid"/>
+                      <a:round/>
+                      <a:headEnd type="none" w="med" len="med"/>
+                      <a:tailEnd type="none" w="med" len="med"/>
+                    </a:lnT>
+                    <a:lnB w="12700" cap="flat" cmpd="sng" algn="ctr">
+                      <a:solidFill>
+                        <a:schemeClr val="tx1"/>
+                      </a:solidFill>
+                      <a:prstDash val="solid"/>
+                      <a:round/>
+                      <a:headEnd type="none" w="med" len="med"/>
+                      <a:tailEnd type="none" w="med" len="med"/>
+                    </a:lnB>
+                    <a:noFill/>
+                  </a:tcPr>
+                </a:tc>
+                <a:tc>
+                  <a:txBody>
+                    <a:bodyPr/>
+                    <a:lstStyle/>
+                    <a:p>
+                      <a:pPr algn="l" latinLnBrk="1">
+                        <a:buFont typeface="Arial" pitchFamily="34" charset="0"/>
+                        <a:buChar char="•"/>
+                      </a:pPr>
+                      <a:endParaRPr lang="ko-KR" altLang="en-US" sz="1100" b="0" dirty="0">
+                        <a:solidFill>
+                          <a:schemeClr val="tx1"/>
+                        </a:solidFill>
+                        <a:latin typeface="+mn-lt"/>
+                      </a:endParaRPr>
+                    </a:p>
+                  </a:txBody>
+                  <a:tcPr>
+                    <a:lnL w="12700" cap="flat" cmpd="sng" algn="ctr">
+                      <a:solidFill>
+                        <a:schemeClr val="tx1"/>
+                      </a:solidFill>
+                      <a:prstDash val="solid"/>
+                      <a:round/>
+                      <a:headEnd type="none" w="med" len="med"/>
+                      <a:tailEnd type="none" w="med" len="med"/>
+                    </a:lnL>
+                    <a:lnR w="12700" cap="flat" cmpd="sng" algn="ctr">
+                      <a:solidFill>
+                        <a:schemeClr val="tx1"/>
+                      </a:solidFill>
+                      <a:prstDash val="solid"/>
+                      <a:round/>
+                      <a:headEnd type="none" w="med" len="med"/>
+                      <a:tailEnd type="none" w="med" len="med"/>
+                    </a:lnR>
+                    <a:lnT w="12700" cap="flat" cmpd="sng" algn="ctr">
+                      <a:solidFill>
+                        <a:schemeClr val="tx1"/>
+                      </a:solidFill>
+                      <a:prstDash val="solid"/>
+                      <a:round/>
+                      <a:headEnd type="none" w="med" len="med"/>
+                      <a:tailEnd type="none" w="med" len="med"/>
+                    </a:lnT>
+                    <a:lnB w="12700" cap="flat" cmpd="sng" algn="ctr">
+                      <a:solidFill>
+                        <a:schemeClr val="tx1"/>
+                      </a:solidFill>
+                      <a:prstDash val="solid"/>
+                      <a:round/>
+                      <a:headEnd type="none" w="med" len="med"/>
+                      <a:tailEnd type="none" w="med" len="med"/>
+                    </a:lnB>
+                    <a:noFill/>
+                  </a:tcPr>
+                </a:tc>
+                <a:tc>
+                  <a:txBody>
+                    <a:bodyPr/>
+                    <a:lstStyle/>
+                    <a:p>
+                      <a:pPr algn="l" latinLnBrk="1">
+                        <a:buFont typeface="Arial" pitchFamily="34" charset="0"/>
+                        <a:buChar char="•"/>
+                      </a:pPr>
+                      <a:endParaRPr lang="ko-KR" altLang="en-US" sz="1100" b="0" dirty="0">
+                        <a:solidFill>
+                          <a:schemeClr val="tx1"/>
+                        </a:solidFill>
+                        <a:latin typeface="+mn-lt"/>
+                      </a:endParaRPr>
+                    </a:p>
+                  </a:txBody>
+                  <a:tcPr>
+                    <a:lnL w="12700" cap="flat" cmpd="sng" algn="ctr">
+                      <a:solidFill>
+                        <a:schemeClr val="tx1"/>
+                      </a:solidFill>
+                      <a:prstDash val="solid"/>
+                      <a:round/>
+                      <a:headEnd type="none" w="med" len="med"/>
+                      <a:tailEnd type="none" w="med" len="med"/>
+                    </a:lnL>
+                    <a:lnR w="12700" cap="flat" cmpd="sng" algn="ctr">
+                      <a:solidFill>
+                        <a:schemeClr val="tx1"/>
+                      </a:solidFill>
+                      <a:prstDash val="solid"/>
+                      <a:round/>
+                      <a:headEnd type="none" w="med" len="med"/>
+                      <a:tailEnd type="none" w="med" len="med"/>
+                    </a:lnR>
+                    <a:lnT w="12700" cap="flat" cmpd="sng" algn="ctr">
+                      <a:solidFill>
+                        <a:schemeClr val="tx1"/>
+                      </a:solidFill>
+                      <a:prstDash val="solid"/>
+                      <a:round/>
+                      <a:headEnd type="none" w="med" len="med"/>
+                      <a:tailEnd type="none" w="med" len="med"/>
+                    </a:lnT>
+                    <a:lnB w="12700" cap="flat" cmpd="sng" algn="ctr">
+                      <a:solidFill>
+                        <a:schemeClr val="tx1"/>
+                      </a:solidFill>
+                      <a:prstDash val="solid"/>
+                      <a:round/>
+                      <a:headEnd type="none" w="med" len="med"/>
+                      <a:tailEnd type="none" w="med" len="med"/>
+                    </a:lnB>
+                    <a:noFill/>
+                  </a:tcPr>
+                </a:tc>
+              </a:tr>
+            </a:tbl>
+          </a:graphicData>
+        </a:graphic>
+      </p:graphicFrame>
+      <p:sp>
+        <p:nvSpPr>
+          <p:cNvPr id="5" name="직사각형 4"/>
+          <p:cNvSpPr/>
+          <p:nvPr/>
+        </p:nvSpPr>
+        <p:spPr>
+          <a:xfrm>
+            <a:off x="3131840" y="764704"/>
+            <a:ext cx="3408305" cy="369332"/>
+          </a:xfrm>
+          <a:prstGeom prst="rect">
+            <a:avLst/>
+          </a:prstGeom>
+        </p:spPr>
+        <p:txBody>
+          <a:bodyPr wrap="none">
+            <a:spAutoFit/>
+          </a:bodyPr>
+          <a:lstStyle/>
+          <a:p>
+            <a:r>
+              <a:rPr lang="en-US" altLang="ko-KR" dirty="0" smtClean="0"/>
+              <a:t>Map, UI ( </a:t>
+            </a:r>
+            <a:r>
+              <a:rPr lang="ko-KR" altLang="en-US" dirty="0" smtClean="0"/>
+              <a:t>윤성렬 </a:t>
+            </a:r>
+            <a:r>
+              <a:rPr lang="en-US" altLang="ko-KR" dirty="0" smtClean="0"/>
+              <a:t>)  11</a:t>
+            </a:r>
+            <a:r>
+              <a:rPr lang="ko-KR" altLang="en-US" dirty="0" smtClean="0"/>
+              <a:t>월 </a:t>
+            </a:r>
+            <a:r>
+              <a:rPr lang="en-US" altLang="ko-KR" dirty="0" smtClean="0"/>
+              <a:t>1</a:t>
+            </a:r>
+            <a:r>
+              <a:rPr lang="ko-KR" altLang="en-US" dirty="0" smtClean="0"/>
+              <a:t>주차</a:t>
+            </a:r>
+            <a:endParaRPr lang="ko-KR" altLang="en-US" dirty="0"/>
+          </a:p>
+        </p:txBody>
+      </p:sp>
+    </p:spTree>
+  </p:cSld>
+  <p:clrMapOvr>
+    <a:masterClrMapping/>
+  </p:clrMapOvr>
+</p:sld>
+</file>
+
+<file path=ppt/slides/slide3.xml><?xml version="1.0" encoding="utf-8"?>
+<p:sld xmlns:a="http://schemas.openxmlformats.org/drawingml/2006/main" xmlns:r="http://schemas.openxmlformats.org/officeDocument/2006/relationships" xmlns:p="http://schemas.openxmlformats.org/presentationml/2006/main">
+  <p:cSld>
+    <p:spTree>
+      <p:nvGrpSpPr>
+        <p:cNvPr id="1" name=""/>
+        <p:cNvGrpSpPr/>
+        <p:nvPr/>
+      </p:nvGrpSpPr>
+      <p:grpSpPr>
+        <a:xfrm>
+          <a:off x="0" y="0"/>
+          <a:ext cx="0" cy="0"/>
+          <a:chOff x="0" y="0"/>
+          <a:chExt cx="0" cy="0"/>
+        </a:xfrm>
+      </p:grpSpPr>
+      <p:graphicFrame>
+        <p:nvGraphicFramePr>
+          <p:cNvPr id="4" name="내용 개체 틀 3"/>
+          <p:cNvGraphicFramePr>
+            <a:graphicFrameLocks noGrp="1"/>
+          </p:cNvGraphicFramePr>
+          <p:nvPr>
+            <p:ph idx="1"/>
+          </p:nvPr>
+        </p:nvGraphicFramePr>
+        <p:xfrm>
+          <a:off x="467544" y="1268760"/>
           <a:ext cx="8229600" cy="3022600"/>
         </p:xfrm>
         <a:graphic>
@@ -5308,7 +7617,7 @@
 </p:sld>
 </file>
 
-<file path=ppt/slides/slide3.xml><?xml version="1.0" encoding="utf-8"?>
+<file path=ppt/slides/slide4.xml><?xml version="1.0" encoding="utf-8"?>
 <p:sld xmlns:a="http://schemas.openxmlformats.org/drawingml/2006/main" xmlns:r="http://schemas.openxmlformats.org/officeDocument/2006/relationships" xmlns:p="http://schemas.openxmlformats.org/presentationml/2006/main">
   <p:cSld>
     <p:spTree>
@@ -5337,7 +7646,7 @@
         </p:nvGraphicFramePr>
         <p:xfrm>
           <a:off x="467544" y="1268760"/>
-          <a:ext cx="8229600" cy="1930400"/>
+          <a:ext cx="8229600" cy="2672080"/>
         </p:xfrm>
         <a:graphic>
           <a:graphicData uri="http://schemas.openxmlformats.org/drawingml/2006/table">
@@ -5822,7 +8131,7 @@
                     <a:p>
                       <a:pPr algn="ctr" latinLnBrk="1"/>
                       <a:r>
-                        <a:rPr lang="ko-KR" altLang="en-US" b="0" dirty="0" smtClean="0">
+                        <a:rPr lang="ko-KR" altLang="en-US" sz="1600" b="1" dirty="0" smtClean="0">
                           <a:solidFill>
                             <a:schemeClr val="tx1"/>
                           </a:solidFill>
@@ -5830,7 +8139,7 @@
                         </a:rPr>
                         <a:t>오늘 한  일</a:t>
                       </a:r>
-                      <a:endParaRPr lang="ko-KR" altLang="en-US" b="0" dirty="0">
+                      <a:endParaRPr lang="ko-KR" altLang="en-US" sz="1600" b="1" dirty="0">
                         <a:solidFill>
                           <a:schemeClr val="tx1"/>
                         </a:solidFill>
@@ -6305,7 +8614,7 @@
                     <a:p>
                       <a:pPr algn="ctr" latinLnBrk="1"/>
                       <a:r>
-                        <a:rPr lang="ko-KR" altLang="en-US" b="0" dirty="0" smtClean="0">
+                        <a:rPr lang="ko-KR" altLang="en-US" sz="1600" b="1" dirty="0" smtClean="0">
                           <a:solidFill>
                             <a:schemeClr val="tx1"/>
                           </a:solidFill>
@@ -6313,7 +8622,7 @@
                         </a:rPr>
                         <a:t>내일 할  일</a:t>
                       </a:r>
-                      <a:endParaRPr lang="ko-KR" altLang="en-US" b="0" dirty="0">
+                      <a:endParaRPr lang="ko-KR" altLang="en-US" sz="1600" b="1" dirty="0">
                         <a:solidFill>
                           <a:schemeClr val="tx1"/>
                         </a:solidFill>
@@ -6709,7 +9018,7 @@
                     <a:p>
                       <a:pPr algn="ctr" latinLnBrk="1"/>
                       <a:r>
-                        <a:rPr lang="ko-KR" altLang="en-US" b="0" dirty="0" smtClean="0">
+                        <a:rPr lang="ko-KR" altLang="en-US" sz="1600" b="1" dirty="0" smtClean="0">
                           <a:solidFill>
                             <a:schemeClr val="tx1"/>
                           </a:solidFill>
@@ -6718,7 +9027,7 @@
                         <a:t>문   제</a:t>
                       </a:r>
                       <a:r>
-                        <a:rPr lang="ko-KR" altLang="en-US" b="0" baseline="0" dirty="0" smtClean="0">
+                        <a:rPr lang="ko-KR" altLang="en-US" sz="1600" b="1" baseline="0" dirty="0" smtClean="0">
                           <a:solidFill>
                             <a:schemeClr val="tx1"/>
                           </a:solidFill>
@@ -6727,7 +9036,7 @@
                         <a:t> </a:t>
                       </a:r>
                       <a:r>
-                        <a:rPr lang="ko-KR" altLang="en-US" b="0" dirty="0" smtClean="0">
+                        <a:rPr lang="ko-KR" altLang="en-US" sz="1600" b="1" dirty="0" smtClean="0">
                           <a:solidFill>
                             <a:schemeClr val="tx1"/>
                           </a:solidFill>
@@ -6735,7 +9044,7 @@
                         </a:rPr>
                         <a:t>  점</a:t>
                       </a:r>
-                      <a:endParaRPr lang="ko-KR" altLang="en-US" b="0" dirty="0">
+                      <a:endParaRPr lang="ko-KR" altLang="en-US" sz="1600" b="1" dirty="0">
                         <a:solidFill>
                           <a:schemeClr val="tx1"/>
                         </a:solidFill>
@@ -6999,6 +9308,697 @@
                         </a:rPr>
                         <a:t> 시간표가 시간을 잡아 먹음</a:t>
                       </a:r>
+                      <a:endParaRPr lang="ko-KR" altLang="en-US" sz="1100" b="0" dirty="0">
+                        <a:solidFill>
+                          <a:schemeClr val="tx1"/>
+                        </a:solidFill>
+                        <a:latin typeface="+mn-lt"/>
+                      </a:endParaRPr>
+                    </a:p>
+                  </a:txBody>
+                  <a:tcPr>
+                    <a:lnL w="12700" cap="flat" cmpd="sng" algn="ctr">
+                      <a:solidFill>
+                        <a:schemeClr val="tx1"/>
+                      </a:solidFill>
+                      <a:prstDash val="solid"/>
+                      <a:round/>
+                      <a:headEnd type="none" w="med" len="med"/>
+                      <a:tailEnd type="none" w="med" len="med"/>
+                    </a:lnL>
+                    <a:lnR w="12700" cap="flat" cmpd="sng" algn="ctr">
+                      <a:solidFill>
+                        <a:schemeClr val="tx1"/>
+                      </a:solidFill>
+                      <a:prstDash val="solid"/>
+                      <a:round/>
+                      <a:headEnd type="none" w="med" len="med"/>
+                      <a:tailEnd type="none" w="med" len="med"/>
+                    </a:lnR>
+                    <a:lnT w="12700" cap="flat" cmpd="sng" algn="ctr">
+                      <a:solidFill>
+                        <a:schemeClr val="tx1"/>
+                      </a:solidFill>
+                      <a:prstDash val="solid"/>
+                      <a:round/>
+                      <a:headEnd type="none" w="med" len="med"/>
+                      <a:tailEnd type="none" w="med" len="med"/>
+                    </a:lnT>
+                    <a:lnB w="12700" cap="flat" cmpd="sng" algn="ctr">
+                      <a:solidFill>
+                        <a:schemeClr val="tx1"/>
+                      </a:solidFill>
+                      <a:prstDash val="solid"/>
+                      <a:round/>
+                      <a:headEnd type="none" w="med" len="med"/>
+                      <a:tailEnd type="none" w="med" len="med"/>
+                    </a:lnB>
+                    <a:noFill/>
+                  </a:tcPr>
+                </a:tc>
+                <a:tc>
+                  <a:txBody>
+                    <a:bodyPr/>
+                    <a:lstStyle/>
+                    <a:p>
+                      <a:pPr algn="l" latinLnBrk="1">
+                        <a:buFont typeface="Arial" pitchFamily="34" charset="0"/>
+                        <a:buChar char="•"/>
+                      </a:pPr>
+                      <a:endParaRPr lang="ko-KR" altLang="en-US" sz="1100" b="0" dirty="0">
+                        <a:solidFill>
+                          <a:schemeClr val="tx1"/>
+                        </a:solidFill>
+                        <a:latin typeface="+mn-lt"/>
+                      </a:endParaRPr>
+                    </a:p>
+                  </a:txBody>
+                  <a:tcPr>
+                    <a:lnL w="12700" cap="flat" cmpd="sng" algn="ctr">
+                      <a:solidFill>
+                        <a:schemeClr val="tx1"/>
+                      </a:solidFill>
+                      <a:prstDash val="solid"/>
+                      <a:round/>
+                      <a:headEnd type="none" w="med" len="med"/>
+                      <a:tailEnd type="none" w="med" len="med"/>
+                    </a:lnL>
+                    <a:lnR w="12700" cap="flat" cmpd="sng" algn="ctr">
+                      <a:solidFill>
+                        <a:schemeClr val="tx1"/>
+                      </a:solidFill>
+                      <a:prstDash val="solid"/>
+                      <a:round/>
+                      <a:headEnd type="none" w="med" len="med"/>
+                      <a:tailEnd type="none" w="med" len="med"/>
+                    </a:lnR>
+                    <a:lnT w="12700" cap="flat" cmpd="sng" algn="ctr">
+                      <a:solidFill>
+                        <a:schemeClr val="tx1"/>
+                      </a:solidFill>
+                      <a:prstDash val="solid"/>
+                      <a:round/>
+                      <a:headEnd type="none" w="med" len="med"/>
+                      <a:tailEnd type="none" w="med" len="med"/>
+                    </a:lnT>
+                    <a:lnB w="12700" cap="flat" cmpd="sng" algn="ctr">
+                      <a:solidFill>
+                        <a:schemeClr val="tx1"/>
+                      </a:solidFill>
+                      <a:prstDash val="solid"/>
+                      <a:round/>
+                      <a:headEnd type="none" w="med" len="med"/>
+                      <a:tailEnd type="none" w="med" len="med"/>
+                    </a:lnB>
+                    <a:noFill/>
+                  </a:tcPr>
+                </a:tc>
+              </a:tr>
+              <a:tr h="370840">
+                <a:tc>
+                  <a:txBody>
+                    <a:bodyPr/>
+                    <a:lstStyle/>
+                    <a:p>
+                      <a:pPr algn="ctr" latinLnBrk="1"/>
+                      <a:r>
+                        <a:rPr lang="ko-KR" altLang="en-US" sz="1400" b="1" dirty="0" smtClean="0">
+                          <a:solidFill>
+                            <a:schemeClr val="tx1"/>
+                          </a:solidFill>
+                          <a:latin typeface="+mn-lt"/>
+                        </a:rPr>
+                        <a:t>다음 주 할 일</a:t>
+                      </a:r>
+                      <a:endParaRPr lang="ko-KR" altLang="en-US" sz="1400" b="1" dirty="0">
+                        <a:solidFill>
+                          <a:schemeClr val="tx1"/>
+                        </a:solidFill>
+                        <a:latin typeface="+mn-lt"/>
+                      </a:endParaRPr>
+                    </a:p>
+                  </a:txBody>
+                  <a:tcPr>
+                    <a:lnL w="12700" cap="flat" cmpd="sng" algn="ctr">
+                      <a:solidFill>
+                        <a:schemeClr val="tx1"/>
+                      </a:solidFill>
+                      <a:prstDash val="solid"/>
+                      <a:round/>
+                      <a:headEnd type="none" w="med" len="med"/>
+                      <a:tailEnd type="none" w="med" len="med"/>
+                    </a:lnL>
+                    <a:lnR w="12700" cap="flat" cmpd="sng" algn="ctr">
+                      <a:solidFill>
+                        <a:schemeClr val="tx1"/>
+                      </a:solidFill>
+                      <a:prstDash val="solid"/>
+                      <a:round/>
+                      <a:headEnd type="none" w="med" len="med"/>
+                      <a:tailEnd type="none" w="med" len="med"/>
+                    </a:lnR>
+                    <a:lnT w="12700" cap="flat" cmpd="sng" algn="ctr">
+                      <a:solidFill>
+                        <a:schemeClr val="tx1"/>
+                      </a:solidFill>
+                      <a:prstDash val="solid"/>
+                      <a:round/>
+                      <a:headEnd type="none" w="med" len="med"/>
+                      <a:tailEnd type="none" w="med" len="med"/>
+                    </a:lnT>
+                    <a:lnB w="12700" cap="flat" cmpd="sng" algn="ctr">
+                      <a:solidFill>
+                        <a:schemeClr val="tx1"/>
+                      </a:solidFill>
+                      <a:prstDash val="solid"/>
+                      <a:round/>
+                      <a:headEnd type="none" w="med" len="med"/>
+                      <a:tailEnd type="none" w="med" len="med"/>
+                    </a:lnB>
+                    <a:noFill/>
+                  </a:tcPr>
+                </a:tc>
+                <a:tc>
+                  <a:txBody>
+                    <a:bodyPr/>
+                    <a:lstStyle/>
+                    <a:p>
+                      <a:pPr algn="l" latinLnBrk="1">
+                        <a:buFont typeface="Arial" pitchFamily="34" charset="0"/>
+                        <a:buChar char="•"/>
+                      </a:pPr>
+                      <a:endParaRPr lang="ko-KR" altLang="en-US" sz="1100" b="0" dirty="0">
+                        <a:solidFill>
+                          <a:schemeClr val="tx1"/>
+                        </a:solidFill>
+                        <a:latin typeface="+mn-lt"/>
+                      </a:endParaRPr>
+                    </a:p>
+                  </a:txBody>
+                  <a:tcPr>
+                    <a:lnL w="12700" cap="flat" cmpd="sng" algn="ctr">
+                      <a:solidFill>
+                        <a:schemeClr val="tx1"/>
+                      </a:solidFill>
+                      <a:prstDash val="solid"/>
+                      <a:round/>
+                      <a:headEnd type="none" w="med" len="med"/>
+                      <a:tailEnd type="none" w="med" len="med"/>
+                    </a:lnL>
+                    <a:lnR w="12700" cap="flat" cmpd="sng" algn="ctr">
+                      <a:solidFill>
+                        <a:schemeClr val="tx1"/>
+                      </a:solidFill>
+                      <a:prstDash val="solid"/>
+                      <a:round/>
+                      <a:headEnd type="none" w="med" len="med"/>
+                      <a:tailEnd type="none" w="med" len="med"/>
+                    </a:lnR>
+                    <a:lnT w="12700" cap="flat" cmpd="sng" algn="ctr">
+                      <a:solidFill>
+                        <a:schemeClr val="tx1"/>
+                      </a:solidFill>
+                      <a:prstDash val="solid"/>
+                      <a:round/>
+                      <a:headEnd type="none" w="med" len="med"/>
+                      <a:tailEnd type="none" w="med" len="med"/>
+                    </a:lnT>
+                    <a:lnB w="12700" cap="flat" cmpd="sng" algn="ctr">
+                      <a:solidFill>
+                        <a:schemeClr val="tx1"/>
+                      </a:solidFill>
+                      <a:prstDash val="solid"/>
+                      <a:round/>
+                      <a:headEnd type="none" w="med" len="med"/>
+                      <a:tailEnd type="none" w="med" len="med"/>
+                    </a:lnB>
+                    <a:noFill/>
+                  </a:tcPr>
+                </a:tc>
+                <a:tc>
+                  <a:txBody>
+                    <a:bodyPr/>
+                    <a:lstStyle/>
+                    <a:p>
+                      <a:pPr algn="l" latinLnBrk="1">
+                        <a:buFont typeface="Arial" pitchFamily="34" charset="0"/>
+                        <a:buChar char="•"/>
+                      </a:pPr>
+                      <a:endParaRPr lang="ko-KR" altLang="en-US" sz="1100" b="0" dirty="0">
+                        <a:solidFill>
+                          <a:schemeClr val="tx1"/>
+                        </a:solidFill>
+                        <a:latin typeface="+mn-lt"/>
+                      </a:endParaRPr>
+                    </a:p>
+                  </a:txBody>
+                  <a:tcPr>
+                    <a:lnL w="12700" cap="flat" cmpd="sng" algn="ctr">
+                      <a:solidFill>
+                        <a:schemeClr val="tx1"/>
+                      </a:solidFill>
+                      <a:prstDash val="solid"/>
+                      <a:round/>
+                      <a:headEnd type="none" w="med" len="med"/>
+                      <a:tailEnd type="none" w="med" len="med"/>
+                    </a:lnL>
+                    <a:lnR w="12700" cap="flat" cmpd="sng" algn="ctr">
+                      <a:solidFill>
+                        <a:schemeClr val="tx1"/>
+                      </a:solidFill>
+                      <a:prstDash val="solid"/>
+                      <a:round/>
+                      <a:headEnd type="none" w="med" len="med"/>
+                      <a:tailEnd type="none" w="med" len="med"/>
+                    </a:lnR>
+                    <a:lnT w="12700" cap="flat" cmpd="sng" algn="ctr">
+                      <a:solidFill>
+                        <a:schemeClr val="tx1"/>
+                      </a:solidFill>
+                      <a:prstDash val="solid"/>
+                      <a:round/>
+                      <a:headEnd type="none" w="med" len="med"/>
+                      <a:tailEnd type="none" w="med" len="med"/>
+                    </a:lnT>
+                    <a:lnB w="12700" cap="flat" cmpd="sng" algn="ctr">
+                      <a:solidFill>
+                        <a:schemeClr val="tx1"/>
+                      </a:solidFill>
+                      <a:prstDash val="solid"/>
+                      <a:round/>
+                      <a:headEnd type="none" w="med" len="med"/>
+                      <a:tailEnd type="none" w="med" len="med"/>
+                    </a:lnB>
+                    <a:noFill/>
+                  </a:tcPr>
+                </a:tc>
+                <a:tc>
+                  <a:txBody>
+                    <a:bodyPr/>
+                    <a:lstStyle/>
+                    <a:p>
+                      <a:pPr algn="l" latinLnBrk="1">
+                        <a:buFont typeface="Arial" pitchFamily="34" charset="0"/>
+                        <a:buChar char="•"/>
+                      </a:pPr>
+                      <a:endParaRPr lang="ko-KR" altLang="en-US" sz="1100" b="0" dirty="0">
+                        <a:solidFill>
+                          <a:schemeClr val="tx1"/>
+                        </a:solidFill>
+                        <a:latin typeface="+mn-lt"/>
+                      </a:endParaRPr>
+                    </a:p>
+                  </a:txBody>
+                  <a:tcPr>
+                    <a:lnL w="12700" cap="flat" cmpd="sng" algn="ctr">
+                      <a:solidFill>
+                        <a:schemeClr val="tx1"/>
+                      </a:solidFill>
+                      <a:prstDash val="solid"/>
+                      <a:round/>
+                      <a:headEnd type="none" w="med" len="med"/>
+                      <a:tailEnd type="none" w="med" len="med"/>
+                    </a:lnL>
+                    <a:lnR w="12700" cap="flat" cmpd="sng" algn="ctr">
+                      <a:solidFill>
+                        <a:schemeClr val="tx1"/>
+                      </a:solidFill>
+                      <a:prstDash val="solid"/>
+                      <a:round/>
+                      <a:headEnd type="none" w="med" len="med"/>
+                      <a:tailEnd type="none" w="med" len="med"/>
+                    </a:lnR>
+                    <a:lnT w="12700" cap="flat" cmpd="sng" algn="ctr">
+                      <a:solidFill>
+                        <a:schemeClr val="tx1"/>
+                      </a:solidFill>
+                      <a:prstDash val="solid"/>
+                      <a:round/>
+                      <a:headEnd type="none" w="med" len="med"/>
+                      <a:tailEnd type="none" w="med" len="med"/>
+                    </a:lnT>
+                    <a:lnB w="12700" cap="flat" cmpd="sng" algn="ctr">
+                      <a:solidFill>
+                        <a:schemeClr val="tx1"/>
+                      </a:solidFill>
+                      <a:prstDash val="solid"/>
+                      <a:round/>
+                      <a:headEnd type="none" w="med" len="med"/>
+                      <a:tailEnd type="none" w="med" len="med"/>
+                    </a:lnB>
+                    <a:noFill/>
+                  </a:tcPr>
+                </a:tc>
+                <a:tc>
+                  <a:txBody>
+                    <a:bodyPr/>
+                    <a:lstStyle/>
+                    <a:p>
+                      <a:pPr algn="l" latinLnBrk="1">
+                        <a:buFont typeface="Arial" pitchFamily="34" charset="0"/>
+                        <a:buChar char="•"/>
+                      </a:pPr>
+                      <a:endParaRPr lang="ko-KR" altLang="en-US" sz="1100" b="0" dirty="0">
+                        <a:solidFill>
+                          <a:schemeClr val="tx1"/>
+                        </a:solidFill>
+                        <a:latin typeface="+mn-lt"/>
+                      </a:endParaRPr>
+                    </a:p>
+                  </a:txBody>
+                  <a:tcPr>
+                    <a:lnL w="12700" cap="flat" cmpd="sng" algn="ctr">
+                      <a:solidFill>
+                        <a:schemeClr val="tx1"/>
+                      </a:solidFill>
+                      <a:prstDash val="solid"/>
+                      <a:round/>
+                      <a:headEnd type="none" w="med" len="med"/>
+                      <a:tailEnd type="none" w="med" len="med"/>
+                    </a:lnL>
+                    <a:lnR w="12700" cap="flat" cmpd="sng" algn="ctr">
+                      <a:solidFill>
+                        <a:schemeClr val="tx1"/>
+                      </a:solidFill>
+                      <a:prstDash val="solid"/>
+                      <a:round/>
+                      <a:headEnd type="none" w="med" len="med"/>
+                      <a:tailEnd type="none" w="med" len="med"/>
+                    </a:lnR>
+                    <a:lnT w="12700" cap="flat" cmpd="sng" algn="ctr">
+                      <a:solidFill>
+                        <a:schemeClr val="tx1"/>
+                      </a:solidFill>
+                      <a:prstDash val="solid"/>
+                      <a:round/>
+                      <a:headEnd type="none" w="med" len="med"/>
+                      <a:tailEnd type="none" w="med" len="med"/>
+                    </a:lnT>
+                    <a:lnB w="12700" cap="flat" cmpd="sng" algn="ctr">
+                      <a:solidFill>
+                        <a:schemeClr val="tx1"/>
+                      </a:solidFill>
+                      <a:prstDash val="solid"/>
+                      <a:round/>
+                      <a:headEnd type="none" w="med" len="med"/>
+                      <a:tailEnd type="none" w="med" len="med"/>
+                    </a:lnB>
+                    <a:noFill/>
+                  </a:tcPr>
+                </a:tc>
+                <a:tc>
+                  <a:txBody>
+                    <a:bodyPr/>
+                    <a:lstStyle/>
+                    <a:p>
+                      <a:pPr algn="l" latinLnBrk="1">
+                        <a:buFont typeface="Arial" pitchFamily="34" charset="0"/>
+                        <a:buChar char="•"/>
+                      </a:pPr>
+                      <a:endParaRPr lang="ko-KR" altLang="en-US" sz="1100" b="0" dirty="0">
+                        <a:solidFill>
+                          <a:schemeClr val="tx1"/>
+                        </a:solidFill>
+                        <a:latin typeface="+mn-lt"/>
+                      </a:endParaRPr>
+                    </a:p>
+                  </a:txBody>
+                  <a:tcPr>
+                    <a:lnL w="12700" cap="flat" cmpd="sng" algn="ctr">
+                      <a:solidFill>
+                        <a:schemeClr val="tx1"/>
+                      </a:solidFill>
+                      <a:prstDash val="solid"/>
+                      <a:round/>
+                      <a:headEnd type="none" w="med" len="med"/>
+                      <a:tailEnd type="none" w="med" len="med"/>
+                    </a:lnL>
+                    <a:lnR w="12700" cap="flat" cmpd="sng" algn="ctr">
+                      <a:solidFill>
+                        <a:schemeClr val="tx1"/>
+                      </a:solidFill>
+                      <a:prstDash val="solid"/>
+                      <a:round/>
+                      <a:headEnd type="none" w="med" len="med"/>
+                      <a:tailEnd type="none" w="med" len="med"/>
+                    </a:lnR>
+                    <a:lnT w="12700" cap="flat" cmpd="sng" algn="ctr">
+                      <a:solidFill>
+                        <a:schemeClr val="tx1"/>
+                      </a:solidFill>
+                      <a:prstDash val="solid"/>
+                      <a:round/>
+                      <a:headEnd type="none" w="med" len="med"/>
+                      <a:tailEnd type="none" w="med" len="med"/>
+                    </a:lnT>
+                    <a:lnB w="12700" cap="flat" cmpd="sng" algn="ctr">
+                      <a:solidFill>
+                        <a:schemeClr val="tx1"/>
+                      </a:solidFill>
+                      <a:prstDash val="solid"/>
+                      <a:round/>
+                      <a:headEnd type="none" w="med" len="med"/>
+                      <a:tailEnd type="none" w="med" len="med"/>
+                    </a:lnB>
+                    <a:noFill/>
+                  </a:tcPr>
+                </a:tc>
+              </a:tr>
+              <a:tr h="370840">
+                <a:tc>
+                  <a:txBody>
+                    <a:bodyPr/>
+                    <a:lstStyle/>
+                    <a:p>
+                      <a:pPr algn="ctr" latinLnBrk="1"/>
+                      <a:endParaRPr lang="ko-KR" altLang="en-US" b="0" dirty="0">
+                        <a:solidFill>
+                          <a:schemeClr val="tx1"/>
+                        </a:solidFill>
+                        <a:latin typeface="+mn-lt"/>
+                      </a:endParaRPr>
+                    </a:p>
+                  </a:txBody>
+                  <a:tcPr>
+                    <a:lnL w="12700" cap="flat" cmpd="sng" algn="ctr">
+                      <a:solidFill>
+                        <a:schemeClr val="tx1"/>
+                      </a:solidFill>
+                      <a:prstDash val="solid"/>
+                      <a:round/>
+                      <a:headEnd type="none" w="med" len="med"/>
+                      <a:tailEnd type="none" w="med" len="med"/>
+                    </a:lnL>
+                    <a:lnR w="12700" cap="flat" cmpd="sng" algn="ctr">
+                      <a:solidFill>
+                        <a:schemeClr val="tx1"/>
+                      </a:solidFill>
+                      <a:prstDash val="solid"/>
+                      <a:round/>
+                      <a:headEnd type="none" w="med" len="med"/>
+                      <a:tailEnd type="none" w="med" len="med"/>
+                    </a:lnR>
+                    <a:lnT w="12700" cap="flat" cmpd="sng" algn="ctr">
+                      <a:solidFill>
+                        <a:schemeClr val="tx1"/>
+                      </a:solidFill>
+                      <a:prstDash val="solid"/>
+                      <a:round/>
+                      <a:headEnd type="none" w="med" len="med"/>
+                      <a:tailEnd type="none" w="med" len="med"/>
+                    </a:lnT>
+                    <a:lnB w="12700" cap="flat" cmpd="sng" algn="ctr">
+                      <a:solidFill>
+                        <a:schemeClr val="tx1"/>
+                      </a:solidFill>
+                      <a:prstDash val="solid"/>
+                      <a:round/>
+                      <a:headEnd type="none" w="med" len="med"/>
+                      <a:tailEnd type="none" w="med" len="med"/>
+                    </a:lnB>
+                    <a:noFill/>
+                  </a:tcPr>
+                </a:tc>
+                <a:tc>
+                  <a:txBody>
+                    <a:bodyPr/>
+                    <a:lstStyle/>
+                    <a:p>
+                      <a:pPr algn="l" latinLnBrk="1">
+                        <a:buFont typeface="Arial" pitchFamily="34" charset="0"/>
+                        <a:buChar char="•"/>
+                      </a:pPr>
+                      <a:endParaRPr lang="ko-KR" altLang="en-US" sz="1100" b="0" dirty="0">
+                        <a:solidFill>
+                          <a:schemeClr val="tx1"/>
+                        </a:solidFill>
+                        <a:latin typeface="+mn-lt"/>
+                      </a:endParaRPr>
+                    </a:p>
+                  </a:txBody>
+                  <a:tcPr>
+                    <a:lnL w="12700" cap="flat" cmpd="sng" algn="ctr">
+                      <a:solidFill>
+                        <a:schemeClr val="tx1"/>
+                      </a:solidFill>
+                      <a:prstDash val="solid"/>
+                      <a:round/>
+                      <a:headEnd type="none" w="med" len="med"/>
+                      <a:tailEnd type="none" w="med" len="med"/>
+                    </a:lnL>
+                    <a:lnR w="12700" cap="flat" cmpd="sng" algn="ctr">
+                      <a:solidFill>
+                        <a:schemeClr val="tx1"/>
+                      </a:solidFill>
+                      <a:prstDash val="solid"/>
+                      <a:round/>
+                      <a:headEnd type="none" w="med" len="med"/>
+                      <a:tailEnd type="none" w="med" len="med"/>
+                    </a:lnR>
+                    <a:lnT w="12700" cap="flat" cmpd="sng" algn="ctr">
+                      <a:solidFill>
+                        <a:schemeClr val="tx1"/>
+                      </a:solidFill>
+                      <a:prstDash val="solid"/>
+                      <a:round/>
+                      <a:headEnd type="none" w="med" len="med"/>
+                      <a:tailEnd type="none" w="med" len="med"/>
+                    </a:lnT>
+                    <a:lnB w="12700" cap="flat" cmpd="sng" algn="ctr">
+                      <a:solidFill>
+                        <a:schemeClr val="tx1"/>
+                      </a:solidFill>
+                      <a:prstDash val="solid"/>
+                      <a:round/>
+                      <a:headEnd type="none" w="med" len="med"/>
+                      <a:tailEnd type="none" w="med" len="med"/>
+                    </a:lnB>
+                    <a:noFill/>
+                  </a:tcPr>
+                </a:tc>
+                <a:tc>
+                  <a:txBody>
+                    <a:bodyPr/>
+                    <a:lstStyle/>
+                    <a:p>
+                      <a:pPr algn="l" latinLnBrk="1">
+                        <a:buFont typeface="Arial" pitchFamily="34" charset="0"/>
+                        <a:buChar char="•"/>
+                      </a:pPr>
+                      <a:endParaRPr lang="ko-KR" altLang="en-US" sz="1100" b="0" dirty="0">
+                        <a:solidFill>
+                          <a:schemeClr val="tx1"/>
+                        </a:solidFill>
+                        <a:latin typeface="+mn-lt"/>
+                      </a:endParaRPr>
+                    </a:p>
+                  </a:txBody>
+                  <a:tcPr>
+                    <a:lnL w="12700" cap="flat" cmpd="sng" algn="ctr">
+                      <a:solidFill>
+                        <a:schemeClr val="tx1"/>
+                      </a:solidFill>
+                      <a:prstDash val="solid"/>
+                      <a:round/>
+                      <a:headEnd type="none" w="med" len="med"/>
+                      <a:tailEnd type="none" w="med" len="med"/>
+                    </a:lnL>
+                    <a:lnR w="12700" cap="flat" cmpd="sng" algn="ctr">
+                      <a:solidFill>
+                        <a:schemeClr val="tx1"/>
+                      </a:solidFill>
+                      <a:prstDash val="solid"/>
+                      <a:round/>
+                      <a:headEnd type="none" w="med" len="med"/>
+                      <a:tailEnd type="none" w="med" len="med"/>
+                    </a:lnR>
+                    <a:lnT w="12700" cap="flat" cmpd="sng" algn="ctr">
+                      <a:solidFill>
+                        <a:schemeClr val="tx1"/>
+                      </a:solidFill>
+                      <a:prstDash val="solid"/>
+                      <a:round/>
+                      <a:headEnd type="none" w="med" len="med"/>
+                      <a:tailEnd type="none" w="med" len="med"/>
+                    </a:lnT>
+                    <a:lnB w="12700" cap="flat" cmpd="sng" algn="ctr">
+                      <a:solidFill>
+                        <a:schemeClr val="tx1"/>
+                      </a:solidFill>
+                      <a:prstDash val="solid"/>
+                      <a:round/>
+                      <a:headEnd type="none" w="med" len="med"/>
+                      <a:tailEnd type="none" w="med" len="med"/>
+                    </a:lnB>
+                    <a:noFill/>
+                  </a:tcPr>
+                </a:tc>
+                <a:tc>
+                  <a:txBody>
+                    <a:bodyPr/>
+                    <a:lstStyle/>
+                    <a:p>
+                      <a:pPr algn="l" latinLnBrk="1">
+                        <a:buFont typeface="Arial" pitchFamily="34" charset="0"/>
+                        <a:buChar char="•"/>
+                      </a:pPr>
+                      <a:endParaRPr lang="ko-KR" altLang="en-US" sz="1100" b="0" dirty="0">
+                        <a:solidFill>
+                          <a:schemeClr val="tx1"/>
+                        </a:solidFill>
+                        <a:latin typeface="+mn-lt"/>
+                      </a:endParaRPr>
+                    </a:p>
+                  </a:txBody>
+                  <a:tcPr>
+                    <a:lnL w="12700" cap="flat" cmpd="sng" algn="ctr">
+                      <a:solidFill>
+                        <a:schemeClr val="tx1"/>
+                      </a:solidFill>
+                      <a:prstDash val="solid"/>
+                      <a:round/>
+                      <a:headEnd type="none" w="med" len="med"/>
+                      <a:tailEnd type="none" w="med" len="med"/>
+                    </a:lnL>
+                    <a:lnR w="12700" cap="flat" cmpd="sng" algn="ctr">
+                      <a:solidFill>
+                        <a:schemeClr val="tx1"/>
+                      </a:solidFill>
+                      <a:prstDash val="solid"/>
+                      <a:round/>
+                      <a:headEnd type="none" w="med" len="med"/>
+                      <a:tailEnd type="none" w="med" len="med"/>
+                    </a:lnR>
+                    <a:lnT w="12700" cap="flat" cmpd="sng" algn="ctr">
+                      <a:solidFill>
+                        <a:schemeClr val="tx1"/>
+                      </a:solidFill>
+                      <a:prstDash val="solid"/>
+                      <a:round/>
+                      <a:headEnd type="none" w="med" len="med"/>
+                      <a:tailEnd type="none" w="med" len="med"/>
+                    </a:lnT>
+                    <a:lnB w="12700" cap="flat" cmpd="sng" algn="ctr">
+                      <a:solidFill>
+                        <a:schemeClr val="tx1"/>
+                      </a:solidFill>
+                      <a:prstDash val="solid"/>
+                      <a:round/>
+                      <a:headEnd type="none" w="med" len="med"/>
+                      <a:tailEnd type="none" w="med" len="med"/>
+                    </a:lnB>
+                    <a:noFill/>
+                  </a:tcPr>
+                </a:tc>
+                <a:tc>
+                  <a:txBody>
+                    <a:bodyPr/>
+                    <a:lstStyle/>
+                    <a:p>
+                      <a:pPr algn="l" latinLnBrk="1">
+                        <a:buFont typeface="Arial" pitchFamily="34" charset="0"/>
+                        <a:buChar char="•"/>
+                      </a:pPr>
                       <a:endParaRPr lang="ko-KR" altLang="en-US" sz="1100" b="0" dirty="0">
                         <a:solidFill>
                           <a:schemeClr val="tx1"/>
@@ -7154,7 +10154,7 @@
 </p:sld>
 </file>
 
-<file path=ppt/slides/slide4.xml><?xml version="1.0" encoding="utf-8"?>
+<file path=ppt/slides/slide5.xml><?xml version="1.0" encoding="utf-8"?>
 <p:sld xmlns:a="http://schemas.openxmlformats.org/drawingml/2006/main" xmlns:r="http://schemas.openxmlformats.org/officeDocument/2006/relationships" xmlns:p="http://schemas.openxmlformats.org/presentationml/2006/main">
   <p:cSld>
     <p:spTree>
@@ -9266,7 +12266,7 @@
 </p:sld>
 </file>
 
-<file path=ppt/slides/slide5.xml><?xml version="1.0" encoding="utf-8"?>
+<file path=ppt/slides/slide6.xml><?xml version="1.0" encoding="utf-8"?>
 <p:sld xmlns:a="http://schemas.openxmlformats.org/drawingml/2006/main" xmlns:r="http://schemas.openxmlformats.org/officeDocument/2006/relationships" xmlns:p="http://schemas.openxmlformats.org/presentationml/2006/main">
   <p:cSld>
     <p:spTree>
